--- a/Paper/261492/Poster600610752.pptx
+++ b/Paper/261492/Poster600610752.pptx
@@ -115,7 +115,7 @@
             <a:srgbClr val="A4A3A4"/>
           </p15:clr>
         </p15:guide>
-        <p15:guide id="2" pos="9027" userDrawn="1">
+        <p15:guide id="2" pos="4763" userDrawn="1">
           <p15:clr>
             <a:srgbClr val="A4A3A4"/>
           </p15:clr>
@@ -208,7 +208,7 @@
           <a:p>
             <a:fld id="{BD616AF9-4901-43BB-A3ED-711CD44FF8EB}" type="datetimeFigureOut">
               <a:rPr lang="en-US" smtClean="0"/>
-              <a:t>3/2/2021</a:t>
+              <a:t>3/3/2021</a:t>
             </a:fld>
             <a:endParaRPr lang="en-US"/>
           </a:p>
@@ -739,7 +739,7 @@
             <a:fld id="{F0C5BF3B-CBAE-4ED5-9C60-609E34BC2E4E}" type="datetimeFigureOut">
               <a:rPr lang="th-TH" smtClean="0"/>
               <a:pPr/>
-              <a:t>02/03/64</a:t>
+              <a:t>03/03/64</a:t>
             </a:fld>
             <a:endParaRPr lang="th-TH"/>
           </a:p>
@@ -909,7 +909,7 @@
             <a:fld id="{F0C5BF3B-CBAE-4ED5-9C60-609E34BC2E4E}" type="datetimeFigureOut">
               <a:rPr lang="th-TH" smtClean="0"/>
               <a:pPr/>
-              <a:t>02/03/64</a:t>
+              <a:t>03/03/64</a:t>
             </a:fld>
             <a:endParaRPr lang="th-TH"/>
           </a:p>
@@ -1089,7 +1089,7 @@
             <a:fld id="{F0C5BF3B-CBAE-4ED5-9C60-609E34BC2E4E}" type="datetimeFigureOut">
               <a:rPr lang="th-TH" smtClean="0"/>
               <a:pPr/>
-              <a:t>02/03/64</a:t>
+              <a:t>03/03/64</a:t>
             </a:fld>
             <a:endParaRPr lang="th-TH"/>
           </a:p>
@@ -1259,7 +1259,7 @@
             <a:fld id="{F0C5BF3B-CBAE-4ED5-9C60-609E34BC2E4E}" type="datetimeFigureOut">
               <a:rPr lang="th-TH" smtClean="0"/>
               <a:pPr/>
-              <a:t>02/03/64</a:t>
+              <a:t>03/03/64</a:t>
             </a:fld>
             <a:endParaRPr lang="th-TH"/>
           </a:p>
@@ -1506,7 +1506,7 @@
             <a:fld id="{F0C5BF3B-CBAE-4ED5-9C60-609E34BC2E4E}" type="datetimeFigureOut">
               <a:rPr lang="th-TH" smtClean="0"/>
               <a:pPr/>
-              <a:t>02/03/64</a:t>
+              <a:t>03/03/64</a:t>
             </a:fld>
             <a:endParaRPr lang="th-TH"/>
           </a:p>
@@ -1793,7 +1793,7 @@
             <a:fld id="{F0C5BF3B-CBAE-4ED5-9C60-609E34BC2E4E}" type="datetimeFigureOut">
               <a:rPr lang="th-TH" smtClean="0"/>
               <a:pPr/>
-              <a:t>02/03/64</a:t>
+              <a:t>03/03/64</a:t>
             </a:fld>
             <a:endParaRPr lang="th-TH"/>
           </a:p>
@@ -2219,7 +2219,7 @@
             <a:fld id="{F0C5BF3B-CBAE-4ED5-9C60-609E34BC2E4E}" type="datetimeFigureOut">
               <a:rPr lang="th-TH" smtClean="0"/>
               <a:pPr/>
-              <a:t>02/03/64</a:t>
+              <a:t>03/03/64</a:t>
             </a:fld>
             <a:endParaRPr lang="th-TH"/>
           </a:p>
@@ -2338,7 +2338,7 @@
             <a:fld id="{F0C5BF3B-CBAE-4ED5-9C60-609E34BC2E4E}" type="datetimeFigureOut">
               <a:rPr lang="th-TH" smtClean="0"/>
               <a:pPr/>
-              <a:t>02/03/64</a:t>
+              <a:t>03/03/64</a:t>
             </a:fld>
             <a:endParaRPr lang="th-TH"/>
           </a:p>
@@ -2435,7 +2435,7 @@
             <a:fld id="{F0C5BF3B-CBAE-4ED5-9C60-609E34BC2E4E}" type="datetimeFigureOut">
               <a:rPr lang="th-TH" smtClean="0"/>
               <a:pPr/>
-              <a:t>02/03/64</a:t>
+              <a:t>03/03/64</a:t>
             </a:fld>
             <a:endParaRPr lang="th-TH"/>
           </a:p>
@@ -2712,7 +2712,7 @@
             <a:fld id="{F0C5BF3B-CBAE-4ED5-9C60-609E34BC2E4E}" type="datetimeFigureOut">
               <a:rPr lang="th-TH" smtClean="0"/>
               <a:pPr/>
-              <a:t>02/03/64</a:t>
+              <a:t>03/03/64</a:t>
             </a:fld>
             <a:endParaRPr lang="th-TH"/>
           </a:p>
@@ -2966,7 +2966,7 @@
             <a:fld id="{F0C5BF3B-CBAE-4ED5-9C60-609E34BC2E4E}" type="datetimeFigureOut">
               <a:rPr lang="th-TH" smtClean="0"/>
               <a:pPr/>
-              <a:t>02/03/64</a:t>
+              <a:t>03/03/64</a:t>
             </a:fld>
             <a:endParaRPr lang="th-TH"/>
           </a:p>
@@ -3179,7 +3179,7 @@
             <a:fld id="{F0C5BF3B-CBAE-4ED5-9C60-609E34BC2E4E}" type="datetimeFigureOut">
               <a:rPr lang="th-TH" smtClean="0"/>
               <a:pPr/>
-              <a:t>02/03/64</a:t>
+              <a:t>03/03/64</a:t>
             </a:fld>
             <a:endParaRPr lang="th-TH"/>
           </a:p>
@@ -3966,7 +3966,7 @@
         <p:spPr>
           <a:xfrm>
             <a:off x="422" y="3132560"/>
-            <a:ext cx="15156022" cy="5048057"/>
+            <a:ext cx="15156022" cy="3735535"/>
           </a:xfrm>
           <a:custGeom>
             <a:avLst/>
@@ -5122,8 +5122,8 @@
         </p:nvSpPr>
         <p:spPr>
           <a:xfrm>
-            <a:off x="-11" y="3112682"/>
-            <a:ext cx="15156022" cy="4943315"/>
+            <a:off x="-11" y="3112683"/>
+            <a:ext cx="15156022" cy="3658026"/>
           </a:xfrm>
           <a:custGeom>
             <a:avLst/>
@@ -6277,7 +6277,7 @@
         </p:nvSpPr>
         <p:spPr>
           <a:xfrm>
-            <a:off x="792510" y="7407181"/>
+            <a:off x="943637" y="6443065"/>
             <a:ext cx="4327538" cy="830997"/>
           </a:xfrm>
           <a:prstGeom prst="rect">
@@ -6319,8 +6319,8 @@
         </p:nvSpPr>
         <p:spPr>
           <a:xfrm>
-            <a:off x="946254" y="8448953"/>
-            <a:ext cx="5498651" cy="3108543"/>
+            <a:off x="943637" y="7344101"/>
+            <a:ext cx="5498651" cy="2677656"/>
           </a:xfrm>
           <a:prstGeom prst="rect">
             <a:avLst/>
@@ -6334,7 +6334,7 @@
           <a:lstStyle/>
           <a:p>
             <a:r>
-              <a:rPr lang="th-TH" sz="2800" dirty="0">
+              <a:rPr lang="th-TH" sz="2400" dirty="0">
                 <a:solidFill>
                   <a:srgbClr val="43425D"/>
                 </a:solidFill>
@@ -6344,7 +6344,7 @@
               <a:t>ตลาดฟอเร็กซ์(</a:t>
             </a:r>
             <a:r>
-              <a:rPr lang="en-US" sz="2800" dirty="0">
+              <a:rPr lang="en-US" sz="2400" dirty="0">
                 <a:solidFill>
                   <a:srgbClr val="43425D"/>
                 </a:solidFill>
@@ -6354,7 +6354,7 @@
               <a:t>Forex</a:t>
             </a:r>
             <a:r>
-              <a:rPr lang="th-TH" sz="2800" dirty="0">
+              <a:rPr lang="th-TH" sz="2400" dirty="0">
                 <a:solidFill>
                   <a:srgbClr val="43425D"/>
                 </a:solidFill>
@@ -6364,7 +6364,7 @@
               <a:t> </a:t>
             </a:r>
             <a:r>
-              <a:rPr lang="en-US" sz="2800" dirty="0">
+              <a:rPr lang="en-US" sz="2400" dirty="0">
                 <a:solidFill>
                   <a:srgbClr val="43425D"/>
                 </a:solidFill>
@@ -6374,7 +6374,7 @@
               <a:t>Market) </a:t>
             </a:r>
             <a:r>
-              <a:rPr lang="th-TH" sz="2800" dirty="0">
+              <a:rPr lang="th-TH" sz="2400" dirty="0">
                 <a:solidFill>
                   <a:srgbClr val="43425D"/>
                 </a:solidFill>
@@ -6384,7 +6384,7 @@
               <a:t>คือ ตลาดที่ทำการซื้อขายอัตราแลกเปลี่ยนเงินตรา</a:t>
             </a:r>
             <a:r>
-              <a:rPr lang="en-US" sz="2800" dirty="0">
+              <a:rPr lang="en-US" sz="2400" dirty="0">
                 <a:solidFill>
                   <a:srgbClr val="43425D"/>
                 </a:solidFill>
@@ -6394,7 +6394,7 @@
               <a:t> </a:t>
             </a:r>
             <a:r>
-              <a:rPr lang="th-TH" sz="2800" dirty="0">
+              <a:rPr lang="th-TH" sz="2400" dirty="0">
                 <a:solidFill>
                   <a:srgbClr val="43425D"/>
                 </a:solidFill>
@@ -6404,7 +6404,7 @@
               <a:t>ด้วยเหตุผลที่ว่าตลาดฟอเร็กซ์มีความอ่อนไหวหรือผันผวนสูงผู้จัดทำได้สร้างระบบทำนายตลาดโดยใช้ซัพพอร์ตเวกเตอร์รีเกรสชัน</a:t>
             </a:r>
             <a:r>
-              <a:rPr lang="en-US" sz="2800" dirty="0">
+              <a:rPr lang="en-US" sz="2400" dirty="0">
                 <a:solidFill>
                   <a:srgbClr val="43425D"/>
                 </a:solidFill>
@@ -6414,7 +6414,7 @@
               <a:t>(Support Vector Regression) </a:t>
             </a:r>
             <a:r>
-              <a:rPr lang="th-TH" sz="2800" dirty="0">
+              <a:rPr lang="th-TH" sz="2400" dirty="0">
                 <a:solidFill>
                   <a:srgbClr val="43425D"/>
                 </a:solidFill>
@@ -6423,7 +6423,7 @@
               </a:rPr>
               <a:t>มาประยุกต์ใช้ทำนายแนวโน้มในอีก 24 ชม.ถัดไป เพื่อเพิ่มโอกาสให้ผู้ลงทุนได้กำไรและเพิ่มความ มั่นใจในการลงทุนบนตลาดฟอเร็กซ์มากขึ้น 	</a:t>
             </a:r>
-            <a:endParaRPr lang="en-US" sz="2800" dirty="0">
+            <a:endParaRPr lang="en-US" sz="2400" dirty="0">
               <a:solidFill>
                 <a:srgbClr val="43425D"/>
               </a:solidFill>
@@ -6447,7 +6447,7 @@
         </p:nvSpPr>
         <p:spPr>
           <a:xfrm>
-            <a:off x="10074484" y="7477316"/>
+            <a:off x="9786452" y="6443055"/>
             <a:ext cx="4327538" cy="830997"/>
           </a:xfrm>
           <a:prstGeom prst="rect">
@@ -6490,7 +6490,7 @@
         </p:nvSpPr>
         <p:spPr>
           <a:xfrm>
-            <a:off x="806500" y="11701512"/>
+            <a:off x="931888" y="9973320"/>
             <a:ext cx="4327538" cy="830997"/>
           </a:xfrm>
           <a:prstGeom prst="rect">
@@ -6532,7 +6532,7 @@
         </p:nvSpPr>
         <p:spPr>
           <a:xfrm>
-            <a:off x="8172576" y="10207922"/>
+            <a:off x="7884544" y="8998307"/>
             <a:ext cx="6236504" cy="830997"/>
           </a:xfrm>
           <a:prstGeom prst="rect">
@@ -6575,10 +6575,10 @@
         </p:nvGrpSpPr>
         <p:grpSpPr>
           <a:xfrm>
-            <a:off x="7234509" y="8533634"/>
-            <a:ext cx="2620510" cy="1401448"/>
+            <a:off x="6946477" y="7499373"/>
+            <a:ext cx="2620510" cy="1370670"/>
             <a:chOff x="6674734" y="9916292"/>
-            <a:chExt cx="2620510" cy="1401448"/>
+            <a:chExt cx="2620510" cy="1370670"/>
           </a:xfrm>
         </p:grpSpPr>
         <p:sp>
@@ -6595,8 +6595,8 @@
           </p:nvSpPr>
           <p:spPr>
             <a:xfrm>
-              <a:off x="6674734" y="10794520"/>
-              <a:ext cx="2620510" cy="523220"/>
+              <a:off x="6674734" y="10825297"/>
+              <a:ext cx="2620510" cy="461665"/>
             </a:xfrm>
             <a:prstGeom prst="rect">
               <a:avLst/>
@@ -6611,7 +6611,7 @@
             <a:p>
               <a:pPr algn="ctr"/>
               <a:r>
-                <a:rPr lang="th-TH" sz="2800" dirty="0">
+                <a:rPr lang="th-TH" sz="2400" dirty="0">
                   <a:solidFill>
                     <a:srgbClr val="43425D"/>
                   </a:solidFill>
@@ -9577,10 +9577,10 @@
         </p:nvGrpSpPr>
         <p:grpSpPr>
           <a:xfrm>
-            <a:off x="10008946" y="8533160"/>
-            <a:ext cx="1929902" cy="1378074"/>
+            <a:off x="9720914" y="7498899"/>
+            <a:ext cx="1929902" cy="1316519"/>
             <a:chOff x="9697190" y="9915818"/>
-            <a:chExt cx="1929902" cy="1378074"/>
+            <a:chExt cx="1929902" cy="1316519"/>
           </a:xfrm>
         </p:grpSpPr>
         <p:sp>
@@ -9598,7 +9598,7 @@
           <p:spPr>
             <a:xfrm>
               <a:off x="9697190" y="10770672"/>
-              <a:ext cx="1929902" cy="523220"/>
+              <a:ext cx="1929902" cy="461665"/>
             </a:xfrm>
             <a:prstGeom prst="rect">
               <a:avLst/>
@@ -9613,7 +9613,7 @@
             <a:p>
               <a:pPr algn="ctr"/>
               <a:r>
-                <a:rPr lang="th-TH" sz="2800" dirty="0">
+                <a:rPr lang="th-TH" sz="2400" dirty="0">
                   <a:solidFill>
                     <a:srgbClr val="43425D"/>
                   </a:solidFill>
@@ -9622,7 +9622,7 @@
                 </a:rPr>
                 <a:t>ลดโอกาสผิดพลาด</a:t>
               </a:r>
-              <a:endParaRPr lang="en-US" sz="2800" dirty="0"/>
+              <a:endParaRPr lang="en-US" sz="2400" dirty="0"/>
             </a:p>
           </p:txBody>
         </p:sp>
@@ -10724,10 +10724,10 @@
         </p:nvGrpSpPr>
         <p:grpSpPr>
           <a:xfrm>
-            <a:off x="12087498" y="8550210"/>
-            <a:ext cx="2386532" cy="1361024"/>
+            <a:off x="11799466" y="7515949"/>
+            <a:ext cx="2386532" cy="1299469"/>
             <a:chOff x="11934042" y="9932868"/>
-            <a:chExt cx="2386532" cy="1361024"/>
+            <a:chExt cx="2386532" cy="1299469"/>
           </a:xfrm>
         </p:grpSpPr>
         <p:grpSp>
@@ -12050,7 +12050,7 @@
           <p:spPr>
             <a:xfrm>
               <a:off x="11934042" y="10770672"/>
-              <a:ext cx="2386532" cy="523220"/>
+              <a:ext cx="2386532" cy="461665"/>
             </a:xfrm>
             <a:prstGeom prst="rect">
               <a:avLst/>
@@ -12065,7 +12065,7 @@
             <a:p>
               <a:pPr algn="ctr"/>
               <a:r>
-                <a:rPr lang="th-TH" sz="2800" dirty="0">
+                <a:rPr lang="th-TH" sz="2400" dirty="0">
                   <a:solidFill>
                     <a:srgbClr val="43425D"/>
                   </a:solidFill>
@@ -12074,1508 +12074,10 @@
                 </a:rPr>
                 <a:t>ลดเวลาในการวิเคราะห์</a:t>
               </a:r>
-              <a:endParaRPr lang="en-US" sz="2800" dirty="0"/>
+              <a:endParaRPr lang="en-US" sz="2400" dirty="0"/>
             </a:p>
           </p:txBody>
         </p:sp>
-      </p:grpSp>
-      <p:sp>
-        <p:nvSpPr>
-          <p:cNvPr id="104" name="Google Shape;1227;p42">
-            <a:extLst>
-              <a:ext uri="{FF2B5EF4-FFF2-40B4-BE49-F238E27FC236}">
-                <a16:creationId xmlns:a16="http://schemas.microsoft.com/office/drawing/2014/main" id="{090ACA8B-FF9A-4755-ADC3-D00D3743B769}"/>
-              </a:ext>
-            </a:extLst>
-          </p:cNvPr>
-          <p:cNvSpPr/>
-          <p:nvPr/>
-        </p:nvSpPr>
-        <p:spPr>
-          <a:xfrm>
-            <a:off x="1771862" y="15830455"/>
-            <a:ext cx="4020568" cy="224100"/>
-          </a:xfrm>
-          <a:prstGeom prst="rect">
-            <a:avLst/>
-          </a:prstGeom>
-          <a:solidFill>
-            <a:srgbClr val="43425D"/>
-          </a:solidFill>
-          <a:ln>
-            <a:noFill/>
-          </a:ln>
-        </p:spPr>
-        <p:txBody>
-          <a:bodyPr spcFirstLastPara="1" wrap="square" lIns="91425" tIns="91425" rIns="91425" bIns="91425" anchor="ctr" anchorCtr="0">
-            <a:noAutofit/>
-          </a:bodyPr>
-          <a:lstStyle/>
-          <a:p>
-            <a:pPr marL="0" lvl="0" indent="0" algn="l" rtl="0">
-              <a:spcBef>
-                <a:spcPts val="0"/>
-              </a:spcBef>
-              <a:spcAft>
-                <a:spcPts val="0"/>
-              </a:spcAft>
-              <a:buNone/>
-            </a:pPr>
-            <a:endParaRPr/>
-          </a:p>
-        </p:txBody>
-      </p:sp>
-      <p:grpSp>
-        <p:nvGrpSpPr>
-          <p:cNvPr id="16" name="Group 15">
-            <a:extLst>
-              <a:ext uri="{FF2B5EF4-FFF2-40B4-BE49-F238E27FC236}">
-                <a16:creationId xmlns:a16="http://schemas.microsoft.com/office/drawing/2014/main" id="{3E016A1A-A025-4FBF-9D27-4FA6882C6108}"/>
-              </a:ext>
-            </a:extLst>
-          </p:cNvPr>
-          <p:cNvGrpSpPr/>
-          <p:nvPr/>
-        </p:nvGrpSpPr>
-        <p:grpSpPr>
-          <a:xfrm>
-            <a:off x="3244633" y="15373920"/>
-            <a:ext cx="1080000" cy="1080000"/>
-            <a:chOff x="2887271" y="15906784"/>
-            <a:chExt cx="884100" cy="883800"/>
-          </a:xfrm>
-        </p:grpSpPr>
-        <p:sp>
-          <p:nvSpPr>
-            <p:cNvPr id="107" name="Google Shape;1230;p42">
-              <a:extLst>
-                <a:ext uri="{FF2B5EF4-FFF2-40B4-BE49-F238E27FC236}">
-                  <a16:creationId xmlns:a16="http://schemas.microsoft.com/office/drawing/2014/main" id="{CE4012E7-FDF1-4414-8513-39C6B52A9ACE}"/>
-                </a:ext>
-              </a:extLst>
-            </p:cNvPr>
-            <p:cNvSpPr/>
-            <p:nvPr/>
-          </p:nvSpPr>
-          <p:spPr>
-            <a:xfrm>
-              <a:off x="2887271" y="15906784"/>
-              <a:ext cx="884100" cy="883800"/>
-            </a:xfrm>
-            <a:prstGeom prst="ellipse">
-              <a:avLst/>
-            </a:prstGeom>
-            <a:solidFill>
-              <a:srgbClr val="43425D"/>
-            </a:solidFill>
-            <a:ln>
-              <a:noFill/>
-            </a:ln>
-          </p:spPr>
-          <p:txBody>
-            <a:bodyPr spcFirstLastPara="1" wrap="square" lIns="91425" tIns="91425" rIns="91425" bIns="91425" anchor="ctr" anchorCtr="0">
-              <a:noAutofit/>
-            </a:bodyPr>
-            <a:lstStyle/>
-            <a:p>
-              <a:pPr marL="0" lvl="0" indent="0" algn="l" rtl="0">
-                <a:spcBef>
-                  <a:spcPts val="0"/>
-                </a:spcBef>
-                <a:spcAft>
-                  <a:spcPts val="0"/>
-                </a:spcAft>
-                <a:buNone/>
-              </a:pPr>
-              <a:endParaRPr/>
-            </a:p>
-          </p:txBody>
-        </p:sp>
-        <p:grpSp>
-          <p:nvGrpSpPr>
-            <p:cNvPr id="109" name="Google Shape;1232;p42">
-              <a:extLst>
-                <a:ext uri="{FF2B5EF4-FFF2-40B4-BE49-F238E27FC236}">
-                  <a16:creationId xmlns:a16="http://schemas.microsoft.com/office/drawing/2014/main" id="{E76EB922-BC94-4856-A7DB-26EFCBA8CB23}"/>
-                </a:ext>
-              </a:extLst>
-            </p:cNvPr>
-            <p:cNvGrpSpPr/>
-            <p:nvPr/>
-          </p:nvGrpSpPr>
-          <p:grpSpPr>
-            <a:xfrm>
-              <a:off x="3164547" y="16185266"/>
-              <a:ext cx="329551" cy="327272"/>
-              <a:chOff x="-64781025" y="3361050"/>
-              <a:chExt cx="317425" cy="315200"/>
-            </a:xfrm>
-            <a:solidFill>
-              <a:srgbClr val="FFFFFF"/>
-            </a:solidFill>
-          </p:grpSpPr>
-          <p:sp>
-            <p:nvSpPr>
-              <p:cNvPr id="110" name="Google Shape;1233;p42">
-                <a:extLst>
-                  <a:ext uri="{FF2B5EF4-FFF2-40B4-BE49-F238E27FC236}">
-                    <a16:creationId xmlns:a16="http://schemas.microsoft.com/office/drawing/2014/main" id="{74222655-809E-4C13-9276-E1339DED0F12}"/>
-                  </a:ext>
-                </a:extLst>
-              </p:cNvPr>
-              <p:cNvSpPr/>
-              <p:nvPr/>
-            </p:nvSpPr>
-            <p:spPr>
-              <a:xfrm>
-                <a:off x="-64764500" y="3388725"/>
-                <a:ext cx="272550" cy="272550"/>
-              </a:xfrm>
-              <a:custGeom>
-                <a:avLst/>
-                <a:gdLst/>
-                <a:ahLst/>
-                <a:cxnLst/>
-                <a:rect l="l" t="t" r="r" b="b"/>
-                <a:pathLst>
-                  <a:path w="10902" h="10902" extrusionOk="0">
-                    <a:moveTo>
-                      <a:pt x="6554" y="2647"/>
-                    </a:moveTo>
-                    <a:cubicBezTo>
-                      <a:pt x="6979" y="2647"/>
-                      <a:pt x="7404" y="2805"/>
-                      <a:pt x="7719" y="3120"/>
-                    </a:cubicBezTo>
-                    <a:cubicBezTo>
-                      <a:pt x="8381" y="3782"/>
-                      <a:pt x="8381" y="4821"/>
-                      <a:pt x="7751" y="5483"/>
-                    </a:cubicBezTo>
-                    <a:cubicBezTo>
-                      <a:pt x="7436" y="5798"/>
-                      <a:pt x="7058" y="5955"/>
-                      <a:pt x="6585" y="5955"/>
-                    </a:cubicBezTo>
-                    <a:cubicBezTo>
-                      <a:pt x="6144" y="5955"/>
-                      <a:pt x="5703" y="5798"/>
-                      <a:pt x="5388" y="5483"/>
-                    </a:cubicBezTo>
-                    <a:cubicBezTo>
-                      <a:pt x="5073" y="5168"/>
-                      <a:pt x="4915" y="4758"/>
-                      <a:pt x="4915" y="4286"/>
-                    </a:cubicBezTo>
-                    <a:cubicBezTo>
-                      <a:pt x="4915" y="3813"/>
-                      <a:pt x="5073" y="3435"/>
-                      <a:pt x="5388" y="3120"/>
-                    </a:cubicBezTo>
-                    <a:cubicBezTo>
-                      <a:pt x="5703" y="2805"/>
-                      <a:pt x="6128" y="2647"/>
-                      <a:pt x="6554" y="2647"/>
-                    </a:cubicBezTo>
-                    <a:close/>
-                    <a:moveTo>
-                      <a:pt x="2175" y="6901"/>
-                    </a:moveTo>
-                    <a:lnTo>
-                      <a:pt x="4065" y="8791"/>
-                    </a:lnTo>
-                    <a:lnTo>
-                      <a:pt x="3592" y="9484"/>
-                    </a:lnTo>
-                    <a:lnTo>
-                      <a:pt x="1418" y="7342"/>
-                    </a:lnTo>
-                    <a:lnTo>
-                      <a:pt x="2175" y="6901"/>
-                    </a:lnTo>
-                    <a:close/>
-                    <a:moveTo>
-                      <a:pt x="6907" y="1"/>
-                    </a:moveTo>
-                    <a:cubicBezTo>
-                      <a:pt x="6851" y="1"/>
-                      <a:pt x="6795" y="11"/>
-                      <a:pt x="6743" y="33"/>
-                    </a:cubicBezTo>
-                    <a:cubicBezTo>
-                      <a:pt x="5546" y="663"/>
-                      <a:pt x="4474" y="1576"/>
-                      <a:pt x="3655" y="2616"/>
-                    </a:cubicBezTo>
-                    <a:cubicBezTo>
-                      <a:pt x="3025" y="3341"/>
-                      <a:pt x="2553" y="4223"/>
-                      <a:pt x="2175" y="5136"/>
-                    </a:cubicBezTo>
-                    <a:cubicBezTo>
-                      <a:pt x="2048" y="5451"/>
-                      <a:pt x="1922" y="5766"/>
-                      <a:pt x="1859" y="6050"/>
-                    </a:cubicBezTo>
-                    <a:lnTo>
-                      <a:pt x="505" y="6838"/>
-                    </a:lnTo>
-                    <a:cubicBezTo>
-                      <a:pt x="379" y="6932"/>
-                      <a:pt x="316" y="7058"/>
-                      <a:pt x="316" y="7184"/>
-                    </a:cubicBezTo>
-                    <a:cubicBezTo>
-                      <a:pt x="316" y="7279"/>
-                      <a:pt x="347" y="7405"/>
-                      <a:pt x="442" y="7531"/>
-                    </a:cubicBezTo>
-                    <a:lnTo>
-                      <a:pt x="1072" y="8161"/>
-                    </a:lnTo>
-                    <a:cubicBezTo>
-                      <a:pt x="631" y="8696"/>
-                      <a:pt x="1" y="9673"/>
-                      <a:pt x="1" y="10272"/>
-                    </a:cubicBezTo>
-                    <a:cubicBezTo>
-                      <a:pt x="1" y="10524"/>
-                      <a:pt x="64" y="10681"/>
-                      <a:pt x="158" y="10744"/>
-                    </a:cubicBezTo>
-                    <a:cubicBezTo>
-                      <a:pt x="221" y="10839"/>
-                      <a:pt x="379" y="10902"/>
-                      <a:pt x="631" y="10902"/>
-                    </a:cubicBezTo>
-                    <a:cubicBezTo>
-                      <a:pt x="1229" y="10902"/>
-                      <a:pt x="2238" y="10240"/>
-                      <a:pt x="2742" y="9830"/>
-                    </a:cubicBezTo>
-                    <a:lnTo>
-                      <a:pt x="3372" y="10461"/>
-                    </a:lnTo>
-                    <a:cubicBezTo>
-                      <a:pt x="3466" y="10555"/>
-                      <a:pt x="3592" y="10587"/>
-                      <a:pt x="3655" y="10587"/>
-                    </a:cubicBezTo>
-                    <a:lnTo>
-                      <a:pt x="3687" y="10587"/>
-                    </a:lnTo>
-                    <a:cubicBezTo>
-                      <a:pt x="3813" y="10587"/>
-                      <a:pt x="3939" y="10524"/>
-                      <a:pt x="4002" y="10398"/>
-                    </a:cubicBezTo>
-                    <a:lnTo>
-                      <a:pt x="4789" y="9074"/>
-                    </a:lnTo>
-                    <a:cubicBezTo>
-                      <a:pt x="5104" y="8980"/>
-                      <a:pt x="5420" y="8854"/>
-                      <a:pt x="5735" y="8759"/>
-                    </a:cubicBezTo>
-                    <a:cubicBezTo>
-                      <a:pt x="6648" y="8381"/>
-                      <a:pt x="7530" y="7877"/>
-                      <a:pt x="8255" y="7279"/>
-                    </a:cubicBezTo>
-                    <a:cubicBezTo>
-                      <a:pt x="9295" y="6459"/>
-                      <a:pt x="10208" y="5388"/>
-                      <a:pt x="10838" y="4223"/>
-                    </a:cubicBezTo>
-                    <a:cubicBezTo>
-                      <a:pt x="10901" y="4065"/>
-                      <a:pt x="10870" y="3876"/>
-                      <a:pt x="10744" y="3750"/>
-                    </a:cubicBezTo>
-                    <a:lnTo>
-                      <a:pt x="7215" y="127"/>
-                    </a:lnTo>
-                    <a:cubicBezTo>
-                      <a:pt x="7131" y="43"/>
-                      <a:pt x="7019" y="1"/>
-                      <a:pt x="6907" y="1"/>
-                    </a:cubicBezTo>
-                    <a:close/>
-                  </a:path>
-                </a:pathLst>
-              </a:custGeom>
-              <a:grpFill/>
-              <a:ln>
-                <a:noFill/>
-              </a:ln>
-            </p:spPr>
-            <p:txBody>
-              <a:bodyPr spcFirstLastPara="1" wrap="square" lIns="91425" tIns="91425" rIns="91425" bIns="91425" anchor="ctr" anchorCtr="0">
-                <a:noAutofit/>
-              </a:bodyPr>
-              <a:lstStyle/>
-              <a:p>
-                <a:pPr marL="0" lvl="0" indent="0" algn="l" rtl="0">
-                  <a:spcBef>
-                    <a:spcPts val="0"/>
-                  </a:spcBef>
-                  <a:spcAft>
-                    <a:spcPts val="0"/>
-                  </a:spcAft>
-                  <a:buNone/>
-                </a:pPr>
-                <a:endParaRPr/>
-              </a:p>
-            </p:txBody>
-          </p:sp>
-          <p:sp>
-            <p:nvSpPr>
-              <p:cNvPr id="111" name="Google Shape;1234;p42">
-                <a:extLst>
-                  <a:ext uri="{FF2B5EF4-FFF2-40B4-BE49-F238E27FC236}">
-                    <a16:creationId xmlns:a16="http://schemas.microsoft.com/office/drawing/2014/main" id="{5A3A51D3-C6C0-4B58-9ACD-FE08BC6A8988}"/>
-                  </a:ext>
-                </a:extLst>
-              </p:cNvPr>
-              <p:cNvSpPr/>
-              <p:nvPr/>
-            </p:nvSpPr>
-            <p:spPr>
-              <a:xfrm>
-                <a:off x="-64568375" y="3361050"/>
-                <a:ext cx="104775" cy="105675"/>
-              </a:xfrm>
-              <a:custGeom>
-                <a:avLst/>
-                <a:gdLst/>
-                <a:ahLst/>
-                <a:cxnLst/>
-                <a:rect l="l" t="t" r="r" b="b"/>
-                <a:pathLst>
-                  <a:path w="4191" h="4227" extrusionOk="0">
-                    <a:moveTo>
-                      <a:pt x="2941" y="1"/>
-                    </a:moveTo>
-                    <a:cubicBezTo>
-                      <a:pt x="2906" y="1"/>
-                      <a:pt x="2871" y="2"/>
-                      <a:pt x="2836" y="5"/>
-                    </a:cubicBezTo>
-                    <a:cubicBezTo>
-                      <a:pt x="1828" y="100"/>
-                      <a:pt x="883" y="320"/>
-                      <a:pt x="0" y="667"/>
-                    </a:cubicBezTo>
-                    <a:lnTo>
-                      <a:pt x="3529" y="4227"/>
-                    </a:lnTo>
-                    <a:cubicBezTo>
-                      <a:pt x="3876" y="3313"/>
-                      <a:pt x="4128" y="2368"/>
-                      <a:pt x="4191" y="1392"/>
-                    </a:cubicBezTo>
-                    <a:cubicBezTo>
-                      <a:pt x="4191" y="982"/>
-                      <a:pt x="4033" y="635"/>
-                      <a:pt x="3812" y="352"/>
-                    </a:cubicBezTo>
-                    <a:cubicBezTo>
-                      <a:pt x="3558" y="125"/>
-                      <a:pt x="3252" y="1"/>
-                      <a:pt x="2941" y="1"/>
-                    </a:cubicBezTo>
-                    <a:close/>
-                  </a:path>
-                </a:pathLst>
-              </a:custGeom>
-              <a:grpFill/>
-              <a:ln>
-                <a:noFill/>
-              </a:ln>
-            </p:spPr>
-            <p:txBody>
-              <a:bodyPr spcFirstLastPara="1" wrap="square" lIns="91425" tIns="91425" rIns="91425" bIns="91425" anchor="ctr" anchorCtr="0">
-                <a:noAutofit/>
-              </a:bodyPr>
-              <a:lstStyle/>
-              <a:p>
-                <a:pPr marL="0" lvl="0" indent="0" algn="l" rtl="0">
-                  <a:spcBef>
-                    <a:spcPts val="0"/>
-                  </a:spcBef>
-                  <a:spcAft>
-                    <a:spcPts val="0"/>
-                  </a:spcAft>
-                  <a:buNone/>
-                </a:pPr>
-                <a:endParaRPr/>
-              </a:p>
-            </p:txBody>
-          </p:sp>
-          <p:sp>
-            <p:nvSpPr>
-              <p:cNvPr id="112" name="Google Shape;1235;p42">
-                <a:extLst>
-                  <a:ext uri="{FF2B5EF4-FFF2-40B4-BE49-F238E27FC236}">
-                    <a16:creationId xmlns:a16="http://schemas.microsoft.com/office/drawing/2014/main" id="{B8E45F6E-625F-4F58-A2DC-CE197E574645}"/>
-                  </a:ext>
-                </a:extLst>
-              </p:cNvPr>
-              <p:cNvSpPr/>
-              <p:nvPr/>
-            </p:nvSpPr>
-            <p:spPr>
-              <a:xfrm>
-                <a:off x="-64645575" y="3596675"/>
-                <a:ext cx="85100" cy="79575"/>
-              </a:xfrm>
-              <a:custGeom>
-                <a:avLst/>
-                <a:gdLst/>
-                <a:ahLst/>
-                <a:cxnLst/>
-                <a:rect l="l" t="t" r="r" b="b"/>
-                <a:pathLst>
-                  <a:path w="3404" h="3183" extrusionOk="0">
-                    <a:moveTo>
-                      <a:pt x="3403" y="0"/>
-                    </a:moveTo>
-                    <a:lnTo>
-                      <a:pt x="3403" y="0"/>
-                    </a:lnTo>
-                    <a:cubicBezTo>
-                      <a:pt x="2710" y="473"/>
-                      <a:pt x="2017" y="819"/>
-                      <a:pt x="1261" y="1134"/>
-                    </a:cubicBezTo>
-                    <a:cubicBezTo>
-                      <a:pt x="1041" y="1292"/>
-                      <a:pt x="726" y="1386"/>
-                      <a:pt x="442" y="1449"/>
-                    </a:cubicBezTo>
-                    <a:cubicBezTo>
-                      <a:pt x="347" y="1859"/>
-                      <a:pt x="253" y="2237"/>
-                      <a:pt x="95" y="2584"/>
-                    </a:cubicBezTo>
-                    <a:cubicBezTo>
-                      <a:pt x="1" y="2741"/>
-                      <a:pt x="32" y="2930"/>
-                      <a:pt x="158" y="3056"/>
-                    </a:cubicBezTo>
-                    <a:cubicBezTo>
-                      <a:pt x="253" y="3151"/>
-                      <a:pt x="347" y="3182"/>
-                      <a:pt x="442" y="3182"/>
-                    </a:cubicBezTo>
-                    <a:cubicBezTo>
-                      <a:pt x="505" y="3182"/>
-                      <a:pt x="568" y="3182"/>
-                      <a:pt x="600" y="3151"/>
-                    </a:cubicBezTo>
-                    <a:cubicBezTo>
-                      <a:pt x="1135" y="2867"/>
-                      <a:pt x="1671" y="2521"/>
-                      <a:pt x="2080" y="2080"/>
-                    </a:cubicBezTo>
-                    <a:cubicBezTo>
-                      <a:pt x="2679" y="1481"/>
-                      <a:pt x="3151" y="756"/>
-                      <a:pt x="3403" y="0"/>
-                    </a:cubicBezTo>
-                    <a:close/>
-                  </a:path>
-                </a:pathLst>
-              </a:custGeom>
-              <a:grpFill/>
-              <a:ln>
-                <a:noFill/>
-              </a:ln>
-            </p:spPr>
-            <p:txBody>
-              <a:bodyPr spcFirstLastPara="1" wrap="square" lIns="91425" tIns="91425" rIns="91425" bIns="91425" anchor="ctr" anchorCtr="0">
-                <a:noAutofit/>
-              </a:bodyPr>
-              <a:lstStyle/>
-              <a:p>
-                <a:pPr marL="0" lvl="0" indent="0" algn="l" rtl="0">
-                  <a:spcBef>
-                    <a:spcPts val="0"/>
-                  </a:spcBef>
-                  <a:spcAft>
-                    <a:spcPts val="0"/>
-                  </a:spcAft>
-                  <a:buNone/>
-                </a:pPr>
-                <a:endParaRPr/>
-              </a:p>
-            </p:txBody>
-          </p:sp>
-          <p:sp>
-            <p:nvSpPr>
-              <p:cNvPr id="113" name="Google Shape;1236;p42">
-                <a:extLst>
-                  <a:ext uri="{FF2B5EF4-FFF2-40B4-BE49-F238E27FC236}">
-                    <a16:creationId xmlns:a16="http://schemas.microsoft.com/office/drawing/2014/main" id="{83FB492B-A2EB-477A-817D-0FE679F7BC80}"/>
-                  </a:ext>
-                </a:extLst>
-              </p:cNvPr>
-              <p:cNvSpPr/>
-              <p:nvPr/>
-            </p:nvSpPr>
-            <p:spPr>
-              <a:xfrm>
-                <a:off x="-64781025" y="3456475"/>
-                <a:ext cx="80350" cy="85075"/>
-              </a:xfrm>
-              <a:custGeom>
-                <a:avLst/>
-                <a:gdLst/>
-                <a:ahLst/>
-                <a:cxnLst/>
-                <a:rect l="l" t="t" r="r" b="b"/>
-                <a:pathLst>
-                  <a:path w="3214" h="3403" extrusionOk="0">
-                    <a:moveTo>
-                      <a:pt x="3214" y="0"/>
-                    </a:moveTo>
-                    <a:cubicBezTo>
-                      <a:pt x="2426" y="252"/>
-                      <a:pt x="1733" y="725"/>
-                      <a:pt x="1134" y="1324"/>
-                    </a:cubicBezTo>
-                    <a:cubicBezTo>
-                      <a:pt x="693" y="1733"/>
-                      <a:pt x="347" y="2269"/>
-                      <a:pt x="63" y="2804"/>
-                    </a:cubicBezTo>
-                    <a:cubicBezTo>
-                      <a:pt x="0" y="2962"/>
-                      <a:pt x="32" y="3151"/>
-                      <a:pt x="158" y="3277"/>
-                    </a:cubicBezTo>
-                    <a:cubicBezTo>
-                      <a:pt x="221" y="3371"/>
-                      <a:pt x="347" y="3403"/>
-                      <a:pt x="410" y="3403"/>
-                    </a:cubicBezTo>
-                    <a:cubicBezTo>
-                      <a:pt x="504" y="3403"/>
-                      <a:pt x="536" y="3403"/>
-                      <a:pt x="630" y="3371"/>
-                    </a:cubicBezTo>
-                    <a:cubicBezTo>
-                      <a:pt x="977" y="3214"/>
-                      <a:pt x="1355" y="3088"/>
-                      <a:pt x="1764" y="2993"/>
-                    </a:cubicBezTo>
-                    <a:cubicBezTo>
-                      <a:pt x="1827" y="2678"/>
-                      <a:pt x="1953" y="2426"/>
-                      <a:pt x="2079" y="2143"/>
-                    </a:cubicBezTo>
-                    <a:cubicBezTo>
-                      <a:pt x="2394" y="1387"/>
-                      <a:pt x="2741" y="694"/>
-                      <a:pt x="3214" y="0"/>
-                    </a:cubicBezTo>
-                    <a:close/>
-                  </a:path>
-                </a:pathLst>
-              </a:custGeom>
-              <a:grpFill/>
-              <a:ln>
-                <a:noFill/>
-              </a:ln>
-            </p:spPr>
-            <p:txBody>
-              <a:bodyPr spcFirstLastPara="1" wrap="square" lIns="91425" tIns="91425" rIns="91425" bIns="91425" anchor="ctr" anchorCtr="0">
-                <a:noAutofit/>
-              </a:bodyPr>
-              <a:lstStyle/>
-              <a:p>
-                <a:pPr marL="0" lvl="0" indent="0" algn="l" rtl="0">
-                  <a:spcBef>
-                    <a:spcPts val="0"/>
-                  </a:spcBef>
-                  <a:spcAft>
-                    <a:spcPts val="0"/>
-                  </a:spcAft>
-                  <a:buNone/>
-                </a:pPr>
-                <a:endParaRPr/>
-              </a:p>
-            </p:txBody>
-          </p:sp>
-        </p:grpSp>
-      </p:grpSp>
-      <p:grpSp>
-        <p:nvGrpSpPr>
-          <p:cNvPr id="17" name="Group 16">
-            <a:extLst>
-              <a:ext uri="{FF2B5EF4-FFF2-40B4-BE49-F238E27FC236}">
-                <a16:creationId xmlns:a16="http://schemas.microsoft.com/office/drawing/2014/main" id="{4BA8CB40-FDBE-4687-B0E3-6F42963EF454}"/>
-              </a:ext>
-            </a:extLst>
-          </p:cNvPr>
-          <p:cNvGrpSpPr/>
-          <p:nvPr/>
-        </p:nvGrpSpPr>
-        <p:grpSpPr>
-          <a:xfrm>
-            <a:off x="5234184" y="15394985"/>
-            <a:ext cx="1080000" cy="1080000"/>
-            <a:chOff x="4538487" y="15906784"/>
-            <a:chExt cx="884100" cy="883800"/>
-          </a:xfrm>
-        </p:grpSpPr>
-        <p:sp>
-          <p:nvSpPr>
-            <p:cNvPr id="108" name="Google Shape;1231;p42">
-              <a:extLst>
-                <a:ext uri="{FF2B5EF4-FFF2-40B4-BE49-F238E27FC236}">
-                  <a16:creationId xmlns:a16="http://schemas.microsoft.com/office/drawing/2014/main" id="{6D398AF0-9A13-4D42-973C-FAA954184CC6}"/>
-                </a:ext>
-              </a:extLst>
-            </p:cNvPr>
-            <p:cNvSpPr/>
-            <p:nvPr/>
-          </p:nvSpPr>
-          <p:spPr>
-            <a:xfrm>
-              <a:off x="4538487" y="15906784"/>
-              <a:ext cx="884100" cy="883800"/>
-            </a:xfrm>
-            <a:prstGeom prst="ellipse">
-              <a:avLst/>
-            </a:prstGeom>
-            <a:solidFill>
-              <a:srgbClr val="43425D"/>
-            </a:solidFill>
-            <a:ln>
-              <a:noFill/>
-            </a:ln>
-          </p:spPr>
-          <p:txBody>
-            <a:bodyPr spcFirstLastPara="1" wrap="square" lIns="91425" tIns="91425" rIns="91425" bIns="91425" anchor="ctr" anchorCtr="0">
-              <a:noAutofit/>
-            </a:bodyPr>
-            <a:lstStyle/>
-            <a:p>
-              <a:pPr marL="0" lvl="0" indent="0" algn="l" rtl="0">
-                <a:spcBef>
-                  <a:spcPts val="0"/>
-                </a:spcBef>
-                <a:spcAft>
-                  <a:spcPts val="0"/>
-                </a:spcAft>
-                <a:buNone/>
-              </a:pPr>
-              <a:endParaRPr/>
-            </a:p>
-          </p:txBody>
-        </p:sp>
-        <p:sp>
-          <p:nvSpPr>
-            <p:cNvPr id="114" name="Google Shape;1237;p42">
-              <a:extLst>
-                <a:ext uri="{FF2B5EF4-FFF2-40B4-BE49-F238E27FC236}">
-                  <a16:creationId xmlns:a16="http://schemas.microsoft.com/office/drawing/2014/main" id="{C575FCA1-A510-4A44-82E7-CF2E65C52E8A}"/>
-                </a:ext>
-              </a:extLst>
-            </p:cNvPr>
-            <p:cNvSpPr/>
-            <p:nvPr/>
-          </p:nvSpPr>
-          <p:spPr>
-            <a:xfrm>
-              <a:off x="4815282" y="16220296"/>
-              <a:ext cx="328720" cy="256798"/>
-            </a:xfrm>
-            <a:custGeom>
-              <a:avLst/>
-              <a:gdLst/>
-              <a:ahLst/>
-              <a:cxnLst/>
-              <a:rect l="l" t="t" r="r" b="b"/>
-              <a:pathLst>
-                <a:path w="12665" h="9893" extrusionOk="0">
-                  <a:moveTo>
-                    <a:pt x="8538" y="2458"/>
-                  </a:moveTo>
-                  <a:cubicBezTo>
-                    <a:pt x="8758" y="2458"/>
-                    <a:pt x="8916" y="2678"/>
-                    <a:pt x="8916" y="2899"/>
-                  </a:cubicBezTo>
-                  <a:lnTo>
-                    <a:pt x="8916" y="4569"/>
-                  </a:lnTo>
-                  <a:cubicBezTo>
-                    <a:pt x="8916" y="4789"/>
-                    <a:pt x="8727" y="4978"/>
-                    <a:pt x="8538" y="4978"/>
-                  </a:cubicBezTo>
-                  <a:cubicBezTo>
-                    <a:pt x="8349" y="4978"/>
-                    <a:pt x="8128" y="4789"/>
-                    <a:pt x="8128" y="4569"/>
-                  </a:cubicBezTo>
-                  <a:lnTo>
-                    <a:pt x="8128" y="3875"/>
-                  </a:lnTo>
-                  <a:lnTo>
-                    <a:pt x="6364" y="5671"/>
-                  </a:lnTo>
-                  <a:cubicBezTo>
-                    <a:pt x="6285" y="5750"/>
-                    <a:pt x="6175" y="5789"/>
-                    <a:pt x="6065" y="5789"/>
-                  </a:cubicBezTo>
-                  <a:cubicBezTo>
-                    <a:pt x="5954" y="5789"/>
-                    <a:pt x="5844" y="5750"/>
-                    <a:pt x="5765" y="5671"/>
-                  </a:cubicBezTo>
-                  <a:lnTo>
-                    <a:pt x="5230" y="5104"/>
-                  </a:lnTo>
-                  <a:lnTo>
-                    <a:pt x="3844" y="6490"/>
-                  </a:lnTo>
-                  <a:cubicBezTo>
-                    <a:pt x="3765" y="6569"/>
-                    <a:pt x="3655" y="6608"/>
-                    <a:pt x="3544" y="6608"/>
-                  </a:cubicBezTo>
-                  <a:cubicBezTo>
-                    <a:pt x="3434" y="6608"/>
-                    <a:pt x="3324" y="6569"/>
-                    <a:pt x="3245" y="6490"/>
-                  </a:cubicBezTo>
-                  <a:cubicBezTo>
-                    <a:pt x="3087" y="6333"/>
-                    <a:pt x="3087" y="6049"/>
-                    <a:pt x="3245" y="5892"/>
-                  </a:cubicBezTo>
-                  <a:lnTo>
-                    <a:pt x="4915" y="4254"/>
-                  </a:lnTo>
-                  <a:cubicBezTo>
-                    <a:pt x="4994" y="4175"/>
-                    <a:pt x="5104" y="4135"/>
-                    <a:pt x="5214" y="4135"/>
-                  </a:cubicBezTo>
-                  <a:cubicBezTo>
-                    <a:pt x="5324" y="4135"/>
-                    <a:pt x="5435" y="4175"/>
-                    <a:pt x="5513" y="4254"/>
-                  </a:cubicBezTo>
-                  <a:lnTo>
-                    <a:pt x="6049" y="4789"/>
-                  </a:lnTo>
-                  <a:lnTo>
-                    <a:pt x="7561" y="3308"/>
-                  </a:lnTo>
-                  <a:lnTo>
-                    <a:pt x="6868" y="3308"/>
-                  </a:lnTo>
-                  <a:cubicBezTo>
-                    <a:pt x="6648" y="3308"/>
-                    <a:pt x="6490" y="3088"/>
-                    <a:pt x="6490" y="2899"/>
-                  </a:cubicBezTo>
-                  <a:cubicBezTo>
-                    <a:pt x="6490" y="2678"/>
-                    <a:pt x="6679" y="2458"/>
-                    <a:pt x="6868" y="2458"/>
-                  </a:cubicBezTo>
-                  <a:close/>
-                  <a:moveTo>
-                    <a:pt x="11814" y="8255"/>
-                  </a:moveTo>
-                  <a:cubicBezTo>
-                    <a:pt x="11814" y="8538"/>
-                    <a:pt x="11877" y="9105"/>
-                    <a:pt x="11405" y="9105"/>
-                  </a:cubicBezTo>
-                  <a:lnTo>
-                    <a:pt x="1197" y="9105"/>
-                  </a:lnTo>
-                  <a:cubicBezTo>
-                    <a:pt x="977" y="9105"/>
-                    <a:pt x="788" y="8885"/>
-                    <a:pt x="788" y="8664"/>
-                  </a:cubicBezTo>
-                  <a:lnTo>
-                    <a:pt x="788" y="8255"/>
-                  </a:lnTo>
-                  <a:close/>
-                  <a:moveTo>
-                    <a:pt x="2048" y="0"/>
-                  </a:moveTo>
-                  <a:cubicBezTo>
-                    <a:pt x="1355" y="0"/>
-                    <a:pt x="819" y="536"/>
-                    <a:pt x="819" y="1229"/>
-                  </a:cubicBezTo>
-                  <a:lnTo>
-                    <a:pt x="819" y="7435"/>
-                  </a:lnTo>
-                  <a:lnTo>
-                    <a:pt x="410" y="7435"/>
-                  </a:lnTo>
-                  <a:cubicBezTo>
-                    <a:pt x="189" y="7435"/>
-                    <a:pt x="0" y="7625"/>
-                    <a:pt x="0" y="7845"/>
-                  </a:cubicBezTo>
-                  <a:lnTo>
-                    <a:pt x="0" y="8664"/>
-                  </a:lnTo>
-                  <a:cubicBezTo>
-                    <a:pt x="0" y="9326"/>
-                    <a:pt x="536" y="9893"/>
-                    <a:pt x="1260" y="9893"/>
-                  </a:cubicBezTo>
-                  <a:lnTo>
-                    <a:pt x="11436" y="9893"/>
-                  </a:lnTo>
-                  <a:cubicBezTo>
-                    <a:pt x="12129" y="9893"/>
-                    <a:pt x="12665" y="9326"/>
-                    <a:pt x="12665" y="8664"/>
-                  </a:cubicBezTo>
-                  <a:lnTo>
-                    <a:pt x="12665" y="7845"/>
-                  </a:lnTo>
-                  <a:cubicBezTo>
-                    <a:pt x="12634" y="7593"/>
-                    <a:pt x="12444" y="7435"/>
-                    <a:pt x="12224" y="7435"/>
-                  </a:cubicBezTo>
-                  <a:lnTo>
-                    <a:pt x="11814" y="7435"/>
-                  </a:lnTo>
-                  <a:lnTo>
-                    <a:pt x="11814" y="1229"/>
-                  </a:lnTo>
-                  <a:cubicBezTo>
-                    <a:pt x="11814" y="536"/>
-                    <a:pt x="11247" y="0"/>
-                    <a:pt x="10586" y="0"/>
-                  </a:cubicBezTo>
-                  <a:close/>
-                </a:path>
-              </a:pathLst>
-            </a:custGeom>
-            <a:solidFill>
-              <a:srgbClr val="FFFFFF"/>
-            </a:solidFill>
-            <a:ln>
-              <a:noFill/>
-            </a:ln>
-          </p:spPr>
-          <p:txBody>
-            <a:bodyPr spcFirstLastPara="1" wrap="square" lIns="91425" tIns="91425" rIns="91425" bIns="91425" anchor="ctr" anchorCtr="0">
-              <a:noAutofit/>
-            </a:bodyPr>
-            <a:lstStyle/>
-            <a:p>
-              <a:pPr marL="0" lvl="0" indent="0" algn="l" rtl="0">
-                <a:spcBef>
-                  <a:spcPts val="0"/>
-                </a:spcBef>
-                <a:spcAft>
-                  <a:spcPts val="0"/>
-                </a:spcAft>
-                <a:buNone/>
-              </a:pPr>
-              <a:endParaRPr/>
-            </a:p>
-          </p:txBody>
-        </p:sp>
-      </p:grpSp>
-      <p:grpSp>
-        <p:nvGrpSpPr>
-          <p:cNvPr id="12" name="Group 11">
-            <a:extLst>
-              <a:ext uri="{FF2B5EF4-FFF2-40B4-BE49-F238E27FC236}">
-                <a16:creationId xmlns:a16="http://schemas.microsoft.com/office/drawing/2014/main" id="{D0C6B3CD-85C5-4288-BE2F-9B48AE72FD9D}"/>
-              </a:ext>
-            </a:extLst>
-          </p:cNvPr>
-          <p:cNvGrpSpPr/>
-          <p:nvPr/>
-        </p:nvGrpSpPr>
-        <p:grpSpPr>
-          <a:xfrm>
-            <a:off x="1250898" y="15395605"/>
-            <a:ext cx="1080000" cy="1080000"/>
-            <a:chOff x="1236144" y="15906784"/>
-            <a:chExt cx="884100" cy="883800"/>
-          </a:xfrm>
-        </p:grpSpPr>
-        <p:sp>
-          <p:nvSpPr>
-            <p:cNvPr id="106" name="Google Shape;1229;p42">
-              <a:extLst>
-                <a:ext uri="{FF2B5EF4-FFF2-40B4-BE49-F238E27FC236}">
-                  <a16:creationId xmlns:a16="http://schemas.microsoft.com/office/drawing/2014/main" id="{E3F36285-1D72-405F-ABD9-92E245BBF802}"/>
-                </a:ext>
-              </a:extLst>
-            </p:cNvPr>
-            <p:cNvSpPr/>
-            <p:nvPr/>
-          </p:nvSpPr>
-          <p:spPr>
-            <a:xfrm>
-              <a:off x="1236144" y="15906784"/>
-              <a:ext cx="884100" cy="883800"/>
-            </a:xfrm>
-            <a:prstGeom prst="ellipse">
-              <a:avLst/>
-            </a:prstGeom>
-            <a:solidFill>
-              <a:srgbClr val="43425D"/>
-            </a:solidFill>
-            <a:ln>
-              <a:noFill/>
-            </a:ln>
-          </p:spPr>
-          <p:txBody>
-            <a:bodyPr spcFirstLastPara="1" wrap="square" lIns="91425" tIns="91425" rIns="91425" bIns="91425" anchor="ctr" anchorCtr="0">
-              <a:noAutofit/>
-            </a:bodyPr>
-            <a:lstStyle/>
-            <a:p>
-              <a:pPr marL="0" lvl="0" indent="0" algn="l" rtl="0">
-                <a:spcBef>
-                  <a:spcPts val="0"/>
-                </a:spcBef>
-                <a:spcAft>
-                  <a:spcPts val="0"/>
-                </a:spcAft>
-                <a:buNone/>
-              </a:pPr>
-              <a:endParaRPr/>
-            </a:p>
-          </p:txBody>
-        </p:sp>
-        <p:grpSp>
-          <p:nvGrpSpPr>
-            <p:cNvPr id="121" name="Google Shape;1244;p42">
-              <a:extLst>
-                <a:ext uri="{FF2B5EF4-FFF2-40B4-BE49-F238E27FC236}">
-                  <a16:creationId xmlns:a16="http://schemas.microsoft.com/office/drawing/2014/main" id="{612C2345-9CE2-4A2C-8CA5-ACC68559D1A6}"/>
-                </a:ext>
-              </a:extLst>
-            </p:cNvPr>
-            <p:cNvGrpSpPr/>
-            <p:nvPr/>
-          </p:nvGrpSpPr>
-          <p:grpSpPr>
-            <a:xfrm>
-              <a:off x="1478470" y="16150250"/>
-              <a:ext cx="399487" cy="396897"/>
-              <a:chOff x="-22845575" y="3504075"/>
-              <a:chExt cx="296950" cy="295025"/>
-            </a:xfrm>
-            <a:solidFill>
-              <a:srgbClr val="FFFFFF"/>
-            </a:solidFill>
-          </p:grpSpPr>
-          <p:sp>
-            <p:nvSpPr>
-              <p:cNvPr id="122" name="Google Shape;1245;p42">
-                <a:extLst>
-                  <a:ext uri="{FF2B5EF4-FFF2-40B4-BE49-F238E27FC236}">
-                    <a16:creationId xmlns:a16="http://schemas.microsoft.com/office/drawing/2014/main" id="{2DB80CF3-068A-44FA-B49B-D74ADEDF8648}"/>
-                  </a:ext>
-                </a:extLst>
-              </p:cNvPr>
-              <p:cNvSpPr/>
-              <p:nvPr/>
-            </p:nvSpPr>
-            <p:spPr>
-              <a:xfrm>
-                <a:off x="-22688825" y="3504100"/>
-                <a:ext cx="140200" cy="295000"/>
-              </a:xfrm>
-              <a:custGeom>
-                <a:avLst/>
-                <a:gdLst/>
-                <a:ahLst/>
-                <a:cxnLst/>
-                <a:rect l="l" t="t" r="r" b="b"/>
-                <a:pathLst>
-                  <a:path w="5608" h="11800" extrusionOk="0">
-                    <a:moveTo>
-                      <a:pt x="1465" y="2908"/>
-                    </a:moveTo>
-                    <a:cubicBezTo>
-                      <a:pt x="1552" y="2908"/>
-                      <a:pt x="1638" y="2931"/>
-                      <a:pt x="1701" y="2979"/>
-                    </a:cubicBezTo>
-                    <a:cubicBezTo>
-                      <a:pt x="1827" y="3105"/>
-                      <a:pt x="1827" y="3357"/>
-                      <a:pt x="1701" y="3451"/>
-                    </a:cubicBezTo>
-                    <a:cubicBezTo>
-                      <a:pt x="1292" y="3861"/>
-                      <a:pt x="1292" y="4522"/>
-                      <a:pt x="1701" y="4932"/>
-                    </a:cubicBezTo>
-                    <a:cubicBezTo>
-                      <a:pt x="1827" y="5026"/>
-                      <a:pt x="1827" y="5279"/>
-                      <a:pt x="1701" y="5373"/>
-                    </a:cubicBezTo>
-                    <a:cubicBezTo>
-                      <a:pt x="1632" y="5477"/>
-                      <a:pt x="1544" y="5524"/>
-                      <a:pt x="1452" y="5524"/>
-                    </a:cubicBezTo>
-                    <a:cubicBezTo>
-                      <a:pt x="1377" y="5524"/>
-                      <a:pt x="1300" y="5493"/>
-                      <a:pt x="1229" y="5436"/>
-                    </a:cubicBezTo>
-                    <a:cubicBezTo>
-                      <a:pt x="567" y="4774"/>
-                      <a:pt x="567" y="3672"/>
-                      <a:pt x="1229" y="2979"/>
-                    </a:cubicBezTo>
-                    <a:cubicBezTo>
-                      <a:pt x="1292" y="2931"/>
-                      <a:pt x="1378" y="2908"/>
-                      <a:pt x="1465" y="2908"/>
-                    </a:cubicBezTo>
-                    <a:close/>
-                    <a:moveTo>
-                      <a:pt x="2461" y="7313"/>
-                    </a:moveTo>
-                    <a:cubicBezTo>
-                      <a:pt x="2532" y="7313"/>
-                      <a:pt x="2605" y="7318"/>
-                      <a:pt x="2678" y="7326"/>
-                    </a:cubicBezTo>
-                    <a:cubicBezTo>
-                      <a:pt x="2867" y="7358"/>
-                      <a:pt x="3025" y="7515"/>
-                      <a:pt x="2993" y="7704"/>
-                    </a:cubicBezTo>
-                    <a:cubicBezTo>
-                      <a:pt x="2962" y="7925"/>
-                      <a:pt x="2804" y="8019"/>
-                      <a:pt x="2615" y="8019"/>
-                    </a:cubicBezTo>
-                    <a:cubicBezTo>
-                      <a:pt x="2579" y="8016"/>
-                      <a:pt x="2543" y="8014"/>
-                      <a:pt x="2507" y="8014"/>
-                    </a:cubicBezTo>
-                    <a:cubicBezTo>
-                      <a:pt x="1947" y="8014"/>
-                      <a:pt x="1418" y="8467"/>
-                      <a:pt x="1418" y="9059"/>
-                    </a:cubicBezTo>
-                    <a:cubicBezTo>
-                      <a:pt x="1418" y="9248"/>
-                      <a:pt x="1260" y="9406"/>
-                      <a:pt x="1071" y="9406"/>
-                    </a:cubicBezTo>
-                    <a:cubicBezTo>
-                      <a:pt x="882" y="9406"/>
-                      <a:pt x="725" y="9248"/>
-                      <a:pt x="725" y="9059"/>
-                    </a:cubicBezTo>
-                    <a:cubicBezTo>
-                      <a:pt x="725" y="8091"/>
-                      <a:pt x="1490" y="7313"/>
-                      <a:pt x="2461" y="7313"/>
-                    </a:cubicBezTo>
-                    <a:close/>
-                    <a:moveTo>
-                      <a:pt x="1060" y="0"/>
-                    </a:moveTo>
-                    <a:cubicBezTo>
-                      <a:pt x="689" y="0"/>
-                      <a:pt x="327" y="130"/>
-                      <a:pt x="0" y="364"/>
-                    </a:cubicBezTo>
-                    <a:lnTo>
-                      <a:pt x="0" y="5247"/>
-                    </a:lnTo>
-                    <a:cubicBezTo>
-                      <a:pt x="0" y="5814"/>
-                      <a:pt x="473" y="6255"/>
-                      <a:pt x="1040" y="6255"/>
-                    </a:cubicBezTo>
-                    <a:cubicBezTo>
-                      <a:pt x="1229" y="6255"/>
-                      <a:pt x="1386" y="6413"/>
-                      <a:pt x="1386" y="6602"/>
-                    </a:cubicBezTo>
-                    <a:cubicBezTo>
-                      <a:pt x="1386" y="6822"/>
-                      <a:pt x="1229" y="6948"/>
-                      <a:pt x="1040" y="6948"/>
-                    </a:cubicBezTo>
-                    <a:cubicBezTo>
-                      <a:pt x="630" y="6948"/>
-                      <a:pt x="284" y="6854"/>
-                      <a:pt x="0" y="6602"/>
-                    </a:cubicBezTo>
-                    <a:lnTo>
-                      <a:pt x="0" y="11453"/>
-                    </a:lnTo>
-                    <a:cubicBezTo>
-                      <a:pt x="284" y="11705"/>
-                      <a:pt x="630" y="11800"/>
-                      <a:pt x="1040" y="11800"/>
-                    </a:cubicBezTo>
-                    <a:cubicBezTo>
-                      <a:pt x="1733" y="11800"/>
-                      <a:pt x="2363" y="11359"/>
-                      <a:pt x="2647" y="10760"/>
-                    </a:cubicBezTo>
-                    <a:cubicBezTo>
-                      <a:pt x="3497" y="10634"/>
-                      <a:pt x="4190" y="9910"/>
-                      <a:pt x="4190" y="9028"/>
-                    </a:cubicBezTo>
-                    <a:cubicBezTo>
-                      <a:pt x="4190" y="8902"/>
-                      <a:pt x="4159" y="8776"/>
-                      <a:pt x="4159" y="8618"/>
-                    </a:cubicBezTo>
-                    <a:cubicBezTo>
-                      <a:pt x="4505" y="8555"/>
-                      <a:pt x="4820" y="8397"/>
-                      <a:pt x="5104" y="8145"/>
-                    </a:cubicBezTo>
-                    <a:cubicBezTo>
-                      <a:pt x="5419" y="7830"/>
-                      <a:pt x="5608" y="7389"/>
-                      <a:pt x="5608" y="6917"/>
-                    </a:cubicBezTo>
-                    <a:cubicBezTo>
-                      <a:pt x="5608" y="6539"/>
-                      <a:pt x="5482" y="6192"/>
-                      <a:pt x="5261" y="5909"/>
-                    </a:cubicBezTo>
-                    <a:cubicBezTo>
-                      <a:pt x="5482" y="5594"/>
-                      <a:pt x="5608" y="5247"/>
-                      <a:pt x="5608" y="4869"/>
-                    </a:cubicBezTo>
-                    <a:cubicBezTo>
-                      <a:pt x="5608" y="4396"/>
-                      <a:pt x="5387" y="3987"/>
-                      <a:pt x="5072" y="3672"/>
-                    </a:cubicBezTo>
-                    <a:cubicBezTo>
-                      <a:pt x="4852" y="3420"/>
-                      <a:pt x="4505" y="3262"/>
-                      <a:pt x="4127" y="3199"/>
-                    </a:cubicBezTo>
-                    <a:cubicBezTo>
-                      <a:pt x="4253" y="2632"/>
-                      <a:pt x="4096" y="2002"/>
-                      <a:pt x="3655" y="1561"/>
-                    </a:cubicBezTo>
-                    <a:cubicBezTo>
-                      <a:pt x="3403" y="1309"/>
-                      <a:pt x="3025" y="1120"/>
-                      <a:pt x="2647" y="1088"/>
-                    </a:cubicBezTo>
-                    <a:cubicBezTo>
-                      <a:pt x="2394" y="584"/>
-                      <a:pt x="1985" y="143"/>
-                      <a:pt x="1449" y="49"/>
-                    </a:cubicBezTo>
-                    <a:cubicBezTo>
-                      <a:pt x="1319" y="16"/>
-                      <a:pt x="1189" y="0"/>
-                      <a:pt x="1060" y="0"/>
-                    </a:cubicBezTo>
-                    <a:close/>
-                  </a:path>
-                </a:pathLst>
-              </a:custGeom>
-              <a:grpFill/>
-              <a:ln>
-                <a:noFill/>
-              </a:ln>
-            </p:spPr>
-            <p:txBody>
-              <a:bodyPr spcFirstLastPara="1" wrap="square" lIns="91425" tIns="91425" rIns="91425" bIns="91425" anchor="ctr" anchorCtr="0">
-                <a:noAutofit/>
-              </a:bodyPr>
-              <a:lstStyle/>
-              <a:p>
-                <a:pPr marL="0" lvl="0" indent="0" algn="l" rtl="0">
-                  <a:spcBef>
-                    <a:spcPts val="0"/>
-                  </a:spcBef>
-                  <a:spcAft>
-                    <a:spcPts val="0"/>
-                  </a:spcAft>
-                  <a:buNone/>
-                </a:pPr>
-                <a:endParaRPr/>
-              </a:p>
-            </p:txBody>
-          </p:sp>
-          <p:sp>
-            <p:nvSpPr>
-              <p:cNvPr id="123" name="Google Shape;1246;p42">
-                <a:extLst>
-                  <a:ext uri="{FF2B5EF4-FFF2-40B4-BE49-F238E27FC236}">
-                    <a16:creationId xmlns:a16="http://schemas.microsoft.com/office/drawing/2014/main" id="{28F1D26E-E6DA-4B14-A242-4547C1D77A0E}"/>
-                  </a:ext>
-                </a:extLst>
-              </p:cNvPr>
-              <p:cNvSpPr/>
-              <p:nvPr/>
-            </p:nvSpPr>
-            <p:spPr>
-              <a:xfrm>
-                <a:off x="-22845575" y="3504075"/>
-                <a:ext cx="139425" cy="294250"/>
-              </a:xfrm>
-              <a:custGeom>
-                <a:avLst/>
-                <a:gdLst/>
-                <a:ahLst/>
-                <a:cxnLst/>
-                <a:rect l="l" t="t" r="r" b="b"/>
-                <a:pathLst>
-                  <a:path w="5577" h="11770" extrusionOk="0">
-                    <a:moveTo>
-                      <a:pt x="4187" y="2948"/>
-                    </a:moveTo>
-                    <a:cubicBezTo>
-                      <a:pt x="4277" y="2948"/>
-                      <a:pt x="4364" y="2980"/>
-                      <a:pt x="4411" y="3043"/>
-                    </a:cubicBezTo>
-                    <a:cubicBezTo>
-                      <a:pt x="5104" y="3673"/>
-                      <a:pt x="5104" y="4775"/>
-                      <a:pt x="4411" y="5437"/>
-                    </a:cubicBezTo>
-                    <a:cubicBezTo>
-                      <a:pt x="4364" y="5500"/>
-                      <a:pt x="4277" y="5532"/>
-                      <a:pt x="4187" y="5532"/>
-                    </a:cubicBezTo>
-                    <a:cubicBezTo>
-                      <a:pt x="4096" y="5532"/>
-                      <a:pt x="4002" y="5500"/>
-                      <a:pt x="3939" y="5437"/>
-                    </a:cubicBezTo>
-                    <a:cubicBezTo>
-                      <a:pt x="3844" y="5311"/>
-                      <a:pt x="3844" y="5090"/>
-                      <a:pt x="3939" y="4964"/>
-                    </a:cubicBezTo>
-                    <a:cubicBezTo>
-                      <a:pt x="4348" y="4555"/>
-                      <a:pt x="4348" y="3893"/>
-                      <a:pt x="3939" y="3515"/>
-                    </a:cubicBezTo>
-                    <a:cubicBezTo>
-                      <a:pt x="3844" y="3389"/>
-                      <a:pt x="3844" y="3137"/>
-                      <a:pt x="3939" y="3043"/>
-                    </a:cubicBezTo>
-                    <a:cubicBezTo>
-                      <a:pt x="4002" y="2980"/>
-                      <a:pt x="4096" y="2948"/>
-                      <a:pt x="4187" y="2948"/>
-                    </a:cubicBezTo>
-                    <a:close/>
-                    <a:moveTo>
-                      <a:pt x="3148" y="7314"/>
-                    </a:moveTo>
-                    <a:cubicBezTo>
-                      <a:pt x="4123" y="7314"/>
-                      <a:pt x="4915" y="8092"/>
-                      <a:pt x="4915" y="9060"/>
-                    </a:cubicBezTo>
-                    <a:cubicBezTo>
-                      <a:pt x="4915" y="9249"/>
-                      <a:pt x="4726" y="9407"/>
-                      <a:pt x="4537" y="9407"/>
-                    </a:cubicBezTo>
-                    <a:cubicBezTo>
-                      <a:pt x="4348" y="9407"/>
-                      <a:pt x="4191" y="9249"/>
-                      <a:pt x="4191" y="9060"/>
-                    </a:cubicBezTo>
-                    <a:cubicBezTo>
-                      <a:pt x="4191" y="8468"/>
-                      <a:pt x="3662" y="8015"/>
-                      <a:pt x="3101" y="8015"/>
-                    </a:cubicBezTo>
-                    <a:cubicBezTo>
-                      <a:pt x="3066" y="8015"/>
-                      <a:pt x="3030" y="8017"/>
-                      <a:pt x="2994" y="8020"/>
-                    </a:cubicBezTo>
-                    <a:cubicBezTo>
-                      <a:pt x="2968" y="8029"/>
-                      <a:pt x="2944" y="8033"/>
-                      <a:pt x="2920" y="8033"/>
-                    </a:cubicBezTo>
-                    <a:cubicBezTo>
-                      <a:pt x="2765" y="8033"/>
-                      <a:pt x="2643" y="7869"/>
-                      <a:pt x="2616" y="7705"/>
-                    </a:cubicBezTo>
-                    <a:cubicBezTo>
-                      <a:pt x="2584" y="7516"/>
-                      <a:pt x="2742" y="7359"/>
-                      <a:pt x="2931" y="7327"/>
-                    </a:cubicBezTo>
-                    <a:cubicBezTo>
-                      <a:pt x="3004" y="7319"/>
-                      <a:pt x="3077" y="7314"/>
-                      <a:pt x="3148" y="7314"/>
-                    </a:cubicBezTo>
-                    <a:close/>
-                    <a:moveTo>
-                      <a:pt x="4581" y="0"/>
-                    </a:moveTo>
-                    <a:cubicBezTo>
-                      <a:pt x="4444" y="0"/>
-                      <a:pt x="4303" y="16"/>
-                      <a:pt x="4159" y="50"/>
-                    </a:cubicBezTo>
-                    <a:cubicBezTo>
-                      <a:pt x="3592" y="144"/>
-                      <a:pt x="3214" y="585"/>
-                      <a:pt x="2962" y="1089"/>
-                    </a:cubicBezTo>
-                    <a:cubicBezTo>
-                      <a:pt x="2584" y="1152"/>
-                      <a:pt x="2206" y="1310"/>
-                      <a:pt x="1954" y="1562"/>
-                    </a:cubicBezTo>
-                    <a:cubicBezTo>
-                      <a:pt x="1513" y="2003"/>
-                      <a:pt x="1355" y="2633"/>
-                      <a:pt x="1481" y="3200"/>
-                    </a:cubicBezTo>
-                    <a:cubicBezTo>
-                      <a:pt x="1135" y="3232"/>
-                      <a:pt x="820" y="3389"/>
-                      <a:pt x="536" y="3673"/>
-                    </a:cubicBezTo>
-                    <a:cubicBezTo>
-                      <a:pt x="221" y="3988"/>
-                      <a:pt x="1" y="4397"/>
-                      <a:pt x="1" y="4870"/>
-                    </a:cubicBezTo>
-                    <a:cubicBezTo>
-                      <a:pt x="1" y="5280"/>
-                      <a:pt x="127" y="5626"/>
-                      <a:pt x="379" y="5910"/>
-                    </a:cubicBezTo>
-                    <a:cubicBezTo>
-                      <a:pt x="127" y="6225"/>
-                      <a:pt x="1" y="6571"/>
-                      <a:pt x="1" y="6918"/>
-                    </a:cubicBezTo>
-                    <a:cubicBezTo>
-                      <a:pt x="1" y="7390"/>
-                      <a:pt x="221" y="7831"/>
-                      <a:pt x="536" y="8146"/>
-                    </a:cubicBezTo>
-                    <a:cubicBezTo>
-                      <a:pt x="788" y="8430"/>
-                      <a:pt x="1135" y="8588"/>
-                      <a:pt x="1481" y="8619"/>
-                    </a:cubicBezTo>
-                    <a:cubicBezTo>
-                      <a:pt x="1229" y="9690"/>
-                      <a:pt x="1985" y="10604"/>
-                      <a:pt x="2931" y="10698"/>
-                    </a:cubicBezTo>
-                    <a:cubicBezTo>
-                      <a:pt x="3214" y="11328"/>
-                      <a:pt x="3781" y="11769"/>
-                      <a:pt x="4537" y="11769"/>
-                    </a:cubicBezTo>
-                    <a:cubicBezTo>
-                      <a:pt x="4947" y="11769"/>
-                      <a:pt x="5293" y="11612"/>
-                      <a:pt x="5577" y="11423"/>
-                    </a:cubicBezTo>
-                    <a:lnTo>
-                      <a:pt x="5577" y="6571"/>
-                    </a:lnTo>
-                    <a:cubicBezTo>
-                      <a:pt x="5293" y="6823"/>
-                      <a:pt x="4947" y="6918"/>
-                      <a:pt x="4537" y="6918"/>
-                    </a:cubicBezTo>
-                    <a:cubicBezTo>
-                      <a:pt x="4348" y="6918"/>
-                      <a:pt x="4191" y="6760"/>
-                      <a:pt x="4191" y="6571"/>
-                    </a:cubicBezTo>
-                    <a:cubicBezTo>
-                      <a:pt x="4191" y="6382"/>
-                      <a:pt x="4348" y="6225"/>
-                      <a:pt x="4537" y="6225"/>
-                    </a:cubicBezTo>
-                    <a:cubicBezTo>
-                      <a:pt x="5136" y="6225"/>
-                      <a:pt x="5577" y="5752"/>
-                      <a:pt x="5577" y="5185"/>
-                    </a:cubicBezTo>
-                    <a:lnTo>
-                      <a:pt x="5577" y="302"/>
-                    </a:lnTo>
-                    <a:cubicBezTo>
-                      <a:pt x="5300" y="117"/>
-                      <a:pt x="4956" y="0"/>
-                      <a:pt x="4581" y="0"/>
-                    </a:cubicBezTo>
-                    <a:close/>
-                  </a:path>
-                </a:pathLst>
-              </a:custGeom>
-              <a:grpFill/>
-              <a:ln>
-                <a:noFill/>
-              </a:ln>
-            </p:spPr>
-            <p:txBody>
-              <a:bodyPr spcFirstLastPara="1" wrap="square" lIns="91425" tIns="91425" rIns="91425" bIns="91425" anchor="ctr" anchorCtr="0">
-                <a:noAutofit/>
-              </a:bodyPr>
-              <a:lstStyle/>
-              <a:p>
-                <a:pPr marL="0" lvl="0" indent="0" algn="l" rtl="0">
-                  <a:spcBef>
-                    <a:spcPts val="0"/>
-                  </a:spcBef>
-                  <a:spcAft>
-                    <a:spcPts val="0"/>
-                  </a:spcAft>
-                  <a:buNone/>
-                </a:pPr>
-                <a:endParaRPr/>
-              </a:p>
-            </p:txBody>
-          </p:sp>
-        </p:grpSp>
       </p:grpSp>
       <p:grpSp>
         <p:nvGrpSpPr>
@@ -13591,7 +12093,7 @@
         </p:nvGrpSpPr>
         <p:grpSpPr>
           <a:xfrm>
-            <a:off x="1403493" y="13511628"/>
+            <a:off x="1528881" y="11792306"/>
             <a:ext cx="792000" cy="792000"/>
             <a:chOff x="2652375" y="3833664"/>
             <a:chExt cx="884100" cy="883800"/>
@@ -14127,7 +12629,7 @@
         </p:nvGrpSpPr>
         <p:grpSpPr>
           <a:xfrm>
-            <a:off x="3443880" y="13511628"/>
+            <a:off x="3569268" y="11792306"/>
             <a:ext cx="792000" cy="792000"/>
             <a:chOff x="4214155" y="461713"/>
             <a:chExt cx="651600" cy="651300"/>
@@ -14379,7 +12881,7 @@
         </p:nvGrpSpPr>
         <p:grpSpPr>
           <a:xfrm rot="5400708">
-            <a:off x="3462778" y="14823537"/>
+            <a:off x="3588166" y="13104215"/>
             <a:ext cx="702761" cy="124625"/>
             <a:chOff x="1767100" y="3649875"/>
             <a:chExt cx="1448096" cy="256800"/>
@@ -14623,7 +13125,7 @@
         </p:nvGrpSpPr>
         <p:grpSpPr>
           <a:xfrm rot="5400708">
-            <a:off x="1428820" y="14823770"/>
+            <a:off x="1554208" y="13104448"/>
             <a:ext cx="702761" cy="124625"/>
             <a:chOff x="1767100" y="3649875"/>
             <a:chExt cx="1448096" cy="256800"/>
@@ -14867,7 +13369,7 @@
         </p:nvGrpSpPr>
         <p:grpSpPr>
           <a:xfrm>
-            <a:off x="746842" y="12705194"/>
+            <a:off x="872230" y="10985872"/>
             <a:ext cx="2066542" cy="726006"/>
             <a:chOff x="692750" y="4128700"/>
             <a:chExt cx="1627201" cy="726006"/>
@@ -14914,6 +13416,18 @@
                 <a:buNone/>
               </a:pPr>
               <a:r>
+                <a:rPr lang="en" sz="1800" b="1" dirty="0">
+                  <a:solidFill>
+                    <a:srgbClr val="43425D"/>
+                  </a:solidFill>
+                  <a:latin typeface="Spartan"/>
+                  <a:ea typeface="Spartan"/>
+                  <a:cs typeface="Spartan"/>
+                  <a:sym typeface="Spartan"/>
+                </a:rPr>
+                <a:t>Historical</a:t>
+              </a:r>
+              <a:r>
                 <a:rPr lang="en" sz="1600" b="1" dirty="0">
                   <a:solidFill>
                     <a:srgbClr val="43425D"/>
@@ -14923,7 +13437,7 @@
                   <a:cs typeface="Spartan"/>
                   <a:sym typeface="Spartan"/>
                 </a:rPr>
-                <a:t>Historical Data</a:t>
+                <a:t> Data</a:t>
               </a:r>
               <a:endParaRPr sz="1600" b="1" dirty="0">
                 <a:solidFill>
@@ -15016,7 +13530,7 @@
         </p:nvGrpSpPr>
         <p:grpSpPr>
           <a:xfrm>
-            <a:off x="2830424" y="12714411"/>
+            <a:off x="2955812" y="10995089"/>
             <a:ext cx="2066542" cy="726006"/>
             <a:chOff x="692750" y="4128700"/>
             <a:chExt cx="1627201" cy="726006"/>
@@ -15063,6 +13577,18 @@
                 <a:buNone/>
               </a:pPr>
               <a:r>
+                <a:rPr lang="en" sz="1800" b="1" dirty="0">
+                  <a:solidFill>
+                    <a:srgbClr val="43425D"/>
+                  </a:solidFill>
+                  <a:latin typeface="Spartan"/>
+                  <a:ea typeface="Spartan"/>
+                  <a:cs typeface="Spartan"/>
+                  <a:sym typeface="Spartan"/>
+                </a:rPr>
+                <a:t>Real-time</a:t>
+              </a:r>
+              <a:r>
                 <a:rPr lang="en" sz="1600" b="1" dirty="0">
                   <a:solidFill>
                     <a:srgbClr val="43425D"/>
@@ -15072,7 +13598,7 @@
                   <a:cs typeface="Spartan"/>
                   <a:sym typeface="Spartan"/>
                 </a:rPr>
-                <a:t>Real-time Data</a:t>
+                <a:t> Data</a:t>
               </a:r>
               <a:endParaRPr sz="1600" b="1" dirty="0">
                 <a:solidFill>
@@ -15163,12 +13689,2176 @@
           </p:txBody>
         </p:sp>
       </p:grpSp>
+      <p:grpSp>
+        <p:nvGrpSpPr>
+          <p:cNvPr id="15" name="Group 14">
+            <a:extLst>
+              <a:ext uri="{FF2B5EF4-FFF2-40B4-BE49-F238E27FC236}">
+                <a16:creationId xmlns:a16="http://schemas.microsoft.com/office/drawing/2014/main" id="{AADFA7D0-487F-480B-92D4-0EF0F76DF385}"/>
+              </a:ext>
+            </a:extLst>
+          </p:cNvPr>
+          <p:cNvGrpSpPr/>
+          <p:nvPr/>
+        </p:nvGrpSpPr>
+        <p:grpSpPr>
+          <a:xfrm>
+            <a:off x="1002012" y="15166766"/>
+            <a:ext cx="1999438" cy="3879562"/>
+            <a:chOff x="706268" y="16102870"/>
+            <a:chExt cx="1999438" cy="3879562"/>
+          </a:xfrm>
+        </p:grpSpPr>
+        <p:sp>
+          <p:nvSpPr>
+            <p:cNvPr id="175" name="TextBox 174">
+              <a:extLst>
+                <a:ext uri="{FF2B5EF4-FFF2-40B4-BE49-F238E27FC236}">
+                  <a16:creationId xmlns:a16="http://schemas.microsoft.com/office/drawing/2014/main" id="{0E63B477-D3D3-476F-8F7D-694B626F06CC}"/>
+                </a:ext>
+              </a:extLst>
+            </p:cNvPr>
+            <p:cNvSpPr txBox="1"/>
+            <p:nvPr/>
+          </p:nvSpPr>
+          <p:spPr>
+            <a:xfrm>
+              <a:off x="706268" y="16566112"/>
+              <a:ext cx="1790473" cy="3416320"/>
+            </a:xfrm>
+            <a:prstGeom prst="rect">
+              <a:avLst/>
+            </a:prstGeom>
+            <a:noFill/>
+          </p:spPr>
+          <p:txBody>
+            <a:bodyPr wrap="square" rtlCol="0" anchor="ctr">
+              <a:spAutoFit/>
+            </a:bodyPr>
+            <a:lstStyle/>
+            <a:p>
+              <a:pPr algn="thaiDist"/>
+              <a:r>
+                <a:rPr lang="th-TH" sz="2400" dirty="0">
+                  <a:solidFill>
+                    <a:srgbClr val="43425D"/>
+                  </a:solidFill>
+                  <a:latin typeface="TH SarabunPSK" panose="020B0500040200020003" pitchFamily="34" charset="-34"/>
+                  <a:cs typeface="TH SarabunPSK" panose="020B0500040200020003" pitchFamily="34" charset="-34"/>
+                </a:rPr>
+                <a:t>ซัพพอร์ตเวกเตอร์รีเกรชชันถูกเทรนโดยใช้ 13 อินดิเคเตอร์ซึ่งจะทำนายค่าเปิดและค่าปิดในอีก 24 ชม.ข้างหน้า โดยใช้ข้อมูลในกรอบเวลา 1 ชั่วโมง ปี 2017-2020 ในการเทรน</a:t>
+              </a:r>
+              <a:endParaRPr lang="en-US" sz="2400" dirty="0">
+                <a:solidFill>
+                  <a:srgbClr val="43425D"/>
+                </a:solidFill>
+                <a:latin typeface="TH SarabunPSK" panose="020B0500040200020003" pitchFamily="34" charset="-34"/>
+                <a:cs typeface="TH SarabunPSK" panose="020B0500040200020003" pitchFamily="34" charset="-34"/>
+              </a:endParaRPr>
+            </a:p>
+          </p:txBody>
+        </p:sp>
+        <p:sp>
+          <p:nvSpPr>
+            <p:cNvPr id="94" name="TextBox 93">
+              <a:extLst>
+                <a:ext uri="{FF2B5EF4-FFF2-40B4-BE49-F238E27FC236}">
+                  <a16:creationId xmlns:a16="http://schemas.microsoft.com/office/drawing/2014/main" id="{D47FE819-DC7F-46F8-8B83-1C13C306187B}"/>
+                </a:ext>
+              </a:extLst>
+            </p:cNvPr>
+            <p:cNvSpPr txBox="1"/>
+            <p:nvPr/>
+          </p:nvSpPr>
+          <p:spPr>
+            <a:xfrm>
+              <a:off x="706268" y="16102870"/>
+              <a:ext cx="1999438" cy="461665"/>
+            </a:xfrm>
+            <a:prstGeom prst="rect">
+              <a:avLst/>
+            </a:prstGeom>
+            <a:noFill/>
+          </p:spPr>
+          <p:txBody>
+            <a:bodyPr wrap="square" rtlCol="0" anchor="ctr">
+              <a:spAutoFit/>
+            </a:bodyPr>
+            <a:lstStyle/>
+            <a:p>
+              <a:r>
+                <a:rPr lang="en-US" sz="2400" b="1" dirty="0">
+                  <a:solidFill>
+                    <a:srgbClr val="43425D"/>
+                  </a:solidFill>
+                  <a:latin typeface="TH SarabunPSK" panose="020B0500040200020003" pitchFamily="34" charset="-34"/>
+                  <a:cs typeface="TH SarabunPSK" panose="020B0500040200020003" pitchFamily="34" charset="-34"/>
+                </a:rPr>
+                <a:t>Module 1 :</a:t>
+              </a:r>
+              <a:r>
+                <a:rPr lang="th-TH" sz="2400" b="1" dirty="0">
+                  <a:solidFill>
+                    <a:srgbClr val="43425D"/>
+                  </a:solidFill>
+                  <a:latin typeface="TH SarabunPSK" panose="020B0500040200020003" pitchFamily="34" charset="-34"/>
+                  <a:cs typeface="TH SarabunPSK" panose="020B0500040200020003" pitchFamily="34" charset="-34"/>
+                </a:rPr>
+                <a:t> </a:t>
+              </a:r>
+              <a:r>
+                <a:rPr lang="en-US" sz="2400" b="1" dirty="0">
+                  <a:solidFill>
+                    <a:srgbClr val="43425D"/>
+                  </a:solidFill>
+                  <a:latin typeface="TH SarabunPSK" panose="020B0500040200020003" pitchFamily="34" charset="-34"/>
+                  <a:cs typeface="TH SarabunPSK" panose="020B0500040200020003" pitchFamily="34" charset="-34"/>
+                </a:rPr>
+                <a:t>Model</a:t>
+              </a:r>
+            </a:p>
+          </p:txBody>
+        </p:sp>
+      </p:grpSp>
+      <p:grpSp>
+        <p:nvGrpSpPr>
+          <p:cNvPr id="10" name="Group 9">
+            <a:extLst>
+              <a:ext uri="{FF2B5EF4-FFF2-40B4-BE49-F238E27FC236}">
+                <a16:creationId xmlns:a16="http://schemas.microsoft.com/office/drawing/2014/main" id="{71C6FA13-A5E6-4BAF-80F5-FC34BC4652C1}"/>
+              </a:ext>
+            </a:extLst>
+          </p:cNvPr>
+          <p:cNvGrpSpPr/>
+          <p:nvPr/>
+        </p:nvGrpSpPr>
+        <p:grpSpPr>
+          <a:xfrm>
+            <a:off x="3020198" y="15166766"/>
+            <a:ext cx="1999438" cy="3513133"/>
+            <a:chOff x="2724454" y="16102870"/>
+            <a:chExt cx="1999438" cy="3513133"/>
+          </a:xfrm>
+        </p:grpSpPr>
+        <p:sp>
+          <p:nvSpPr>
+            <p:cNvPr id="88" name="TextBox 87">
+              <a:extLst>
+                <a:ext uri="{FF2B5EF4-FFF2-40B4-BE49-F238E27FC236}">
+                  <a16:creationId xmlns:a16="http://schemas.microsoft.com/office/drawing/2014/main" id="{00E51DAD-5561-45AD-93A0-FE45D50A8832}"/>
+                </a:ext>
+              </a:extLst>
+            </p:cNvPr>
+            <p:cNvSpPr txBox="1"/>
+            <p:nvPr/>
+          </p:nvSpPr>
+          <p:spPr>
+            <a:xfrm>
+              <a:off x="2743503" y="16569015"/>
+              <a:ext cx="1790473" cy="3046988"/>
+            </a:xfrm>
+            <a:prstGeom prst="rect">
+              <a:avLst/>
+            </a:prstGeom>
+            <a:noFill/>
+          </p:spPr>
+          <p:txBody>
+            <a:bodyPr wrap="square" rtlCol="0" anchor="ctr">
+              <a:spAutoFit/>
+            </a:bodyPr>
+            <a:lstStyle/>
+            <a:p>
+              <a:pPr algn="thaiDist"/>
+              <a:r>
+                <a:rPr lang="th-TH" sz="2400" dirty="0">
+                  <a:solidFill>
+                    <a:srgbClr val="43425D"/>
+                  </a:solidFill>
+                  <a:latin typeface="TH SarabunPSK" panose="020B0500040200020003" pitchFamily="34" charset="-34"/>
+                  <a:cs typeface="TH SarabunPSK" panose="020B0500040200020003" pitchFamily="34" charset="-34"/>
+                </a:rPr>
+                <a:t>เป็นเอพีไอเชื่อมโยงในส่วนของโมเดลและเว็บไซต์ โดยรับข้อมูลแบบเรียลไทม์และส่งข้อมูลไปยังโมเดลเพื่อทำนาย และนำผลลัพธ์ที่ได้ส่งไปยังเว็บไซต์ </a:t>
+              </a:r>
+              <a:endParaRPr lang="en-US" sz="2400" dirty="0">
+                <a:solidFill>
+                  <a:srgbClr val="43425D"/>
+                </a:solidFill>
+                <a:latin typeface="TH SarabunPSK" panose="020B0500040200020003" pitchFamily="34" charset="-34"/>
+                <a:cs typeface="TH SarabunPSK" panose="020B0500040200020003" pitchFamily="34" charset="-34"/>
+              </a:endParaRPr>
+            </a:p>
+          </p:txBody>
+        </p:sp>
+        <p:sp>
+          <p:nvSpPr>
+            <p:cNvPr id="89" name="TextBox 88">
+              <a:extLst>
+                <a:ext uri="{FF2B5EF4-FFF2-40B4-BE49-F238E27FC236}">
+                  <a16:creationId xmlns:a16="http://schemas.microsoft.com/office/drawing/2014/main" id="{3629AF18-D4BE-472B-B7CF-C28760175644}"/>
+                </a:ext>
+              </a:extLst>
+            </p:cNvPr>
+            <p:cNvSpPr txBox="1"/>
+            <p:nvPr/>
+          </p:nvSpPr>
+          <p:spPr>
+            <a:xfrm>
+              <a:off x="2724454" y="16102870"/>
+              <a:ext cx="1999438" cy="461665"/>
+            </a:xfrm>
+            <a:prstGeom prst="rect">
+              <a:avLst/>
+            </a:prstGeom>
+            <a:noFill/>
+          </p:spPr>
+          <p:txBody>
+            <a:bodyPr wrap="square" rtlCol="0" anchor="ctr">
+              <a:spAutoFit/>
+            </a:bodyPr>
+            <a:lstStyle/>
+            <a:p>
+              <a:r>
+                <a:rPr lang="en-US" sz="2400" b="1" dirty="0">
+                  <a:solidFill>
+                    <a:srgbClr val="43425D"/>
+                  </a:solidFill>
+                  <a:latin typeface="TH SarabunPSK" panose="020B0500040200020003" pitchFamily="34" charset="-34"/>
+                  <a:cs typeface="TH SarabunPSK" panose="020B0500040200020003" pitchFamily="34" charset="-34"/>
+                </a:rPr>
+                <a:t>Module 2 :</a:t>
+              </a:r>
+              <a:r>
+                <a:rPr lang="th-TH" sz="2400" b="1" dirty="0">
+                  <a:solidFill>
+                    <a:srgbClr val="43425D"/>
+                  </a:solidFill>
+                  <a:latin typeface="TH SarabunPSK" panose="020B0500040200020003" pitchFamily="34" charset="-34"/>
+                  <a:cs typeface="TH SarabunPSK" panose="020B0500040200020003" pitchFamily="34" charset="-34"/>
+                </a:rPr>
+                <a:t> </a:t>
+              </a:r>
+              <a:r>
+                <a:rPr lang="en-US" sz="2400" b="1" dirty="0">
+                  <a:solidFill>
+                    <a:srgbClr val="43425D"/>
+                  </a:solidFill>
+                  <a:latin typeface="TH SarabunPSK" panose="020B0500040200020003" pitchFamily="34" charset="-34"/>
+                  <a:cs typeface="TH SarabunPSK" panose="020B0500040200020003" pitchFamily="34" charset="-34"/>
+                </a:rPr>
+                <a:t>API</a:t>
+              </a:r>
+            </a:p>
+          </p:txBody>
+        </p:sp>
+      </p:grpSp>
+      <p:grpSp>
+        <p:nvGrpSpPr>
+          <p:cNvPr id="6" name="Group 5">
+            <a:extLst>
+              <a:ext uri="{FF2B5EF4-FFF2-40B4-BE49-F238E27FC236}">
+                <a16:creationId xmlns:a16="http://schemas.microsoft.com/office/drawing/2014/main" id="{0ABAE755-5852-49EB-96D5-FF7902DDC5B5}"/>
+              </a:ext>
+            </a:extLst>
+          </p:cNvPr>
+          <p:cNvGrpSpPr/>
+          <p:nvPr/>
+        </p:nvGrpSpPr>
+        <p:grpSpPr>
+          <a:xfrm>
+            <a:off x="5111028" y="15166765"/>
+            <a:ext cx="2018186" cy="2770940"/>
+            <a:chOff x="4815284" y="16102869"/>
+            <a:chExt cx="2018186" cy="2770940"/>
+          </a:xfrm>
+        </p:grpSpPr>
+        <p:sp>
+          <p:nvSpPr>
+            <p:cNvPr id="90" name="TextBox 89">
+              <a:extLst>
+                <a:ext uri="{FF2B5EF4-FFF2-40B4-BE49-F238E27FC236}">
+                  <a16:creationId xmlns:a16="http://schemas.microsoft.com/office/drawing/2014/main" id="{89D3FFC5-452C-40F3-A60E-05565F3E787A}"/>
+                </a:ext>
+              </a:extLst>
+            </p:cNvPr>
+            <p:cNvSpPr txBox="1"/>
+            <p:nvPr/>
+          </p:nvSpPr>
+          <p:spPr>
+            <a:xfrm>
+              <a:off x="4815284" y="16565485"/>
+              <a:ext cx="1790473" cy="2308324"/>
+            </a:xfrm>
+            <a:prstGeom prst="rect">
+              <a:avLst/>
+            </a:prstGeom>
+            <a:noFill/>
+          </p:spPr>
+          <p:txBody>
+            <a:bodyPr wrap="square" rtlCol="0" anchor="ctr">
+              <a:spAutoFit/>
+            </a:bodyPr>
+            <a:lstStyle/>
+            <a:p>
+              <a:pPr algn="thaiDist"/>
+              <a:r>
+                <a:rPr lang="th-TH" sz="2400" dirty="0">
+                  <a:solidFill>
+                    <a:srgbClr val="43425D"/>
+                  </a:solidFill>
+                  <a:latin typeface="TH SarabunPSK" panose="020B0500040200020003" pitchFamily="34" charset="-34"/>
+                  <a:cs typeface="TH SarabunPSK" panose="020B0500040200020003" pitchFamily="34" charset="-34"/>
+                </a:rPr>
+                <a:t>เว็บไซต์จะแสดงผลลัพธ์ที่รับมาจากเอพีไอซึ่งประกอบไปด้วย ค่าความถูกต้อง</a:t>
+              </a:r>
+              <a:r>
+                <a:rPr lang="en-US" sz="2400" dirty="0">
+                  <a:solidFill>
+                    <a:srgbClr val="43425D"/>
+                  </a:solidFill>
+                  <a:latin typeface="TH SarabunPSK" panose="020B0500040200020003" pitchFamily="34" charset="-34"/>
+                  <a:cs typeface="TH SarabunPSK" panose="020B0500040200020003" pitchFamily="34" charset="-34"/>
+                </a:rPr>
+                <a:t>,</a:t>
+              </a:r>
+              <a:r>
+                <a:rPr lang="th-TH" sz="2400" dirty="0">
+                  <a:solidFill>
+                    <a:srgbClr val="43425D"/>
+                  </a:solidFill>
+                  <a:latin typeface="TH SarabunPSK" panose="020B0500040200020003" pitchFamily="34" charset="-34"/>
+                  <a:cs typeface="TH SarabunPSK" panose="020B0500040200020003" pitchFamily="34" charset="-34"/>
+                </a:rPr>
+                <a:t>และผลลัพธ์ในอีก 24 ชม.</a:t>
+              </a:r>
+              <a:r>
+                <a:rPr lang="en-US" sz="2400" dirty="0">
+                  <a:solidFill>
+                    <a:srgbClr val="43425D"/>
+                  </a:solidFill>
+                  <a:latin typeface="TH SarabunPSK" panose="020B0500040200020003" pitchFamily="34" charset="-34"/>
+                  <a:cs typeface="TH SarabunPSK" panose="020B0500040200020003" pitchFamily="34" charset="-34"/>
+                </a:rPr>
+                <a:t> </a:t>
+              </a:r>
+              <a:r>
+                <a:rPr lang="th-TH" sz="2400" dirty="0">
+                  <a:solidFill>
+                    <a:srgbClr val="43425D"/>
+                  </a:solidFill>
+                  <a:latin typeface="TH SarabunPSK" panose="020B0500040200020003" pitchFamily="34" charset="-34"/>
+                  <a:cs typeface="TH SarabunPSK" panose="020B0500040200020003" pitchFamily="34" charset="-34"/>
+                </a:rPr>
+                <a:t>ถัดไป</a:t>
+              </a:r>
+              <a:endParaRPr lang="en-US" sz="2400" dirty="0">
+                <a:solidFill>
+                  <a:srgbClr val="43425D"/>
+                </a:solidFill>
+                <a:latin typeface="TH SarabunPSK" panose="020B0500040200020003" pitchFamily="34" charset="-34"/>
+                <a:cs typeface="TH SarabunPSK" panose="020B0500040200020003" pitchFamily="34" charset="-34"/>
+              </a:endParaRPr>
+            </a:p>
+          </p:txBody>
+        </p:sp>
+        <p:sp>
+          <p:nvSpPr>
+            <p:cNvPr id="91" name="TextBox 90">
+              <a:extLst>
+                <a:ext uri="{FF2B5EF4-FFF2-40B4-BE49-F238E27FC236}">
+                  <a16:creationId xmlns:a16="http://schemas.microsoft.com/office/drawing/2014/main" id="{2D660556-C2F7-4CEC-8C16-49A148D9D796}"/>
+                </a:ext>
+              </a:extLst>
+            </p:cNvPr>
+            <p:cNvSpPr txBox="1"/>
+            <p:nvPr/>
+          </p:nvSpPr>
+          <p:spPr>
+            <a:xfrm>
+              <a:off x="4834032" y="16102869"/>
+              <a:ext cx="1999438" cy="461665"/>
+            </a:xfrm>
+            <a:prstGeom prst="rect">
+              <a:avLst/>
+            </a:prstGeom>
+            <a:noFill/>
+          </p:spPr>
+          <p:txBody>
+            <a:bodyPr wrap="square" rtlCol="0" anchor="ctr">
+              <a:spAutoFit/>
+            </a:bodyPr>
+            <a:lstStyle/>
+            <a:p>
+              <a:r>
+                <a:rPr lang="en-US" sz="2400" b="1" dirty="0">
+                  <a:solidFill>
+                    <a:srgbClr val="43425D"/>
+                  </a:solidFill>
+                  <a:latin typeface="TH SarabunPSK" panose="020B0500040200020003" pitchFamily="34" charset="-34"/>
+                  <a:cs typeface="TH SarabunPSK" panose="020B0500040200020003" pitchFamily="34" charset="-34"/>
+                </a:rPr>
+                <a:t>Module </a:t>
+              </a:r>
+              <a:r>
+                <a:rPr lang="th-TH" sz="2400" b="1" dirty="0">
+                  <a:solidFill>
+                    <a:srgbClr val="43425D"/>
+                  </a:solidFill>
+                  <a:latin typeface="TH SarabunPSK" panose="020B0500040200020003" pitchFamily="34" charset="-34"/>
+                  <a:cs typeface="TH SarabunPSK" panose="020B0500040200020003" pitchFamily="34" charset="-34"/>
+                </a:rPr>
+                <a:t>3</a:t>
+              </a:r>
+              <a:r>
+                <a:rPr lang="en-US" sz="2400" b="1" dirty="0">
+                  <a:solidFill>
+                    <a:srgbClr val="43425D"/>
+                  </a:solidFill>
+                  <a:latin typeface="TH SarabunPSK" panose="020B0500040200020003" pitchFamily="34" charset="-34"/>
+                  <a:cs typeface="TH SarabunPSK" panose="020B0500040200020003" pitchFamily="34" charset="-34"/>
+                </a:rPr>
+                <a:t> :</a:t>
+              </a:r>
+              <a:r>
+                <a:rPr lang="th-TH" sz="2400" b="1" dirty="0">
+                  <a:solidFill>
+                    <a:srgbClr val="43425D"/>
+                  </a:solidFill>
+                  <a:latin typeface="TH SarabunPSK" panose="020B0500040200020003" pitchFamily="34" charset="-34"/>
+                  <a:cs typeface="TH SarabunPSK" panose="020B0500040200020003" pitchFamily="34" charset="-34"/>
+                </a:rPr>
+                <a:t> </a:t>
+              </a:r>
+              <a:r>
+                <a:rPr lang="en-US" sz="2400" b="1" dirty="0">
+                  <a:solidFill>
+                    <a:srgbClr val="43425D"/>
+                  </a:solidFill>
+                  <a:latin typeface="TH SarabunPSK" panose="020B0500040200020003" pitchFamily="34" charset="-34"/>
+                  <a:cs typeface="TH SarabunPSK" panose="020B0500040200020003" pitchFamily="34" charset="-34"/>
+                </a:rPr>
+                <a:t>Web</a:t>
+              </a:r>
+            </a:p>
+          </p:txBody>
+        </p:sp>
+      </p:grpSp>
+      <p:grpSp>
+        <p:nvGrpSpPr>
+          <p:cNvPr id="20" name="Group 19">
+            <a:extLst>
+              <a:ext uri="{FF2B5EF4-FFF2-40B4-BE49-F238E27FC236}">
+                <a16:creationId xmlns:a16="http://schemas.microsoft.com/office/drawing/2014/main" id="{E539B180-1B1C-4E83-AC5E-5214530F494E}"/>
+              </a:ext>
+            </a:extLst>
+          </p:cNvPr>
+          <p:cNvGrpSpPr/>
+          <p:nvPr/>
+        </p:nvGrpSpPr>
+        <p:grpSpPr>
+          <a:xfrm>
+            <a:off x="1376286" y="13654598"/>
+            <a:ext cx="5063286" cy="1574885"/>
+            <a:chOff x="1080542" y="14590702"/>
+            <a:chExt cx="5063286" cy="1574885"/>
+          </a:xfrm>
+        </p:grpSpPr>
+        <p:sp>
+          <p:nvSpPr>
+            <p:cNvPr id="104" name="Google Shape;1227;p42">
+              <a:extLst>
+                <a:ext uri="{FF2B5EF4-FFF2-40B4-BE49-F238E27FC236}">
+                  <a16:creationId xmlns:a16="http://schemas.microsoft.com/office/drawing/2014/main" id="{090ACA8B-FF9A-4755-ADC3-D00D3743B769}"/>
+                </a:ext>
+              </a:extLst>
+            </p:cNvPr>
+            <p:cNvSpPr/>
+            <p:nvPr/>
+          </p:nvSpPr>
+          <p:spPr>
+            <a:xfrm>
+              <a:off x="1601506" y="15047237"/>
+              <a:ext cx="4020568" cy="224100"/>
+            </a:xfrm>
+            <a:prstGeom prst="rect">
+              <a:avLst/>
+            </a:prstGeom>
+            <a:solidFill>
+              <a:srgbClr val="43425D"/>
+            </a:solidFill>
+            <a:ln>
+              <a:noFill/>
+            </a:ln>
+          </p:spPr>
+          <p:txBody>
+            <a:bodyPr spcFirstLastPara="1" wrap="square" lIns="91425" tIns="91425" rIns="91425" bIns="91425" anchor="ctr" anchorCtr="0">
+              <a:noAutofit/>
+            </a:bodyPr>
+            <a:lstStyle/>
+            <a:p>
+              <a:pPr marL="0" lvl="0" indent="0" algn="l" rtl="0">
+                <a:spcBef>
+                  <a:spcPts val="0"/>
+                </a:spcBef>
+                <a:spcAft>
+                  <a:spcPts val="0"/>
+                </a:spcAft>
+                <a:buNone/>
+              </a:pPr>
+              <a:endParaRPr/>
+            </a:p>
+          </p:txBody>
+        </p:sp>
+        <p:grpSp>
+          <p:nvGrpSpPr>
+            <p:cNvPr id="16" name="Group 15">
+              <a:extLst>
+                <a:ext uri="{FF2B5EF4-FFF2-40B4-BE49-F238E27FC236}">
+                  <a16:creationId xmlns:a16="http://schemas.microsoft.com/office/drawing/2014/main" id="{3E016A1A-A025-4FBF-9D27-4FA6882C6108}"/>
+                </a:ext>
+              </a:extLst>
+            </p:cNvPr>
+            <p:cNvGrpSpPr/>
+            <p:nvPr/>
+          </p:nvGrpSpPr>
+          <p:grpSpPr>
+            <a:xfrm>
+              <a:off x="3074277" y="14590702"/>
+              <a:ext cx="1080000" cy="1080000"/>
+              <a:chOff x="2887271" y="15906784"/>
+              <a:chExt cx="884100" cy="883800"/>
+            </a:xfrm>
+          </p:grpSpPr>
+          <p:sp>
+            <p:nvSpPr>
+              <p:cNvPr id="107" name="Google Shape;1230;p42">
+                <a:extLst>
+                  <a:ext uri="{FF2B5EF4-FFF2-40B4-BE49-F238E27FC236}">
+                    <a16:creationId xmlns:a16="http://schemas.microsoft.com/office/drawing/2014/main" id="{CE4012E7-FDF1-4414-8513-39C6B52A9ACE}"/>
+                  </a:ext>
+                </a:extLst>
+              </p:cNvPr>
+              <p:cNvSpPr/>
+              <p:nvPr/>
+            </p:nvSpPr>
+            <p:spPr>
+              <a:xfrm>
+                <a:off x="2887271" y="15906784"/>
+                <a:ext cx="884100" cy="883800"/>
+              </a:xfrm>
+              <a:prstGeom prst="ellipse">
+                <a:avLst/>
+              </a:prstGeom>
+              <a:solidFill>
+                <a:srgbClr val="43425D"/>
+              </a:solidFill>
+              <a:ln>
+                <a:noFill/>
+              </a:ln>
+            </p:spPr>
+            <p:txBody>
+              <a:bodyPr spcFirstLastPara="1" wrap="square" lIns="91425" tIns="91425" rIns="91425" bIns="91425" anchor="ctr" anchorCtr="0">
+                <a:noAutofit/>
+              </a:bodyPr>
+              <a:lstStyle/>
+              <a:p>
+                <a:pPr marL="0" lvl="0" indent="0" algn="l" rtl="0">
+                  <a:spcBef>
+                    <a:spcPts val="0"/>
+                  </a:spcBef>
+                  <a:spcAft>
+                    <a:spcPts val="0"/>
+                  </a:spcAft>
+                  <a:buNone/>
+                </a:pPr>
+                <a:endParaRPr/>
+              </a:p>
+            </p:txBody>
+          </p:sp>
+          <p:grpSp>
+            <p:nvGrpSpPr>
+              <p:cNvPr id="109" name="Google Shape;1232;p42">
+                <a:extLst>
+                  <a:ext uri="{FF2B5EF4-FFF2-40B4-BE49-F238E27FC236}">
+                    <a16:creationId xmlns:a16="http://schemas.microsoft.com/office/drawing/2014/main" id="{E76EB922-BC94-4856-A7DB-26EFCBA8CB23}"/>
+                  </a:ext>
+                </a:extLst>
+              </p:cNvPr>
+              <p:cNvGrpSpPr/>
+              <p:nvPr/>
+            </p:nvGrpSpPr>
+            <p:grpSpPr>
+              <a:xfrm>
+                <a:off x="3164547" y="16185266"/>
+                <a:ext cx="329551" cy="327272"/>
+                <a:chOff x="-64781025" y="3361050"/>
+                <a:chExt cx="317425" cy="315200"/>
+              </a:xfrm>
+              <a:solidFill>
+                <a:srgbClr val="FFFFFF"/>
+              </a:solidFill>
+            </p:grpSpPr>
+            <p:sp>
+              <p:nvSpPr>
+                <p:cNvPr id="110" name="Google Shape;1233;p42">
+                  <a:extLst>
+                    <a:ext uri="{FF2B5EF4-FFF2-40B4-BE49-F238E27FC236}">
+                      <a16:creationId xmlns:a16="http://schemas.microsoft.com/office/drawing/2014/main" id="{74222655-809E-4C13-9276-E1339DED0F12}"/>
+                    </a:ext>
+                  </a:extLst>
+                </p:cNvPr>
+                <p:cNvSpPr/>
+                <p:nvPr/>
+              </p:nvSpPr>
+              <p:spPr>
+                <a:xfrm>
+                  <a:off x="-64764500" y="3388725"/>
+                  <a:ext cx="272550" cy="272550"/>
+                </a:xfrm>
+                <a:custGeom>
+                  <a:avLst/>
+                  <a:gdLst/>
+                  <a:ahLst/>
+                  <a:cxnLst/>
+                  <a:rect l="l" t="t" r="r" b="b"/>
+                  <a:pathLst>
+                    <a:path w="10902" h="10902" extrusionOk="0">
+                      <a:moveTo>
+                        <a:pt x="6554" y="2647"/>
+                      </a:moveTo>
+                      <a:cubicBezTo>
+                        <a:pt x="6979" y="2647"/>
+                        <a:pt x="7404" y="2805"/>
+                        <a:pt x="7719" y="3120"/>
+                      </a:cubicBezTo>
+                      <a:cubicBezTo>
+                        <a:pt x="8381" y="3782"/>
+                        <a:pt x="8381" y="4821"/>
+                        <a:pt x="7751" y="5483"/>
+                      </a:cubicBezTo>
+                      <a:cubicBezTo>
+                        <a:pt x="7436" y="5798"/>
+                        <a:pt x="7058" y="5955"/>
+                        <a:pt x="6585" y="5955"/>
+                      </a:cubicBezTo>
+                      <a:cubicBezTo>
+                        <a:pt x="6144" y="5955"/>
+                        <a:pt x="5703" y="5798"/>
+                        <a:pt x="5388" y="5483"/>
+                      </a:cubicBezTo>
+                      <a:cubicBezTo>
+                        <a:pt x="5073" y="5168"/>
+                        <a:pt x="4915" y="4758"/>
+                        <a:pt x="4915" y="4286"/>
+                      </a:cubicBezTo>
+                      <a:cubicBezTo>
+                        <a:pt x="4915" y="3813"/>
+                        <a:pt x="5073" y="3435"/>
+                        <a:pt x="5388" y="3120"/>
+                      </a:cubicBezTo>
+                      <a:cubicBezTo>
+                        <a:pt x="5703" y="2805"/>
+                        <a:pt x="6128" y="2647"/>
+                        <a:pt x="6554" y="2647"/>
+                      </a:cubicBezTo>
+                      <a:close/>
+                      <a:moveTo>
+                        <a:pt x="2175" y="6901"/>
+                      </a:moveTo>
+                      <a:lnTo>
+                        <a:pt x="4065" y="8791"/>
+                      </a:lnTo>
+                      <a:lnTo>
+                        <a:pt x="3592" y="9484"/>
+                      </a:lnTo>
+                      <a:lnTo>
+                        <a:pt x="1418" y="7342"/>
+                      </a:lnTo>
+                      <a:lnTo>
+                        <a:pt x="2175" y="6901"/>
+                      </a:lnTo>
+                      <a:close/>
+                      <a:moveTo>
+                        <a:pt x="6907" y="1"/>
+                      </a:moveTo>
+                      <a:cubicBezTo>
+                        <a:pt x="6851" y="1"/>
+                        <a:pt x="6795" y="11"/>
+                        <a:pt x="6743" y="33"/>
+                      </a:cubicBezTo>
+                      <a:cubicBezTo>
+                        <a:pt x="5546" y="663"/>
+                        <a:pt x="4474" y="1576"/>
+                        <a:pt x="3655" y="2616"/>
+                      </a:cubicBezTo>
+                      <a:cubicBezTo>
+                        <a:pt x="3025" y="3341"/>
+                        <a:pt x="2553" y="4223"/>
+                        <a:pt x="2175" y="5136"/>
+                      </a:cubicBezTo>
+                      <a:cubicBezTo>
+                        <a:pt x="2048" y="5451"/>
+                        <a:pt x="1922" y="5766"/>
+                        <a:pt x="1859" y="6050"/>
+                      </a:cubicBezTo>
+                      <a:lnTo>
+                        <a:pt x="505" y="6838"/>
+                      </a:lnTo>
+                      <a:cubicBezTo>
+                        <a:pt x="379" y="6932"/>
+                        <a:pt x="316" y="7058"/>
+                        <a:pt x="316" y="7184"/>
+                      </a:cubicBezTo>
+                      <a:cubicBezTo>
+                        <a:pt x="316" y="7279"/>
+                        <a:pt x="347" y="7405"/>
+                        <a:pt x="442" y="7531"/>
+                      </a:cubicBezTo>
+                      <a:lnTo>
+                        <a:pt x="1072" y="8161"/>
+                      </a:lnTo>
+                      <a:cubicBezTo>
+                        <a:pt x="631" y="8696"/>
+                        <a:pt x="1" y="9673"/>
+                        <a:pt x="1" y="10272"/>
+                      </a:cubicBezTo>
+                      <a:cubicBezTo>
+                        <a:pt x="1" y="10524"/>
+                        <a:pt x="64" y="10681"/>
+                        <a:pt x="158" y="10744"/>
+                      </a:cubicBezTo>
+                      <a:cubicBezTo>
+                        <a:pt x="221" y="10839"/>
+                        <a:pt x="379" y="10902"/>
+                        <a:pt x="631" y="10902"/>
+                      </a:cubicBezTo>
+                      <a:cubicBezTo>
+                        <a:pt x="1229" y="10902"/>
+                        <a:pt x="2238" y="10240"/>
+                        <a:pt x="2742" y="9830"/>
+                      </a:cubicBezTo>
+                      <a:lnTo>
+                        <a:pt x="3372" y="10461"/>
+                      </a:lnTo>
+                      <a:cubicBezTo>
+                        <a:pt x="3466" y="10555"/>
+                        <a:pt x="3592" y="10587"/>
+                        <a:pt x="3655" y="10587"/>
+                      </a:cubicBezTo>
+                      <a:lnTo>
+                        <a:pt x="3687" y="10587"/>
+                      </a:lnTo>
+                      <a:cubicBezTo>
+                        <a:pt x="3813" y="10587"/>
+                        <a:pt x="3939" y="10524"/>
+                        <a:pt x="4002" y="10398"/>
+                      </a:cubicBezTo>
+                      <a:lnTo>
+                        <a:pt x="4789" y="9074"/>
+                      </a:lnTo>
+                      <a:cubicBezTo>
+                        <a:pt x="5104" y="8980"/>
+                        <a:pt x="5420" y="8854"/>
+                        <a:pt x="5735" y="8759"/>
+                      </a:cubicBezTo>
+                      <a:cubicBezTo>
+                        <a:pt x="6648" y="8381"/>
+                        <a:pt x="7530" y="7877"/>
+                        <a:pt x="8255" y="7279"/>
+                      </a:cubicBezTo>
+                      <a:cubicBezTo>
+                        <a:pt x="9295" y="6459"/>
+                        <a:pt x="10208" y="5388"/>
+                        <a:pt x="10838" y="4223"/>
+                      </a:cubicBezTo>
+                      <a:cubicBezTo>
+                        <a:pt x="10901" y="4065"/>
+                        <a:pt x="10870" y="3876"/>
+                        <a:pt x="10744" y="3750"/>
+                      </a:cubicBezTo>
+                      <a:lnTo>
+                        <a:pt x="7215" y="127"/>
+                      </a:lnTo>
+                      <a:cubicBezTo>
+                        <a:pt x="7131" y="43"/>
+                        <a:pt x="7019" y="1"/>
+                        <a:pt x="6907" y="1"/>
+                      </a:cubicBezTo>
+                      <a:close/>
+                    </a:path>
+                  </a:pathLst>
+                </a:custGeom>
+                <a:grpFill/>
+                <a:ln>
+                  <a:noFill/>
+                </a:ln>
+              </p:spPr>
+              <p:txBody>
+                <a:bodyPr spcFirstLastPara="1" wrap="square" lIns="91425" tIns="91425" rIns="91425" bIns="91425" anchor="ctr" anchorCtr="0">
+                  <a:noAutofit/>
+                </a:bodyPr>
+                <a:lstStyle/>
+                <a:p>
+                  <a:pPr marL="0" lvl="0" indent="0" algn="l" rtl="0">
+                    <a:spcBef>
+                      <a:spcPts val="0"/>
+                    </a:spcBef>
+                    <a:spcAft>
+                      <a:spcPts val="0"/>
+                    </a:spcAft>
+                    <a:buNone/>
+                  </a:pPr>
+                  <a:endParaRPr/>
+                </a:p>
+              </p:txBody>
+            </p:sp>
+            <p:sp>
+              <p:nvSpPr>
+                <p:cNvPr id="111" name="Google Shape;1234;p42">
+                  <a:extLst>
+                    <a:ext uri="{FF2B5EF4-FFF2-40B4-BE49-F238E27FC236}">
+                      <a16:creationId xmlns:a16="http://schemas.microsoft.com/office/drawing/2014/main" id="{5A3A51D3-C6C0-4B58-9ACD-FE08BC6A8988}"/>
+                    </a:ext>
+                  </a:extLst>
+                </p:cNvPr>
+                <p:cNvSpPr/>
+                <p:nvPr/>
+              </p:nvSpPr>
+              <p:spPr>
+                <a:xfrm>
+                  <a:off x="-64568375" y="3361050"/>
+                  <a:ext cx="104775" cy="105675"/>
+                </a:xfrm>
+                <a:custGeom>
+                  <a:avLst/>
+                  <a:gdLst/>
+                  <a:ahLst/>
+                  <a:cxnLst/>
+                  <a:rect l="l" t="t" r="r" b="b"/>
+                  <a:pathLst>
+                    <a:path w="4191" h="4227" extrusionOk="0">
+                      <a:moveTo>
+                        <a:pt x="2941" y="1"/>
+                      </a:moveTo>
+                      <a:cubicBezTo>
+                        <a:pt x="2906" y="1"/>
+                        <a:pt x="2871" y="2"/>
+                        <a:pt x="2836" y="5"/>
+                      </a:cubicBezTo>
+                      <a:cubicBezTo>
+                        <a:pt x="1828" y="100"/>
+                        <a:pt x="883" y="320"/>
+                        <a:pt x="0" y="667"/>
+                      </a:cubicBezTo>
+                      <a:lnTo>
+                        <a:pt x="3529" y="4227"/>
+                      </a:lnTo>
+                      <a:cubicBezTo>
+                        <a:pt x="3876" y="3313"/>
+                        <a:pt x="4128" y="2368"/>
+                        <a:pt x="4191" y="1392"/>
+                      </a:cubicBezTo>
+                      <a:cubicBezTo>
+                        <a:pt x="4191" y="982"/>
+                        <a:pt x="4033" y="635"/>
+                        <a:pt x="3812" y="352"/>
+                      </a:cubicBezTo>
+                      <a:cubicBezTo>
+                        <a:pt x="3558" y="125"/>
+                        <a:pt x="3252" y="1"/>
+                        <a:pt x="2941" y="1"/>
+                      </a:cubicBezTo>
+                      <a:close/>
+                    </a:path>
+                  </a:pathLst>
+                </a:custGeom>
+                <a:grpFill/>
+                <a:ln>
+                  <a:noFill/>
+                </a:ln>
+              </p:spPr>
+              <p:txBody>
+                <a:bodyPr spcFirstLastPara="1" wrap="square" lIns="91425" tIns="91425" rIns="91425" bIns="91425" anchor="ctr" anchorCtr="0">
+                  <a:noAutofit/>
+                </a:bodyPr>
+                <a:lstStyle/>
+                <a:p>
+                  <a:pPr marL="0" lvl="0" indent="0" algn="l" rtl="0">
+                    <a:spcBef>
+                      <a:spcPts val="0"/>
+                    </a:spcBef>
+                    <a:spcAft>
+                      <a:spcPts val="0"/>
+                    </a:spcAft>
+                    <a:buNone/>
+                  </a:pPr>
+                  <a:endParaRPr/>
+                </a:p>
+              </p:txBody>
+            </p:sp>
+            <p:sp>
+              <p:nvSpPr>
+                <p:cNvPr id="112" name="Google Shape;1235;p42">
+                  <a:extLst>
+                    <a:ext uri="{FF2B5EF4-FFF2-40B4-BE49-F238E27FC236}">
+                      <a16:creationId xmlns:a16="http://schemas.microsoft.com/office/drawing/2014/main" id="{B8E45F6E-625F-4F58-A2DC-CE197E574645}"/>
+                    </a:ext>
+                  </a:extLst>
+                </p:cNvPr>
+                <p:cNvSpPr/>
+                <p:nvPr/>
+              </p:nvSpPr>
+              <p:spPr>
+                <a:xfrm>
+                  <a:off x="-64645575" y="3596675"/>
+                  <a:ext cx="85100" cy="79575"/>
+                </a:xfrm>
+                <a:custGeom>
+                  <a:avLst/>
+                  <a:gdLst/>
+                  <a:ahLst/>
+                  <a:cxnLst/>
+                  <a:rect l="l" t="t" r="r" b="b"/>
+                  <a:pathLst>
+                    <a:path w="3404" h="3183" extrusionOk="0">
+                      <a:moveTo>
+                        <a:pt x="3403" y="0"/>
+                      </a:moveTo>
+                      <a:lnTo>
+                        <a:pt x="3403" y="0"/>
+                      </a:lnTo>
+                      <a:cubicBezTo>
+                        <a:pt x="2710" y="473"/>
+                        <a:pt x="2017" y="819"/>
+                        <a:pt x="1261" y="1134"/>
+                      </a:cubicBezTo>
+                      <a:cubicBezTo>
+                        <a:pt x="1041" y="1292"/>
+                        <a:pt x="726" y="1386"/>
+                        <a:pt x="442" y="1449"/>
+                      </a:cubicBezTo>
+                      <a:cubicBezTo>
+                        <a:pt x="347" y="1859"/>
+                        <a:pt x="253" y="2237"/>
+                        <a:pt x="95" y="2584"/>
+                      </a:cubicBezTo>
+                      <a:cubicBezTo>
+                        <a:pt x="1" y="2741"/>
+                        <a:pt x="32" y="2930"/>
+                        <a:pt x="158" y="3056"/>
+                      </a:cubicBezTo>
+                      <a:cubicBezTo>
+                        <a:pt x="253" y="3151"/>
+                        <a:pt x="347" y="3182"/>
+                        <a:pt x="442" y="3182"/>
+                      </a:cubicBezTo>
+                      <a:cubicBezTo>
+                        <a:pt x="505" y="3182"/>
+                        <a:pt x="568" y="3182"/>
+                        <a:pt x="600" y="3151"/>
+                      </a:cubicBezTo>
+                      <a:cubicBezTo>
+                        <a:pt x="1135" y="2867"/>
+                        <a:pt x="1671" y="2521"/>
+                        <a:pt x="2080" y="2080"/>
+                      </a:cubicBezTo>
+                      <a:cubicBezTo>
+                        <a:pt x="2679" y="1481"/>
+                        <a:pt x="3151" y="756"/>
+                        <a:pt x="3403" y="0"/>
+                      </a:cubicBezTo>
+                      <a:close/>
+                    </a:path>
+                  </a:pathLst>
+                </a:custGeom>
+                <a:grpFill/>
+                <a:ln>
+                  <a:noFill/>
+                </a:ln>
+              </p:spPr>
+              <p:txBody>
+                <a:bodyPr spcFirstLastPara="1" wrap="square" lIns="91425" tIns="91425" rIns="91425" bIns="91425" anchor="ctr" anchorCtr="0">
+                  <a:noAutofit/>
+                </a:bodyPr>
+                <a:lstStyle/>
+                <a:p>
+                  <a:pPr marL="0" lvl="0" indent="0" algn="l" rtl="0">
+                    <a:spcBef>
+                      <a:spcPts val="0"/>
+                    </a:spcBef>
+                    <a:spcAft>
+                      <a:spcPts val="0"/>
+                    </a:spcAft>
+                    <a:buNone/>
+                  </a:pPr>
+                  <a:endParaRPr/>
+                </a:p>
+              </p:txBody>
+            </p:sp>
+            <p:sp>
+              <p:nvSpPr>
+                <p:cNvPr id="113" name="Google Shape;1236;p42">
+                  <a:extLst>
+                    <a:ext uri="{FF2B5EF4-FFF2-40B4-BE49-F238E27FC236}">
+                      <a16:creationId xmlns:a16="http://schemas.microsoft.com/office/drawing/2014/main" id="{83FB492B-A2EB-477A-817D-0FE679F7BC80}"/>
+                    </a:ext>
+                  </a:extLst>
+                </p:cNvPr>
+                <p:cNvSpPr/>
+                <p:nvPr/>
+              </p:nvSpPr>
+              <p:spPr>
+                <a:xfrm>
+                  <a:off x="-64781025" y="3456475"/>
+                  <a:ext cx="80350" cy="85075"/>
+                </a:xfrm>
+                <a:custGeom>
+                  <a:avLst/>
+                  <a:gdLst/>
+                  <a:ahLst/>
+                  <a:cxnLst/>
+                  <a:rect l="l" t="t" r="r" b="b"/>
+                  <a:pathLst>
+                    <a:path w="3214" h="3403" extrusionOk="0">
+                      <a:moveTo>
+                        <a:pt x="3214" y="0"/>
+                      </a:moveTo>
+                      <a:cubicBezTo>
+                        <a:pt x="2426" y="252"/>
+                        <a:pt x="1733" y="725"/>
+                        <a:pt x="1134" y="1324"/>
+                      </a:cubicBezTo>
+                      <a:cubicBezTo>
+                        <a:pt x="693" y="1733"/>
+                        <a:pt x="347" y="2269"/>
+                        <a:pt x="63" y="2804"/>
+                      </a:cubicBezTo>
+                      <a:cubicBezTo>
+                        <a:pt x="0" y="2962"/>
+                        <a:pt x="32" y="3151"/>
+                        <a:pt x="158" y="3277"/>
+                      </a:cubicBezTo>
+                      <a:cubicBezTo>
+                        <a:pt x="221" y="3371"/>
+                        <a:pt x="347" y="3403"/>
+                        <a:pt x="410" y="3403"/>
+                      </a:cubicBezTo>
+                      <a:cubicBezTo>
+                        <a:pt x="504" y="3403"/>
+                        <a:pt x="536" y="3403"/>
+                        <a:pt x="630" y="3371"/>
+                      </a:cubicBezTo>
+                      <a:cubicBezTo>
+                        <a:pt x="977" y="3214"/>
+                        <a:pt x="1355" y="3088"/>
+                        <a:pt x="1764" y="2993"/>
+                      </a:cubicBezTo>
+                      <a:cubicBezTo>
+                        <a:pt x="1827" y="2678"/>
+                        <a:pt x="1953" y="2426"/>
+                        <a:pt x="2079" y="2143"/>
+                      </a:cubicBezTo>
+                      <a:cubicBezTo>
+                        <a:pt x="2394" y="1387"/>
+                        <a:pt x="2741" y="694"/>
+                        <a:pt x="3214" y="0"/>
+                      </a:cubicBezTo>
+                      <a:close/>
+                    </a:path>
+                  </a:pathLst>
+                </a:custGeom>
+                <a:grpFill/>
+                <a:ln>
+                  <a:noFill/>
+                </a:ln>
+              </p:spPr>
+              <p:txBody>
+                <a:bodyPr spcFirstLastPara="1" wrap="square" lIns="91425" tIns="91425" rIns="91425" bIns="91425" anchor="ctr" anchorCtr="0">
+                  <a:noAutofit/>
+                </a:bodyPr>
+                <a:lstStyle/>
+                <a:p>
+                  <a:pPr marL="0" lvl="0" indent="0" algn="l" rtl="0">
+                    <a:spcBef>
+                      <a:spcPts val="0"/>
+                    </a:spcBef>
+                    <a:spcAft>
+                      <a:spcPts val="0"/>
+                    </a:spcAft>
+                    <a:buNone/>
+                  </a:pPr>
+                  <a:endParaRPr/>
+                </a:p>
+              </p:txBody>
+            </p:sp>
+          </p:grpSp>
+        </p:grpSp>
+        <p:grpSp>
+          <p:nvGrpSpPr>
+            <p:cNvPr id="17" name="Group 16">
+              <a:extLst>
+                <a:ext uri="{FF2B5EF4-FFF2-40B4-BE49-F238E27FC236}">
+                  <a16:creationId xmlns:a16="http://schemas.microsoft.com/office/drawing/2014/main" id="{4BA8CB40-FDBE-4687-B0E3-6F42963EF454}"/>
+                </a:ext>
+              </a:extLst>
+            </p:cNvPr>
+            <p:cNvGrpSpPr/>
+            <p:nvPr/>
+          </p:nvGrpSpPr>
+          <p:grpSpPr>
+            <a:xfrm>
+              <a:off x="5063828" y="14611767"/>
+              <a:ext cx="1080000" cy="1080000"/>
+              <a:chOff x="4538487" y="15906784"/>
+              <a:chExt cx="884100" cy="883800"/>
+            </a:xfrm>
+          </p:grpSpPr>
+          <p:sp>
+            <p:nvSpPr>
+              <p:cNvPr id="108" name="Google Shape;1231;p42">
+                <a:extLst>
+                  <a:ext uri="{FF2B5EF4-FFF2-40B4-BE49-F238E27FC236}">
+                    <a16:creationId xmlns:a16="http://schemas.microsoft.com/office/drawing/2014/main" id="{6D398AF0-9A13-4D42-973C-FAA954184CC6}"/>
+                  </a:ext>
+                </a:extLst>
+              </p:cNvPr>
+              <p:cNvSpPr/>
+              <p:nvPr/>
+            </p:nvSpPr>
+            <p:spPr>
+              <a:xfrm>
+                <a:off x="4538487" y="15906784"/>
+                <a:ext cx="884100" cy="883800"/>
+              </a:xfrm>
+              <a:prstGeom prst="ellipse">
+                <a:avLst/>
+              </a:prstGeom>
+              <a:solidFill>
+                <a:srgbClr val="43425D"/>
+              </a:solidFill>
+              <a:ln>
+                <a:noFill/>
+              </a:ln>
+            </p:spPr>
+            <p:txBody>
+              <a:bodyPr spcFirstLastPara="1" wrap="square" lIns="91425" tIns="91425" rIns="91425" bIns="91425" anchor="ctr" anchorCtr="0">
+                <a:noAutofit/>
+              </a:bodyPr>
+              <a:lstStyle/>
+              <a:p>
+                <a:pPr marL="0" lvl="0" indent="0" algn="l" rtl="0">
+                  <a:spcBef>
+                    <a:spcPts val="0"/>
+                  </a:spcBef>
+                  <a:spcAft>
+                    <a:spcPts val="0"/>
+                  </a:spcAft>
+                  <a:buNone/>
+                </a:pPr>
+                <a:endParaRPr/>
+              </a:p>
+            </p:txBody>
+          </p:sp>
+          <p:sp>
+            <p:nvSpPr>
+              <p:cNvPr id="114" name="Google Shape;1237;p42">
+                <a:extLst>
+                  <a:ext uri="{FF2B5EF4-FFF2-40B4-BE49-F238E27FC236}">
+                    <a16:creationId xmlns:a16="http://schemas.microsoft.com/office/drawing/2014/main" id="{C575FCA1-A510-4A44-82E7-CF2E65C52E8A}"/>
+                  </a:ext>
+                </a:extLst>
+              </p:cNvPr>
+              <p:cNvSpPr/>
+              <p:nvPr/>
+            </p:nvSpPr>
+            <p:spPr>
+              <a:xfrm>
+                <a:off x="4815282" y="16220296"/>
+                <a:ext cx="328720" cy="256798"/>
+              </a:xfrm>
+              <a:custGeom>
+                <a:avLst/>
+                <a:gdLst/>
+                <a:ahLst/>
+                <a:cxnLst/>
+                <a:rect l="l" t="t" r="r" b="b"/>
+                <a:pathLst>
+                  <a:path w="12665" h="9893" extrusionOk="0">
+                    <a:moveTo>
+                      <a:pt x="8538" y="2458"/>
+                    </a:moveTo>
+                    <a:cubicBezTo>
+                      <a:pt x="8758" y="2458"/>
+                      <a:pt x="8916" y="2678"/>
+                      <a:pt x="8916" y="2899"/>
+                    </a:cubicBezTo>
+                    <a:lnTo>
+                      <a:pt x="8916" y="4569"/>
+                    </a:lnTo>
+                    <a:cubicBezTo>
+                      <a:pt x="8916" y="4789"/>
+                      <a:pt x="8727" y="4978"/>
+                      <a:pt x="8538" y="4978"/>
+                    </a:cubicBezTo>
+                    <a:cubicBezTo>
+                      <a:pt x="8349" y="4978"/>
+                      <a:pt x="8128" y="4789"/>
+                      <a:pt x="8128" y="4569"/>
+                    </a:cubicBezTo>
+                    <a:lnTo>
+                      <a:pt x="8128" y="3875"/>
+                    </a:lnTo>
+                    <a:lnTo>
+                      <a:pt x="6364" y="5671"/>
+                    </a:lnTo>
+                    <a:cubicBezTo>
+                      <a:pt x="6285" y="5750"/>
+                      <a:pt x="6175" y="5789"/>
+                      <a:pt x="6065" y="5789"/>
+                    </a:cubicBezTo>
+                    <a:cubicBezTo>
+                      <a:pt x="5954" y="5789"/>
+                      <a:pt x="5844" y="5750"/>
+                      <a:pt x="5765" y="5671"/>
+                    </a:cubicBezTo>
+                    <a:lnTo>
+                      <a:pt x="5230" y="5104"/>
+                    </a:lnTo>
+                    <a:lnTo>
+                      <a:pt x="3844" y="6490"/>
+                    </a:lnTo>
+                    <a:cubicBezTo>
+                      <a:pt x="3765" y="6569"/>
+                      <a:pt x="3655" y="6608"/>
+                      <a:pt x="3544" y="6608"/>
+                    </a:cubicBezTo>
+                    <a:cubicBezTo>
+                      <a:pt x="3434" y="6608"/>
+                      <a:pt x="3324" y="6569"/>
+                      <a:pt x="3245" y="6490"/>
+                    </a:cubicBezTo>
+                    <a:cubicBezTo>
+                      <a:pt x="3087" y="6333"/>
+                      <a:pt x="3087" y="6049"/>
+                      <a:pt x="3245" y="5892"/>
+                    </a:cubicBezTo>
+                    <a:lnTo>
+                      <a:pt x="4915" y="4254"/>
+                    </a:lnTo>
+                    <a:cubicBezTo>
+                      <a:pt x="4994" y="4175"/>
+                      <a:pt x="5104" y="4135"/>
+                      <a:pt x="5214" y="4135"/>
+                    </a:cubicBezTo>
+                    <a:cubicBezTo>
+                      <a:pt x="5324" y="4135"/>
+                      <a:pt x="5435" y="4175"/>
+                      <a:pt x="5513" y="4254"/>
+                    </a:cubicBezTo>
+                    <a:lnTo>
+                      <a:pt x="6049" y="4789"/>
+                    </a:lnTo>
+                    <a:lnTo>
+                      <a:pt x="7561" y="3308"/>
+                    </a:lnTo>
+                    <a:lnTo>
+                      <a:pt x="6868" y="3308"/>
+                    </a:lnTo>
+                    <a:cubicBezTo>
+                      <a:pt x="6648" y="3308"/>
+                      <a:pt x="6490" y="3088"/>
+                      <a:pt x="6490" y="2899"/>
+                    </a:cubicBezTo>
+                    <a:cubicBezTo>
+                      <a:pt x="6490" y="2678"/>
+                      <a:pt x="6679" y="2458"/>
+                      <a:pt x="6868" y="2458"/>
+                    </a:cubicBezTo>
+                    <a:close/>
+                    <a:moveTo>
+                      <a:pt x="11814" y="8255"/>
+                    </a:moveTo>
+                    <a:cubicBezTo>
+                      <a:pt x="11814" y="8538"/>
+                      <a:pt x="11877" y="9105"/>
+                      <a:pt x="11405" y="9105"/>
+                    </a:cubicBezTo>
+                    <a:lnTo>
+                      <a:pt x="1197" y="9105"/>
+                    </a:lnTo>
+                    <a:cubicBezTo>
+                      <a:pt x="977" y="9105"/>
+                      <a:pt x="788" y="8885"/>
+                      <a:pt x="788" y="8664"/>
+                    </a:cubicBezTo>
+                    <a:lnTo>
+                      <a:pt x="788" y="8255"/>
+                    </a:lnTo>
+                    <a:close/>
+                    <a:moveTo>
+                      <a:pt x="2048" y="0"/>
+                    </a:moveTo>
+                    <a:cubicBezTo>
+                      <a:pt x="1355" y="0"/>
+                      <a:pt x="819" y="536"/>
+                      <a:pt x="819" y="1229"/>
+                    </a:cubicBezTo>
+                    <a:lnTo>
+                      <a:pt x="819" y="7435"/>
+                    </a:lnTo>
+                    <a:lnTo>
+                      <a:pt x="410" y="7435"/>
+                    </a:lnTo>
+                    <a:cubicBezTo>
+                      <a:pt x="189" y="7435"/>
+                      <a:pt x="0" y="7625"/>
+                      <a:pt x="0" y="7845"/>
+                    </a:cubicBezTo>
+                    <a:lnTo>
+                      <a:pt x="0" y="8664"/>
+                    </a:lnTo>
+                    <a:cubicBezTo>
+                      <a:pt x="0" y="9326"/>
+                      <a:pt x="536" y="9893"/>
+                      <a:pt x="1260" y="9893"/>
+                    </a:cubicBezTo>
+                    <a:lnTo>
+                      <a:pt x="11436" y="9893"/>
+                    </a:lnTo>
+                    <a:cubicBezTo>
+                      <a:pt x="12129" y="9893"/>
+                      <a:pt x="12665" y="9326"/>
+                      <a:pt x="12665" y="8664"/>
+                    </a:cubicBezTo>
+                    <a:lnTo>
+                      <a:pt x="12665" y="7845"/>
+                    </a:lnTo>
+                    <a:cubicBezTo>
+                      <a:pt x="12634" y="7593"/>
+                      <a:pt x="12444" y="7435"/>
+                      <a:pt x="12224" y="7435"/>
+                    </a:cubicBezTo>
+                    <a:lnTo>
+                      <a:pt x="11814" y="7435"/>
+                    </a:lnTo>
+                    <a:lnTo>
+                      <a:pt x="11814" y="1229"/>
+                    </a:lnTo>
+                    <a:cubicBezTo>
+                      <a:pt x="11814" y="536"/>
+                      <a:pt x="11247" y="0"/>
+                      <a:pt x="10586" y="0"/>
+                    </a:cubicBezTo>
+                    <a:close/>
+                  </a:path>
+                </a:pathLst>
+              </a:custGeom>
+              <a:solidFill>
+                <a:srgbClr val="FFFFFF"/>
+              </a:solidFill>
+              <a:ln>
+                <a:noFill/>
+              </a:ln>
+            </p:spPr>
+            <p:txBody>
+              <a:bodyPr spcFirstLastPara="1" wrap="square" lIns="91425" tIns="91425" rIns="91425" bIns="91425" anchor="ctr" anchorCtr="0">
+                <a:noAutofit/>
+              </a:bodyPr>
+              <a:lstStyle/>
+              <a:p>
+                <a:pPr marL="0" lvl="0" indent="0" algn="l" rtl="0">
+                  <a:spcBef>
+                    <a:spcPts val="0"/>
+                  </a:spcBef>
+                  <a:spcAft>
+                    <a:spcPts val="0"/>
+                  </a:spcAft>
+                  <a:buNone/>
+                </a:pPr>
+                <a:endParaRPr/>
+              </a:p>
+            </p:txBody>
+          </p:sp>
+        </p:grpSp>
+        <p:grpSp>
+          <p:nvGrpSpPr>
+            <p:cNvPr id="12" name="Group 11">
+              <a:extLst>
+                <a:ext uri="{FF2B5EF4-FFF2-40B4-BE49-F238E27FC236}">
+                  <a16:creationId xmlns:a16="http://schemas.microsoft.com/office/drawing/2014/main" id="{D0C6B3CD-85C5-4288-BE2F-9B48AE72FD9D}"/>
+                </a:ext>
+              </a:extLst>
+            </p:cNvPr>
+            <p:cNvGrpSpPr/>
+            <p:nvPr/>
+          </p:nvGrpSpPr>
+          <p:grpSpPr>
+            <a:xfrm>
+              <a:off x="1080542" y="14612387"/>
+              <a:ext cx="1080000" cy="1080000"/>
+              <a:chOff x="1236144" y="15906784"/>
+              <a:chExt cx="884100" cy="883800"/>
+            </a:xfrm>
+          </p:grpSpPr>
+          <p:sp>
+            <p:nvSpPr>
+              <p:cNvPr id="106" name="Google Shape;1229;p42">
+                <a:extLst>
+                  <a:ext uri="{FF2B5EF4-FFF2-40B4-BE49-F238E27FC236}">
+                    <a16:creationId xmlns:a16="http://schemas.microsoft.com/office/drawing/2014/main" id="{E3F36285-1D72-405F-ABD9-92E245BBF802}"/>
+                  </a:ext>
+                </a:extLst>
+              </p:cNvPr>
+              <p:cNvSpPr/>
+              <p:nvPr/>
+            </p:nvSpPr>
+            <p:spPr>
+              <a:xfrm>
+                <a:off x="1236144" y="15906784"/>
+                <a:ext cx="884100" cy="883800"/>
+              </a:xfrm>
+              <a:prstGeom prst="ellipse">
+                <a:avLst/>
+              </a:prstGeom>
+              <a:solidFill>
+                <a:srgbClr val="43425D"/>
+              </a:solidFill>
+              <a:ln>
+                <a:noFill/>
+              </a:ln>
+            </p:spPr>
+            <p:txBody>
+              <a:bodyPr spcFirstLastPara="1" wrap="square" lIns="91425" tIns="91425" rIns="91425" bIns="91425" anchor="ctr" anchorCtr="0">
+                <a:noAutofit/>
+              </a:bodyPr>
+              <a:lstStyle/>
+              <a:p>
+                <a:pPr marL="0" lvl="0" indent="0" algn="l" rtl="0">
+                  <a:spcBef>
+                    <a:spcPts val="0"/>
+                  </a:spcBef>
+                  <a:spcAft>
+                    <a:spcPts val="0"/>
+                  </a:spcAft>
+                  <a:buNone/>
+                </a:pPr>
+                <a:endParaRPr/>
+              </a:p>
+            </p:txBody>
+          </p:sp>
+          <p:grpSp>
+            <p:nvGrpSpPr>
+              <p:cNvPr id="121" name="Google Shape;1244;p42">
+                <a:extLst>
+                  <a:ext uri="{FF2B5EF4-FFF2-40B4-BE49-F238E27FC236}">
+                    <a16:creationId xmlns:a16="http://schemas.microsoft.com/office/drawing/2014/main" id="{612C2345-9CE2-4A2C-8CA5-ACC68559D1A6}"/>
+                  </a:ext>
+                </a:extLst>
+              </p:cNvPr>
+              <p:cNvGrpSpPr/>
+              <p:nvPr/>
+            </p:nvGrpSpPr>
+            <p:grpSpPr>
+              <a:xfrm>
+                <a:off x="1478470" y="16150250"/>
+                <a:ext cx="399487" cy="396897"/>
+                <a:chOff x="-22845575" y="3504075"/>
+                <a:chExt cx="296950" cy="295025"/>
+              </a:xfrm>
+              <a:solidFill>
+                <a:srgbClr val="FFFFFF"/>
+              </a:solidFill>
+            </p:grpSpPr>
+            <p:sp>
+              <p:nvSpPr>
+                <p:cNvPr id="122" name="Google Shape;1245;p42">
+                  <a:extLst>
+                    <a:ext uri="{FF2B5EF4-FFF2-40B4-BE49-F238E27FC236}">
+                      <a16:creationId xmlns:a16="http://schemas.microsoft.com/office/drawing/2014/main" id="{2DB80CF3-068A-44FA-B49B-D74ADEDF8648}"/>
+                    </a:ext>
+                  </a:extLst>
+                </p:cNvPr>
+                <p:cNvSpPr/>
+                <p:nvPr/>
+              </p:nvSpPr>
+              <p:spPr>
+                <a:xfrm>
+                  <a:off x="-22688825" y="3504100"/>
+                  <a:ext cx="140200" cy="295000"/>
+                </a:xfrm>
+                <a:custGeom>
+                  <a:avLst/>
+                  <a:gdLst/>
+                  <a:ahLst/>
+                  <a:cxnLst/>
+                  <a:rect l="l" t="t" r="r" b="b"/>
+                  <a:pathLst>
+                    <a:path w="5608" h="11800" extrusionOk="0">
+                      <a:moveTo>
+                        <a:pt x="1465" y="2908"/>
+                      </a:moveTo>
+                      <a:cubicBezTo>
+                        <a:pt x="1552" y="2908"/>
+                        <a:pt x="1638" y="2931"/>
+                        <a:pt x="1701" y="2979"/>
+                      </a:cubicBezTo>
+                      <a:cubicBezTo>
+                        <a:pt x="1827" y="3105"/>
+                        <a:pt x="1827" y="3357"/>
+                        <a:pt x="1701" y="3451"/>
+                      </a:cubicBezTo>
+                      <a:cubicBezTo>
+                        <a:pt x="1292" y="3861"/>
+                        <a:pt x="1292" y="4522"/>
+                        <a:pt x="1701" y="4932"/>
+                      </a:cubicBezTo>
+                      <a:cubicBezTo>
+                        <a:pt x="1827" y="5026"/>
+                        <a:pt x="1827" y="5279"/>
+                        <a:pt x="1701" y="5373"/>
+                      </a:cubicBezTo>
+                      <a:cubicBezTo>
+                        <a:pt x="1632" y="5477"/>
+                        <a:pt x="1544" y="5524"/>
+                        <a:pt x="1452" y="5524"/>
+                      </a:cubicBezTo>
+                      <a:cubicBezTo>
+                        <a:pt x="1377" y="5524"/>
+                        <a:pt x="1300" y="5493"/>
+                        <a:pt x="1229" y="5436"/>
+                      </a:cubicBezTo>
+                      <a:cubicBezTo>
+                        <a:pt x="567" y="4774"/>
+                        <a:pt x="567" y="3672"/>
+                        <a:pt x="1229" y="2979"/>
+                      </a:cubicBezTo>
+                      <a:cubicBezTo>
+                        <a:pt x="1292" y="2931"/>
+                        <a:pt x="1378" y="2908"/>
+                        <a:pt x="1465" y="2908"/>
+                      </a:cubicBezTo>
+                      <a:close/>
+                      <a:moveTo>
+                        <a:pt x="2461" y="7313"/>
+                      </a:moveTo>
+                      <a:cubicBezTo>
+                        <a:pt x="2532" y="7313"/>
+                        <a:pt x="2605" y="7318"/>
+                        <a:pt x="2678" y="7326"/>
+                      </a:cubicBezTo>
+                      <a:cubicBezTo>
+                        <a:pt x="2867" y="7358"/>
+                        <a:pt x="3025" y="7515"/>
+                        <a:pt x="2993" y="7704"/>
+                      </a:cubicBezTo>
+                      <a:cubicBezTo>
+                        <a:pt x="2962" y="7925"/>
+                        <a:pt x="2804" y="8019"/>
+                        <a:pt x="2615" y="8019"/>
+                      </a:cubicBezTo>
+                      <a:cubicBezTo>
+                        <a:pt x="2579" y="8016"/>
+                        <a:pt x="2543" y="8014"/>
+                        <a:pt x="2507" y="8014"/>
+                      </a:cubicBezTo>
+                      <a:cubicBezTo>
+                        <a:pt x="1947" y="8014"/>
+                        <a:pt x="1418" y="8467"/>
+                        <a:pt x="1418" y="9059"/>
+                      </a:cubicBezTo>
+                      <a:cubicBezTo>
+                        <a:pt x="1418" y="9248"/>
+                        <a:pt x="1260" y="9406"/>
+                        <a:pt x="1071" y="9406"/>
+                      </a:cubicBezTo>
+                      <a:cubicBezTo>
+                        <a:pt x="882" y="9406"/>
+                        <a:pt x="725" y="9248"/>
+                        <a:pt x="725" y="9059"/>
+                      </a:cubicBezTo>
+                      <a:cubicBezTo>
+                        <a:pt x="725" y="8091"/>
+                        <a:pt x="1490" y="7313"/>
+                        <a:pt x="2461" y="7313"/>
+                      </a:cubicBezTo>
+                      <a:close/>
+                      <a:moveTo>
+                        <a:pt x="1060" y="0"/>
+                      </a:moveTo>
+                      <a:cubicBezTo>
+                        <a:pt x="689" y="0"/>
+                        <a:pt x="327" y="130"/>
+                        <a:pt x="0" y="364"/>
+                      </a:cubicBezTo>
+                      <a:lnTo>
+                        <a:pt x="0" y="5247"/>
+                      </a:lnTo>
+                      <a:cubicBezTo>
+                        <a:pt x="0" y="5814"/>
+                        <a:pt x="473" y="6255"/>
+                        <a:pt x="1040" y="6255"/>
+                      </a:cubicBezTo>
+                      <a:cubicBezTo>
+                        <a:pt x="1229" y="6255"/>
+                        <a:pt x="1386" y="6413"/>
+                        <a:pt x="1386" y="6602"/>
+                      </a:cubicBezTo>
+                      <a:cubicBezTo>
+                        <a:pt x="1386" y="6822"/>
+                        <a:pt x="1229" y="6948"/>
+                        <a:pt x="1040" y="6948"/>
+                      </a:cubicBezTo>
+                      <a:cubicBezTo>
+                        <a:pt x="630" y="6948"/>
+                        <a:pt x="284" y="6854"/>
+                        <a:pt x="0" y="6602"/>
+                      </a:cubicBezTo>
+                      <a:lnTo>
+                        <a:pt x="0" y="11453"/>
+                      </a:lnTo>
+                      <a:cubicBezTo>
+                        <a:pt x="284" y="11705"/>
+                        <a:pt x="630" y="11800"/>
+                        <a:pt x="1040" y="11800"/>
+                      </a:cubicBezTo>
+                      <a:cubicBezTo>
+                        <a:pt x="1733" y="11800"/>
+                        <a:pt x="2363" y="11359"/>
+                        <a:pt x="2647" y="10760"/>
+                      </a:cubicBezTo>
+                      <a:cubicBezTo>
+                        <a:pt x="3497" y="10634"/>
+                        <a:pt x="4190" y="9910"/>
+                        <a:pt x="4190" y="9028"/>
+                      </a:cubicBezTo>
+                      <a:cubicBezTo>
+                        <a:pt x="4190" y="8902"/>
+                        <a:pt x="4159" y="8776"/>
+                        <a:pt x="4159" y="8618"/>
+                      </a:cubicBezTo>
+                      <a:cubicBezTo>
+                        <a:pt x="4505" y="8555"/>
+                        <a:pt x="4820" y="8397"/>
+                        <a:pt x="5104" y="8145"/>
+                      </a:cubicBezTo>
+                      <a:cubicBezTo>
+                        <a:pt x="5419" y="7830"/>
+                        <a:pt x="5608" y="7389"/>
+                        <a:pt x="5608" y="6917"/>
+                      </a:cubicBezTo>
+                      <a:cubicBezTo>
+                        <a:pt x="5608" y="6539"/>
+                        <a:pt x="5482" y="6192"/>
+                        <a:pt x="5261" y="5909"/>
+                      </a:cubicBezTo>
+                      <a:cubicBezTo>
+                        <a:pt x="5482" y="5594"/>
+                        <a:pt x="5608" y="5247"/>
+                        <a:pt x="5608" y="4869"/>
+                      </a:cubicBezTo>
+                      <a:cubicBezTo>
+                        <a:pt x="5608" y="4396"/>
+                        <a:pt x="5387" y="3987"/>
+                        <a:pt x="5072" y="3672"/>
+                      </a:cubicBezTo>
+                      <a:cubicBezTo>
+                        <a:pt x="4852" y="3420"/>
+                        <a:pt x="4505" y="3262"/>
+                        <a:pt x="4127" y="3199"/>
+                      </a:cubicBezTo>
+                      <a:cubicBezTo>
+                        <a:pt x="4253" y="2632"/>
+                        <a:pt x="4096" y="2002"/>
+                        <a:pt x="3655" y="1561"/>
+                      </a:cubicBezTo>
+                      <a:cubicBezTo>
+                        <a:pt x="3403" y="1309"/>
+                        <a:pt x="3025" y="1120"/>
+                        <a:pt x="2647" y="1088"/>
+                      </a:cubicBezTo>
+                      <a:cubicBezTo>
+                        <a:pt x="2394" y="584"/>
+                        <a:pt x="1985" y="143"/>
+                        <a:pt x="1449" y="49"/>
+                      </a:cubicBezTo>
+                      <a:cubicBezTo>
+                        <a:pt x="1319" y="16"/>
+                        <a:pt x="1189" y="0"/>
+                        <a:pt x="1060" y="0"/>
+                      </a:cubicBezTo>
+                      <a:close/>
+                    </a:path>
+                  </a:pathLst>
+                </a:custGeom>
+                <a:grpFill/>
+                <a:ln>
+                  <a:noFill/>
+                </a:ln>
+              </p:spPr>
+              <p:txBody>
+                <a:bodyPr spcFirstLastPara="1" wrap="square" lIns="91425" tIns="91425" rIns="91425" bIns="91425" anchor="ctr" anchorCtr="0">
+                  <a:noAutofit/>
+                </a:bodyPr>
+                <a:lstStyle/>
+                <a:p>
+                  <a:pPr marL="0" lvl="0" indent="0" algn="l" rtl="0">
+                    <a:spcBef>
+                      <a:spcPts val="0"/>
+                    </a:spcBef>
+                    <a:spcAft>
+                      <a:spcPts val="0"/>
+                    </a:spcAft>
+                    <a:buNone/>
+                  </a:pPr>
+                  <a:endParaRPr/>
+                </a:p>
+              </p:txBody>
+            </p:sp>
+            <p:sp>
+              <p:nvSpPr>
+                <p:cNvPr id="123" name="Google Shape;1246;p42">
+                  <a:extLst>
+                    <a:ext uri="{FF2B5EF4-FFF2-40B4-BE49-F238E27FC236}">
+                      <a16:creationId xmlns:a16="http://schemas.microsoft.com/office/drawing/2014/main" id="{28F1D26E-E6DA-4B14-A242-4547C1D77A0E}"/>
+                    </a:ext>
+                  </a:extLst>
+                </p:cNvPr>
+                <p:cNvSpPr/>
+                <p:nvPr/>
+              </p:nvSpPr>
+              <p:spPr>
+                <a:xfrm>
+                  <a:off x="-22845575" y="3504075"/>
+                  <a:ext cx="139425" cy="294250"/>
+                </a:xfrm>
+                <a:custGeom>
+                  <a:avLst/>
+                  <a:gdLst/>
+                  <a:ahLst/>
+                  <a:cxnLst/>
+                  <a:rect l="l" t="t" r="r" b="b"/>
+                  <a:pathLst>
+                    <a:path w="5577" h="11770" extrusionOk="0">
+                      <a:moveTo>
+                        <a:pt x="4187" y="2948"/>
+                      </a:moveTo>
+                      <a:cubicBezTo>
+                        <a:pt x="4277" y="2948"/>
+                        <a:pt x="4364" y="2980"/>
+                        <a:pt x="4411" y="3043"/>
+                      </a:cubicBezTo>
+                      <a:cubicBezTo>
+                        <a:pt x="5104" y="3673"/>
+                        <a:pt x="5104" y="4775"/>
+                        <a:pt x="4411" y="5437"/>
+                      </a:cubicBezTo>
+                      <a:cubicBezTo>
+                        <a:pt x="4364" y="5500"/>
+                        <a:pt x="4277" y="5532"/>
+                        <a:pt x="4187" y="5532"/>
+                      </a:cubicBezTo>
+                      <a:cubicBezTo>
+                        <a:pt x="4096" y="5532"/>
+                        <a:pt x="4002" y="5500"/>
+                        <a:pt x="3939" y="5437"/>
+                      </a:cubicBezTo>
+                      <a:cubicBezTo>
+                        <a:pt x="3844" y="5311"/>
+                        <a:pt x="3844" y="5090"/>
+                        <a:pt x="3939" y="4964"/>
+                      </a:cubicBezTo>
+                      <a:cubicBezTo>
+                        <a:pt x="4348" y="4555"/>
+                        <a:pt x="4348" y="3893"/>
+                        <a:pt x="3939" y="3515"/>
+                      </a:cubicBezTo>
+                      <a:cubicBezTo>
+                        <a:pt x="3844" y="3389"/>
+                        <a:pt x="3844" y="3137"/>
+                        <a:pt x="3939" y="3043"/>
+                      </a:cubicBezTo>
+                      <a:cubicBezTo>
+                        <a:pt x="4002" y="2980"/>
+                        <a:pt x="4096" y="2948"/>
+                        <a:pt x="4187" y="2948"/>
+                      </a:cubicBezTo>
+                      <a:close/>
+                      <a:moveTo>
+                        <a:pt x="3148" y="7314"/>
+                      </a:moveTo>
+                      <a:cubicBezTo>
+                        <a:pt x="4123" y="7314"/>
+                        <a:pt x="4915" y="8092"/>
+                        <a:pt x="4915" y="9060"/>
+                      </a:cubicBezTo>
+                      <a:cubicBezTo>
+                        <a:pt x="4915" y="9249"/>
+                        <a:pt x="4726" y="9407"/>
+                        <a:pt x="4537" y="9407"/>
+                      </a:cubicBezTo>
+                      <a:cubicBezTo>
+                        <a:pt x="4348" y="9407"/>
+                        <a:pt x="4191" y="9249"/>
+                        <a:pt x="4191" y="9060"/>
+                      </a:cubicBezTo>
+                      <a:cubicBezTo>
+                        <a:pt x="4191" y="8468"/>
+                        <a:pt x="3662" y="8015"/>
+                        <a:pt x="3101" y="8015"/>
+                      </a:cubicBezTo>
+                      <a:cubicBezTo>
+                        <a:pt x="3066" y="8015"/>
+                        <a:pt x="3030" y="8017"/>
+                        <a:pt x="2994" y="8020"/>
+                      </a:cubicBezTo>
+                      <a:cubicBezTo>
+                        <a:pt x="2968" y="8029"/>
+                        <a:pt x="2944" y="8033"/>
+                        <a:pt x="2920" y="8033"/>
+                      </a:cubicBezTo>
+                      <a:cubicBezTo>
+                        <a:pt x="2765" y="8033"/>
+                        <a:pt x="2643" y="7869"/>
+                        <a:pt x="2616" y="7705"/>
+                      </a:cubicBezTo>
+                      <a:cubicBezTo>
+                        <a:pt x="2584" y="7516"/>
+                        <a:pt x="2742" y="7359"/>
+                        <a:pt x="2931" y="7327"/>
+                      </a:cubicBezTo>
+                      <a:cubicBezTo>
+                        <a:pt x="3004" y="7319"/>
+                        <a:pt x="3077" y="7314"/>
+                        <a:pt x="3148" y="7314"/>
+                      </a:cubicBezTo>
+                      <a:close/>
+                      <a:moveTo>
+                        <a:pt x="4581" y="0"/>
+                      </a:moveTo>
+                      <a:cubicBezTo>
+                        <a:pt x="4444" y="0"/>
+                        <a:pt x="4303" y="16"/>
+                        <a:pt x="4159" y="50"/>
+                      </a:cubicBezTo>
+                      <a:cubicBezTo>
+                        <a:pt x="3592" y="144"/>
+                        <a:pt x="3214" y="585"/>
+                        <a:pt x="2962" y="1089"/>
+                      </a:cubicBezTo>
+                      <a:cubicBezTo>
+                        <a:pt x="2584" y="1152"/>
+                        <a:pt x="2206" y="1310"/>
+                        <a:pt x="1954" y="1562"/>
+                      </a:cubicBezTo>
+                      <a:cubicBezTo>
+                        <a:pt x="1513" y="2003"/>
+                        <a:pt x="1355" y="2633"/>
+                        <a:pt x="1481" y="3200"/>
+                      </a:cubicBezTo>
+                      <a:cubicBezTo>
+                        <a:pt x="1135" y="3232"/>
+                        <a:pt x="820" y="3389"/>
+                        <a:pt x="536" y="3673"/>
+                      </a:cubicBezTo>
+                      <a:cubicBezTo>
+                        <a:pt x="221" y="3988"/>
+                        <a:pt x="1" y="4397"/>
+                        <a:pt x="1" y="4870"/>
+                      </a:cubicBezTo>
+                      <a:cubicBezTo>
+                        <a:pt x="1" y="5280"/>
+                        <a:pt x="127" y="5626"/>
+                        <a:pt x="379" y="5910"/>
+                      </a:cubicBezTo>
+                      <a:cubicBezTo>
+                        <a:pt x="127" y="6225"/>
+                        <a:pt x="1" y="6571"/>
+                        <a:pt x="1" y="6918"/>
+                      </a:cubicBezTo>
+                      <a:cubicBezTo>
+                        <a:pt x="1" y="7390"/>
+                        <a:pt x="221" y="7831"/>
+                        <a:pt x="536" y="8146"/>
+                      </a:cubicBezTo>
+                      <a:cubicBezTo>
+                        <a:pt x="788" y="8430"/>
+                        <a:pt x="1135" y="8588"/>
+                        <a:pt x="1481" y="8619"/>
+                      </a:cubicBezTo>
+                      <a:cubicBezTo>
+                        <a:pt x="1229" y="9690"/>
+                        <a:pt x="1985" y="10604"/>
+                        <a:pt x="2931" y="10698"/>
+                      </a:cubicBezTo>
+                      <a:cubicBezTo>
+                        <a:pt x="3214" y="11328"/>
+                        <a:pt x="3781" y="11769"/>
+                        <a:pt x="4537" y="11769"/>
+                      </a:cubicBezTo>
+                      <a:cubicBezTo>
+                        <a:pt x="4947" y="11769"/>
+                        <a:pt x="5293" y="11612"/>
+                        <a:pt x="5577" y="11423"/>
+                      </a:cubicBezTo>
+                      <a:lnTo>
+                        <a:pt x="5577" y="6571"/>
+                      </a:lnTo>
+                      <a:cubicBezTo>
+                        <a:pt x="5293" y="6823"/>
+                        <a:pt x="4947" y="6918"/>
+                        <a:pt x="4537" y="6918"/>
+                      </a:cubicBezTo>
+                      <a:cubicBezTo>
+                        <a:pt x="4348" y="6918"/>
+                        <a:pt x="4191" y="6760"/>
+                        <a:pt x="4191" y="6571"/>
+                      </a:cubicBezTo>
+                      <a:cubicBezTo>
+                        <a:pt x="4191" y="6382"/>
+                        <a:pt x="4348" y="6225"/>
+                        <a:pt x="4537" y="6225"/>
+                      </a:cubicBezTo>
+                      <a:cubicBezTo>
+                        <a:pt x="5136" y="6225"/>
+                        <a:pt x="5577" y="5752"/>
+                        <a:pt x="5577" y="5185"/>
+                      </a:cubicBezTo>
+                      <a:lnTo>
+                        <a:pt x="5577" y="302"/>
+                      </a:lnTo>
+                      <a:cubicBezTo>
+                        <a:pt x="5300" y="117"/>
+                        <a:pt x="4956" y="0"/>
+                        <a:pt x="4581" y="0"/>
+                      </a:cubicBezTo>
+                      <a:close/>
+                    </a:path>
+                  </a:pathLst>
+                </a:custGeom>
+                <a:grpFill/>
+                <a:ln>
+                  <a:noFill/>
+                </a:ln>
+              </p:spPr>
+              <p:txBody>
+                <a:bodyPr spcFirstLastPara="1" wrap="square" lIns="91425" tIns="91425" rIns="91425" bIns="91425" anchor="ctr" anchorCtr="0">
+                  <a:noAutofit/>
+                </a:bodyPr>
+                <a:lstStyle/>
+                <a:p>
+                  <a:pPr marL="0" lvl="0" indent="0" algn="l" rtl="0">
+                    <a:spcBef>
+                      <a:spcPts val="0"/>
+                    </a:spcBef>
+                    <a:spcAft>
+                      <a:spcPts val="0"/>
+                    </a:spcAft>
+                    <a:buNone/>
+                  </a:pPr>
+                  <a:endParaRPr/>
+                </a:p>
+              </p:txBody>
+            </p:sp>
+          </p:grpSp>
+        </p:grpSp>
+        <p:sp>
+          <p:nvSpPr>
+            <p:cNvPr id="95" name="Google Shape;1263;p42">
+              <a:extLst>
+                <a:ext uri="{FF2B5EF4-FFF2-40B4-BE49-F238E27FC236}">
+                  <a16:creationId xmlns:a16="http://schemas.microsoft.com/office/drawing/2014/main" id="{5AB6F579-DB3A-4097-B9F5-C50B791D4B51}"/>
+                </a:ext>
+              </a:extLst>
+            </p:cNvPr>
+            <p:cNvSpPr txBox="1"/>
+            <p:nvPr/>
+          </p:nvSpPr>
+          <p:spPr>
+            <a:xfrm>
+              <a:off x="1152550" y="15765280"/>
+              <a:ext cx="873030" cy="396900"/>
+            </a:xfrm>
+            <a:prstGeom prst="rect">
+              <a:avLst/>
+            </a:prstGeom>
+            <a:noFill/>
+            <a:ln>
+              <a:noFill/>
+            </a:ln>
+          </p:spPr>
+          <p:txBody>
+            <a:bodyPr spcFirstLastPara="1" wrap="square" lIns="91425" tIns="91425" rIns="91425" bIns="91425" anchor="ctr" anchorCtr="0">
+              <a:noAutofit/>
+            </a:bodyPr>
+            <a:lstStyle/>
+            <a:p>
+              <a:pPr marL="0" lvl="0" indent="0" algn="ctr" rtl="0">
+                <a:spcBef>
+                  <a:spcPts val="0"/>
+                </a:spcBef>
+                <a:spcAft>
+                  <a:spcPts val="0"/>
+                </a:spcAft>
+                <a:buNone/>
+              </a:pPr>
+              <a:r>
+                <a:rPr lang="en-US" sz="1800" b="1" dirty="0">
+                  <a:solidFill>
+                    <a:srgbClr val="43425D"/>
+                  </a:solidFill>
+                  <a:latin typeface="Spartan"/>
+                  <a:ea typeface="Spartan"/>
+                  <a:cs typeface="Spartan"/>
+                  <a:sym typeface="Spartan"/>
+                </a:rPr>
+                <a:t>SVR</a:t>
+              </a:r>
+              <a:endParaRPr sz="1800" b="1" dirty="0">
+                <a:solidFill>
+                  <a:srgbClr val="43425D"/>
+                </a:solidFill>
+                <a:latin typeface="Spartan"/>
+                <a:ea typeface="Spartan"/>
+                <a:cs typeface="Spartan"/>
+                <a:sym typeface="Spartan"/>
+              </a:endParaRPr>
+            </a:p>
+          </p:txBody>
+        </p:sp>
+        <p:sp>
+          <p:nvSpPr>
+            <p:cNvPr id="96" name="Google Shape;1263;p42">
+              <a:extLst>
+                <a:ext uri="{FF2B5EF4-FFF2-40B4-BE49-F238E27FC236}">
+                  <a16:creationId xmlns:a16="http://schemas.microsoft.com/office/drawing/2014/main" id="{D692E8A0-9ED2-4346-88C9-46A231C6DA66}"/>
+                </a:ext>
+              </a:extLst>
+            </p:cNvPr>
+            <p:cNvSpPr txBox="1"/>
+            <p:nvPr/>
+          </p:nvSpPr>
+          <p:spPr>
+            <a:xfrm>
+              <a:off x="3041690" y="15768687"/>
+              <a:ext cx="1194097" cy="396900"/>
+            </a:xfrm>
+            <a:prstGeom prst="rect">
+              <a:avLst/>
+            </a:prstGeom>
+            <a:noFill/>
+            <a:ln>
+              <a:noFill/>
+            </a:ln>
+          </p:spPr>
+          <p:txBody>
+            <a:bodyPr spcFirstLastPara="1" wrap="square" lIns="91425" tIns="91425" rIns="91425" bIns="91425" anchor="ctr" anchorCtr="0">
+              <a:noAutofit/>
+            </a:bodyPr>
+            <a:lstStyle/>
+            <a:p>
+              <a:pPr marL="0" lvl="0" indent="0" algn="ctr" rtl="0">
+                <a:spcBef>
+                  <a:spcPts val="0"/>
+                </a:spcBef>
+                <a:spcAft>
+                  <a:spcPts val="0"/>
+                </a:spcAft>
+                <a:buNone/>
+              </a:pPr>
+              <a:r>
+                <a:rPr lang="en-US" sz="1800" b="1" dirty="0">
+                  <a:solidFill>
+                    <a:srgbClr val="43425D"/>
+                  </a:solidFill>
+                  <a:latin typeface="Spartan"/>
+                  <a:ea typeface="Spartan"/>
+                  <a:cs typeface="Spartan"/>
+                  <a:sym typeface="Spartan"/>
+                </a:rPr>
+                <a:t>Flask API</a:t>
+              </a:r>
+              <a:endParaRPr sz="1600" b="1" dirty="0">
+                <a:solidFill>
+                  <a:srgbClr val="43425D"/>
+                </a:solidFill>
+                <a:latin typeface="Spartan"/>
+                <a:ea typeface="Spartan"/>
+                <a:cs typeface="Spartan"/>
+                <a:sym typeface="Spartan"/>
+              </a:endParaRPr>
+            </a:p>
+          </p:txBody>
+        </p:sp>
+        <p:sp>
+          <p:nvSpPr>
+            <p:cNvPr id="97" name="Google Shape;1263;p42">
+              <a:extLst>
+                <a:ext uri="{FF2B5EF4-FFF2-40B4-BE49-F238E27FC236}">
+                  <a16:creationId xmlns:a16="http://schemas.microsoft.com/office/drawing/2014/main" id="{E47AC72A-4BB7-4A89-B990-8E443EA4FD73}"/>
+                </a:ext>
+              </a:extLst>
+            </p:cNvPr>
+            <p:cNvSpPr txBox="1"/>
+            <p:nvPr/>
+          </p:nvSpPr>
+          <p:spPr>
+            <a:xfrm>
+              <a:off x="5184998" y="15762409"/>
+              <a:ext cx="873030" cy="396900"/>
+            </a:xfrm>
+            <a:prstGeom prst="rect">
+              <a:avLst/>
+            </a:prstGeom>
+            <a:noFill/>
+            <a:ln>
+              <a:noFill/>
+            </a:ln>
+          </p:spPr>
+          <p:txBody>
+            <a:bodyPr spcFirstLastPara="1" wrap="square" lIns="91425" tIns="91425" rIns="91425" bIns="91425" anchor="ctr" anchorCtr="0">
+              <a:noAutofit/>
+            </a:bodyPr>
+            <a:lstStyle/>
+            <a:p>
+              <a:pPr marL="0" lvl="0" indent="0" algn="ctr" rtl="0">
+                <a:spcBef>
+                  <a:spcPts val="0"/>
+                </a:spcBef>
+                <a:spcAft>
+                  <a:spcPts val="0"/>
+                </a:spcAft>
+                <a:buNone/>
+              </a:pPr>
+              <a:r>
+                <a:rPr lang="en-US" sz="1800" b="1" dirty="0">
+                  <a:solidFill>
+                    <a:srgbClr val="43425D"/>
+                  </a:solidFill>
+                  <a:latin typeface="Spartan"/>
+                  <a:ea typeface="Spartan"/>
+                  <a:cs typeface="Spartan"/>
+                  <a:sym typeface="Spartan"/>
+                </a:rPr>
+                <a:t>Vue.js</a:t>
+              </a:r>
+              <a:endParaRPr sz="1600" b="1" dirty="0">
+                <a:solidFill>
+                  <a:srgbClr val="43425D"/>
+                </a:solidFill>
+                <a:latin typeface="Spartan"/>
+                <a:ea typeface="Spartan"/>
+                <a:cs typeface="Spartan"/>
+                <a:sym typeface="Spartan"/>
+              </a:endParaRPr>
+            </a:p>
+          </p:txBody>
+        </p:sp>
+      </p:grpSp>
       <p:sp>
         <p:nvSpPr>
-          <p:cNvPr id="175" name="TextBox 174">
+          <p:cNvPr id="98" name="TextBox 97">
             <a:extLst>
               <a:ext uri="{FF2B5EF4-FFF2-40B4-BE49-F238E27FC236}">
-                <a16:creationId xmlns:a16="http://schemas.microsoft.com/office/drawing/2014/main" id="{0E63B477-D3D3-476F-8F7D-694B626F06CC}"/>
+                <a16:creationId xmlns:a16="http://schemas.microsoft.com/office/drawing/2014/main" id="{15C91624-6678-4D2B-9D67-475B9AE6DCF8}"/>
               </a:ext>
             </a:extLst>
           </p:cNvPr>
@@ -15177,8 +15867,8 @@
         </p:nvSpPr>
         <p:spPr>
           <a:xfrm>
-            <a:off x="876624" y="17438128"/>
-            <a:ext cx="1790473" cy="2123658"/>
+            <a:off x="7102032" y="12926970"/>
+            <a:ext cx="7030939" cy="1938992"/>
           </a:xfrm>
           <a:prstGeom prst="rect">
             <a:avLst/>
@@ -15191,18 +15881,118 @@
           </a:bodyPr>
           <a:lstStyle/>
           <a:p>
-            <a:pPr algn="thaiDist"/>
+            <a:pPr algn="just"/>
             <a:r>
-              <a:rPr lang="th-TH" sz="2200" dirty="0">
+              <a:rPr lang="th-TH" sz="2400" dirty="0">
                 <a:solidFill>
                   <a:srgbClr val="43425D"/>
                 </a:solidFill>
                 <a:latin typeface="TH SarabunPSK" panose="020B0500040200020003" pitchFamily="34" charset="-34"/>
                 <a:cs typeface="TH SarabunPSK" panose="020B0500040200020003" pitchFamily="34" charset="-34"/>
               </a:rPr>
-              <a:t>ซัพพอร์ตเวกเตอร์รีเกรชชันถูกเทรนโดยใช้ 13 อินดิเคเตอร์ซึ่งจะทำนายค่าเปิดและค่าปิดในอีก 24 ชม.ข้างหน้า</a:t>
+              <a:t>เว็บไซต์จะประกอบไปด้วย 2 หน้าหลัก ได้แก่ หน้าภาพรวม(</a:t>
             </a:r>
-            <a:endParaRPr lang="en-US" sz="2200" dirty="0">
+            <a:r>
+              <a:rPr lang="en-US" sz="2400" dirty="0">
+                <a:solidFill>
+                  <a:srgbClr val="43425D"/>
+                </a:solidFill>
+                <a:latin typeface="TH SarabunPSK" panose="020B0500040200020003" pitchFamily="34" charset="-34"/>
+                <a:cs typeface="TH SarabunPSK" panose="020B0500040200020003" pitchFamily="34" charset="-34"/>
+              </a:rPr>
+              <a:t>Overview) </a:t>
+            </a:r>
+            <a:r>
+              <a:rPr lang="th-TH" sz="2400" dirty="0">
+                <a:solidFill>
+                  <a:srgbClr val="43425D"/>
+                </a:solidFill>
+                <a:latin typeface="TH SarabunPSK" panose="020B0500040200020003" pitchFamily="34" charset="-34"/>
+                <a:cs typeface="TH SarabunPSK" panose="020B0500040200020003" pitchFamily="34" charset="-34"/>
+              </a:rPr>
+              <a:t>ที่แสดงถึงคำแนะนำว่าควรซื้อหรือขายของทุกๆคู่สกุลเงิน และหน้าแสดงรายละเอียดของแต่ละคู่สกุลเงิน ที่แสดงค่าความถูกต้องของมาตราวัดต่างๆ และแนวโน้มของกราฟแท่งเทียนในอีก 24 ชม. ถัดไป</a:t>
+            </a:r>
+            <a:r>
+              <a:rPr lang="en-US" sz="2400" dirty="0">
+                <a:solidFill>
+                  <a:srgbClr val="43425D"/>
+                </a:solidFill>
+                <a:latin typeface="TH SarabunPSK" panose="020B0500040200020003" pitchFamily="34" charset="-34"/>
+                <a:cs typeface="TH SarabunPSK" panose="020B0500040200020003" pitchFamily="34" charset="-34"/>
+              </a:rPr>
+              <a:t> </a:t>
+            </a:r>
+            <a:r>
+              <a:rPr lang="th-TH" sz="2400" dirty="0">
+                <a:solidFill>
+                  <a:srgbClr val="43425D"/>
+                </a:solidFill>
+                <a:latin typeface="TH SarabunPSK" panose="020B0500040200020003" pitchFamily="34" charset="-34"/>
+                <a:cs typeface="TH SarabunPSK" panose="020B0500040200020003" pitchFamily="34" charset="-34"/>
+              </a:rPr>
+              <a:t>โดยผู้จัดทำได้ทำนาย 3 คู่สกุลเงินหลัก คือ </a:t>
+            </a:r>
+            <a:r>
+              <a:rPr lang="en-US" sz="2400" dirty="0">
+                <a:solidFill>
+                  <a:srgbClr val="43425D"/>
+                </a:solidFill>
+                <a:latin typeface="TH SarabunPSK" panose="020B0500040200020003" pitchFamily="34" charset="-34"/>
+                <a:cs typeface="TH SarabunPSK" panose="020B0500040200020003" pitchFamily="34" charset="-34"/>
+              </a:rPr>
+              <a:t>EUR/USD,</a:t>
+            </a:r>
+            <a:r>
+              <a:rPr lang="th-TH" sz="2400" dirty="0">
+                <a:solidFill>
+                  <a:srgbClr val="43425D"/>
+                </a:solidFill>
+                <a:latin typeface="TH SarabunPSK" panose="020B0500040200020003" pitchFamily="34" charset="-34"/>
+                <a:cs typeface="TH SarabunPSK" panose="020B0500040200020003" pitchFamily="34" charset="-34"/>
+              </a:rPr>
+              <a:t> </a:t>
+            </a:r>
+            <a:r>
+              <a:rPr lang="en-US" sz="2400" dirty="0">
+                <a:solidFill>
+                  <a:srgbClr val="43425D"/>
+                </a:solidFill>
+                <a:latin typeface="TH SarabunPSK" panose="020B0500040200020003" pitchFamily="34" charset="-34"/>
+                <a:cs typeface="TH SarabunPSK" panose="020B0500040200020003" pitchFamily="34" charset="-34"/>
+              </a:rPr>
+              <a:t>GBP/USD </a:t>
+            </a:r>
+            <a:r>
+              <a:rPr lang="th-TH" sz="2400" dirty="0">
+                <a:solidFill>
+                  <a:srgbClr val="43425D"/>
+                </a:solidFill>
+                <a:latin typeface="TH SarabunPSK" panose="020B0500040200020003" pitchFamily="34" charset="-34"/>
+                <a:cs typeface="TH SarabunPSK" panose="020B0500040200020003" pitchFamily="34" charset="-34"/>
+              </a:rPr>
+              <a:t>และ </a:t>
+            </a:r>
+            <a:r>
+              <a:rPr lang="en-US" sz="2400" dirty="0">
+                <a:solidFill>
+                  <a:srgbClr val="43425D"/>
+                </a:solidFill>
+                <a:latin typeface="TH SarabunPSK" panose="020B0500040200020003" pitchFamily="34" charset="-34"/>
+                <a:cs typeface="TH SarabunPSK" panose="020B0500040200020003" pitchFamily="34" charset="-34"/>
+              </a:rPr>
+              <a:t>USD/JPY </a:t>
+            </a:r>
+            <a:r>
+              <a:rPr lang="th-TH" sz="2400" dirty="0">
+                <a:solidFill>
+                  <a:srgbClr val="43425D"/>
+                </a:solidFill>
+                <a:latin typeface="TH SarabunPSK" panose="020B0500040200020003" pitchFamily="34" charset="-34"/>
+                <a:cs typeface="TH SarabunPSK" panose="020B0500040200020003" pitchFamily="34" charset="-34"/>
+              </a:rPr>
+              <a:t>รวมทั้งหมด 4 หน้าเว็บไซต </a:t>
+            </a:r>
+            <a:endParaRPr lang="en-US" sz="2400" dirty="0">
               <a:solidFill>
                 <a:srgbClr val="43425D"/>
               </a:solidFill>
@@ -15214,10 +16004,10 @@
       </p:sp>
       <p:sp>
         <p:nvSpPr>
-          <p:cNvPr id="94" name="TextBox 93">
+          <p:cNvPr id="99" name="TextBox 98">
             <a:extLst>
               <a:ext uri="{FF2B5EF4-FFF2-40B4-BE49-F238E27FC236}">
-                <a16:creationId xmlns:a16="http://schemas.microsoft.com/office/drawing/2014/main" id="{D47FE819-DC7F-46F8-8B83-1C13C306187B}"/>
+                <a16:creationId xmlns:a16="http://schemas.microsoft.com/office/drawing/2014/main" id="{E06C9AD1-3225-4161-BB7D-D197BAC67DE7}"/>
               </a:ext>
             </a:extLst>
           </p:cNvPr>
@@ -15226,8 +16016,8 @@
         </p:nvSpPr>
         <p:spPr>
           <a:xfrm>
-            <a:off x="876624" y="16886088"/>
-            <a:ext cx="1999438" cy="461665"/>
+            <a:off x="7095898" y="17583780"/>
+            <a:ext cx="7030939" cy="2308324"/>
           </a:xfrm>
           <a:prstGeom prst="rect">
             <a:avLst/>
@@ -15240,79 +16030,28 @@
           </a:bodyPr>
           <a:lstStyle/>
           <a:p>
+            <a:pPr algn="just"/>
             <a:r>
-              <a:rPr lang="en-US" sz="2400" b="1" dirty="0">
+              <a:rPr lang="th-TH" sz="2400" dirty="0">
                 <a:solidFill>
                   <a:srgbClr val="43425D"/>
                 </a:solidFill>
                 <a:latin typeface="TH SarabunPSK" panose="020B0500040200020003" pitchFamily="34" charset="-34"/>
                 <a:cs typeface="TH SarabunPSK" panose="020B0500040200020003" pitchFamily="34" charset="-34"/>
               </a:rPr>
-              <a:t>Module 1 :</a:t>
+              <a:t>ผลลัพธ์ที่ได้พบว่าค่าความถูกต้องของแต่ละมาตราวัดผลนั้นมีค่าที่ไม่สูงมาก เนื่องจากปัจจัยที่ส่งผลต่อการเคลื่อนไหวตลาดฟอเร็กซ์นั้นไม่ได้มีเพียงแค่สถิติย้อนหลังของตลาดฟอเร็กซ์เป็นหลัก แต่ขึ้นเกี่ยวกับปัจจัยทางด้านเศรษฐกิจของโลก รวมถึงข่าวสารต่างๆที่ส่งผลกระทบต่อการเงิน ดังนั้นเมื่อนำไปใช้จริงแล้วทำให้ไม่สามารถเชื่อถือได้มากนัก แต่โดยรวมแล้ว คู่สกุลเงิน ....... มีความถูกต้องของแนวโน้มที่สูงที่สุดเมื่อเปรียบเทียบคู่สกุลเงินอื่นๆ </a:t>
             </a:r>
             <a:r>
-              <a:rPr lang="th-TH" sz="2400" b="1" dirty="0">
+              <a:rPr lang="th-TH" sz="2400" dirty="0">
                 <a:solidFill>
-                  <a:srgbClr val="43425D"/>
+                  <a:srgbClr val="FF0000"/>
                 </a:solidFill>
                 <a:latin typeface="TH SarabunPSK" panose="020B0500040200020003" pitchFamily="34" charset="-34"/>
                 <a:cs typeface="TH SarabunPSK" panose="020B0500040200020003" pitchFamily="34" charset="-34"/>
               </a:rPr>
-              <a:t> </a:t>
+              <a:t>*บอกข้อมูลช่วงเวลาข้อมูลเทส 2021</a:t>
             </a:r>
-            <a:r>
-              <a:rPr lang="en-US" sz="2400" b="1" dirty="0">
-                <a:solidFill>
-                  <a:srgbClr val="43425D"/>
-                </a:solidFill>
-                <a:latin typeface="TH SarabunPSK" panose="020B0500040200020003" pitchFamily="34" charset="-34"/>
-                <a:cs typeface="TH SarabunPSK" panose="020B0500040200020003" pitchFamily="34" charset="-34"/>
-              </a:rPr>
-              <a:t>Model</a:t>
-            </a:r>
-          </a:p>
-        </p:txBody>
-      </p:sp>
-      <p:sp>
-        <p:nvSpPr>
-          <p:cNvPr id="88" name="TextBox 87">
-            <a:extLst>
-              <a:ext uri="{FF2B5EF4-FFF2-40B4-BE49-F238E27FC236}">
-                <a16:creationId xmlns:a16="http://schemas.microsoft.com/office/drawing/2014/main" id="{00E51DAD-5561-45AD-93A0-FE45D50A8832}"/>
-              </a:ext>
-            </a:extLst>
-          </p:cNvPr>
-          <p:cNvSpPr txBox="1"/>
-          <p:nvPr/>
-        </p:nvSpPr>
-        <p:spPr>
-          <a:xfrm>
-            <a:off x="2986202" y="17439341"/>
-            <a:ext cx="1790473" cy="2462213"/>
-          </a:xfrm>
-          <a:prstGeom prst="rect">
-            <a:avLst/>
-          </a:prstGeom>
-          <a:noFill/>
-        </p:spPr>
-        <p:txBody>
-          <a:bodyPr wrap="square" rtlCol="0" anchor="ctr">
-            <a:spAutoFit/>
-          </a:bodyPr>
-          <a:lstStyle/>
-          <a:p>
-            <a:pPr algn="thaiDist"/>
-            <a:r>
-              <a:rPr lang="th-TH" sz="2200" dirty="0">
-                <a:solidFill>
-                  <a:srgbClr val="43425D"/>
-                </a:solidFill>
-                <a:latin typeface="TH SarabunPSK" panose="020B0500040200020003" pitchFamily="34" charset="-34"/>
-                <a:cs typeface="TH SarabunPSK" panose="020B0500040200020003" pitchFamily="34" charset="-34"/>
-              </a:rPr>
-              <a:t>เป็นเอพีไอเชื่อมโยงในส่วนของโมเดลและเว็บไซต์ โดยรับข้อมูลแบบเรียลไทม์และส่งข้อมูลไปยังโมเดลเพื่อทำนาย และนำผลรับที่ได้ส่งไปยังเว็บไซต์ </a:t>
-            </a:r>
-            <a:endParaRPr lang="en-US" sz="2200" dirty="0">
+            <a:endParaRPr lang="en-US" sz="2400" dirty="0">
               <a:solidFill>
                 <a:srgbClr val="43425D"/>
               </a:solidFill>
@@ -15324,10 +16063,10 @@
       </p:sp>
       <p:sp>
         <p:nvSpPr>
-          <p:cNvPr id="89" name="TextBox 88">
+          <p:cNvPr id="101" name="Google Shape;1264;p42">
             <a:extLst>
               <a:ext uri="{FF2B5EF4-FFF2-40B4-BE49-F238E27FC236}">
-                <a16:creationId xmlns:a16="http://schemas.microsoft.com/office/drawing/2014/main" id="{3629AF18-D4BE-472B-B7CF-C28760175644}"/>
+                <a16:creationId xmlns:a16="http://schemas.microsoft.com/office/drawing/2014/main" id="{8FC7866E-0D16-4464-9C9E-6D76DB05747D}"/>
               </a:ext>
             </a:extLst>
           </p:cNvPr>
@@ -15336,219 +16075,8 @@
         </p:nvSpPr>
         <p:spPr>
           <a:xfrm>
-            <a:off x="2986202" y="16886088"/>
-            <a:ext cx="1999438" cy="461665"/>
-          </a:xfrm>
-          <a:prstGeom prst="rect">
-            <a:avLst/>
-          </a:prstGeom>
-          <a:noFill/>
-        </p:spPr>
-        <p:txBody>
-          <a:bodyPr wrap="square" rtlCol="0" anchor="ctr">
-            <a:spAutoFit/>
-          </a:bodyPr>
-          <a:lstStyle/>
-          <a:p>
-            <a:r>
-              <a:rPr lang="en-US" sz="2400" b="1" dirty="0">
-                <a:solidFill>
-                  <a:srgbClr val="43425D"/>
-                </a:solidFill>
-                <a:latin typeface="TH SarabunPSK" panose="020B0500040200020003" pitchFamily="34" charset="-34"/>
-                <a:cs typeface="TH SarabunPSK" panose="020B0500040200020003" pitchFamily="34" charset="-34"/>
-              </a:rPr>
-              <a:t>Module 2 :</a:t>
-            </a:r>
-            <a:r>
-              <a:rPr lang="th-TH" sz="2400" b="1" dirty="0">
-                <a:solidFill>
-                  <a:srgbClr val="43425D"/>
-                </a:solidFill>
-                <a:latin typeface="TH SarabunPSK" panose="020B0500040200020003" pitchFamily="34" charset="-34"/>
-                <a:cs typeface="TH SarabunPSK" panose="020B0500040200020003" pitchFamily="34" charset="-34"/>
-              </a:rPr>
-              <a:t> </a:t>
-            </a:r>
-            <a:r>
-              <a:rPr lang="en-US" sz="2400" b="1" dirty="0">
-                <a:solidFill>
-                  <a:srgbClr val="43425D"/>
-                </a:solidFill>
-                <a:latin typeface="TH SarabunPSK" panose="020B0500040200020003" pitchFamily="34" charset="-34"/>
-                <a:cs typeface="TH SarabunPSK" panose="020B0500040200020003" pitchFamily="34" charset="-34"/>
-              </a:rPr>
-              <a:t>API</a:t>
-            </a:r>
-          </a:p>
-        </p:txBody>
-      </p:sp>
-      <p:sp>
-        <p:nvSpPr>
-          <p:cNvPr id="90" name="TextBox 89">
-            <a:extLst>
-              <a:ext uri="{FF2B5EF4-FFF2-40B4-BE49-F238E27FC236}">
-                <a16:creationId xmlns:a16="http://schemas.microsoft.com/office/drawing/2014/main" id="{89D3FFC5-452C-40F3-A60E-05565F3E787A}"/>
-              </a:ext>
-            </a:extLst>
-          </p:cNvPr>
-          <p:cNvSpPr txBox="1"/>
-          <p:nvPr/>
-        </p:nvSpPr>
-        <p:spPr>
-          <a:xfrm>
-            <a:off x="4985640" y="17441036"/>
-            <a:ext cx="1790473" cy="2123658"/>
-          </a:xfrm>
-          <a:prstGeom prst="rect">
-            <a:avLst/>
-          </a:prstGeom>
-          <a:noFill/>
-        </p:spPr>
-        <p:txBody>
-          <a:bodyPr wrap="square" rtlCol="0" anchor="ctr">
-            <a:spAutoFit/>
-          </a:bodyPr>
-          <a:lstStyle/>
-          <a:p>
-            <a:pPr algn="thaiDist"/>
-            <a:r>
-              <a:rPr lang="th-TH" sz="2200" dirty="0">
-                <a:solidFill>
-                  <a:srgbClr val="43425D"/>
-                </a:solidFill>
-                <a:latin typeface="TH SarabunPSK" panose="020B0500040200020003" pitchFamily="34" charset="-34"/>
-                <a:cs typeface="TH SarabunPSK" panose="020B0500040200020003" pitchFamily="34" charset="-34"/>
-              </a:rPr>
-              <a:t>เว็บไซต์จะแสดงผลลัพธ์ที่รับมาจากเอพีไอซึ่งประกอบไปด้วย ค่าความถูกต้อง</a:t>
-            </a:r>
-            <a:r>
-              <a:rPr lang="en-US" sz="2200" dirty="0">
-                <a:solidFill>
-                  <a:srgbClr val="43425D"/>
-                </a:solidFill>
-                <a:latin typeface="TH SarabunPSK" panose="020B0500040200020003" pitchFamily="34" charset="-34"/>
-                <a:cs typeface="TH SarabunPSK" panose="020B0500040200020003" pitchFamily="34" charset="-34"/>
-              </a:rPr>
-              <a:t>,</a:t>
-            </a:r>
-            <a:r>
-              <a:rPr lang="th-TH" sz="2200" dirty="0">
-                <a:solidFill>
-                  <a:srgbClr val="43425D"/>
-                </a:solidFill>
-                <a:latin typeface="TH SarabunPSK" panose="020B0500040200020003" pitchFamily="34" charset="-34"/>
-                <a:cs typeface="TH SarabunPSK" panose="020B0500040200020003" pitchFamily="34" charset="-34"/>
-              </a:rPr>
-              <a:t>และผลลัพธ์ในอีก 24 ชม.ถัดไป</a:t>
-            </a:r>
-            <a:endParaRPr lang="en-US" sz="2200" dirty="0">
-              <a:solidFill>
-                <a:srgbClr val="43425D"/>
-              </a:solidFill>
-              <a:latin typeface="TH SarabunPSK" panose="020B0500040200020003" pitchFamily="34" charset="-34"/>
-              <a:cs typeface="TH SarabunPSK" panose="020B0500040200020003" pitchFamily="34" charset="-34"/>
-            </a:endParaRPr>
-          </a:p>
-        </p:txBody>
-      </p:sp>
-      <p:sp>
-        <p:nvSpPr>
-          <p:cNvPr id="91" name="TextBox 90">
-            <a:extLst>
-              <a:ext uri="{FF2B5EF4-FFF2-40B4-BE49-F238E27FC236}">
-                <a16:creationId xmlns:a16="http://schemas.microsoft.com/office/drawing/2014/main" id="{2D660556-C2F7-4CEC-8C16-49A148D9D796}"/>
-              </a:ext>
-            </a:extLst>
-          </p:cNvPr>
-          <p:cNvSpPr txBox="1"/>
-          <p:nvPr/>
-        </p:nvSpPr>
-        <p:spPr>
-          <a:xfrm>
-            <a:off x="4985640" y="16883687"/>
-            <a:ext cx="1999438" cy="461665"/>
-          </a:xfrm>
-          <a:prstGeom prst="rect">
-            <a:avLst/>
-          </a:prstGeom>
-          <a:noFill/>
-        </p:spPr>
-        <p:txBody>
-          <a:bodyPr wrap="square" rtlCol="0" anchor="ctr">
-            <a:spAutoFit/>
-          </a:bodyPr>
-          <a:lstStyle/>
-          <a:p>
-            <a:r>
-              <a:rPr lang="en-US" sz="2400" b="1" dirty="0">
-                <a:solidFill>
-                  <a:srgbClr val="43425D"/>
-                </a:solidFill>
-                <a:latin typeface="TH SarabunPSK" panose="020B0500040200020003" pitchFamily="34" charset="-34"/>
-                <a:cs typeface="TH SarabunPSK" panose="020B0500040200020003" pitchFamily="34" charset="-34"/>
-              </a:rPr>
-              <a:t>Module </a:t>
-            </a:r>
-            <a:r>
-              <a:rPr lang="th-TH" sz="2400" b="1" dirty="0">
-                <a:solidFill>
-                  <a:srgbClr val="43425D"/>
-                </a:solidFill>
-                <a:latin typeface="TH SarabunPSK" panose="020B0500040200020003" pitchFamily="34" charset="-34"/>
-                <a:cs typeface="TH SarabunPSK" panose="020B0500040200020003" pitchFamily="34" charset="-34"/>
-              </a:rPr>
-              <a:t>3</a:t>
-            </a:r>
-            <a:r>
-              <a:rPr lang="en-US" sz="2400" b="1" dirty="0">
-                <a:solidFill>
-                  <a:srgbClr val="43425D"/>
-                </a:solidFill>
-                <a:latin typeface="TH SarabunPSK" panose="020B0500040200020003" pitchFamily="34" charset="-34"/>
-                <a:cs typeface="TH SarabunPSK" panose="020B0500040200020003" pitchFamily="34" charset="-34"/>
-              </a:rPr>
-              <a:t> :</a:t>
-            </a:r>
-            <a:r>
-              <a:rPr lang="th-TH" sz="2400" b="1" dirty="0">
-                <a:solidFill>
-                  <a:srgbClr val="43425D"/>
-                </a:solidFill>
-                <a:latin typeface="TH SarabunPSK" panose="020B0500040200020003" pitchFamily="34" charset="-34"/>
-                <a:cs typeface="TH SarabunPSK" panose="020B0500040200020003" pitchFamily="34" charset="-34"/>
-              </a:rPr>
-              <a:t> </a:t>
-            </a:r>
-            <a:r>
-              <a:rPr lang="en-US" sz="2400" b="1" dirty="0">
-                <a:solidFill>
-                  <a:srgbClr val="43425D"/>
-                </a:solidFill>
-                <a:latin typeface="TH SarabunPSK" panose="020B0500040200020003" pitchFamily="34" charset="-34"/>
-                <a:cs typeface="TH SarabunPSK" panose="020B0500040200020003" pitchFamily="34" charset="-34"/>
-              </a:rPr>
-              <a:t>Web</a:t>
-            </a:r>
-          </a:p>
-        </p:txBody>
-      </p:sp>
-      <p:sp>
-        <p:nvSpPr>
-          <p:cNvPr id="95" name="Google Shape;1263;p42">
-            <a:extLst>
-              <a:ext uri="{FF2B5EF4-FFF2-40B4-BE49-F238E27FC236}">
-                <a16:creationId xmlns:a16="http://schemas.microsoft.com/office/drawing/2014/main" id="{5AB6F579-DB3A-4097-B9F5-C50B791D4B51}"/>
-              </a:ext>
-            </a:extLst>
-          </p:cNvPr>
-          <p:cNvSpPr txBox="1"/>
-          <p:nvPr/>
-        </p:nvSpPr>
-        <p:spPr>
-          <a:xfrm>
-            <a:off x="1352143" y="16548498"/>
-            <a:ext cx="873030" cy="396900"/>
+            <a:off x="2071751" y="12744631"/>
+            <a:ext cx="1248903" cy="829089"/>
           </a:xfrm>
           <a:prstGeom prst="rect">
             <a:avLst/>
@@ -15564,7 +16092,7 @@
           </a:bodyPr>
           <a:lstStyle/>
           <a:p>
-            <a:pPr marL="0" lvl="0" indent="0" algn="ctr" rtl="0">
+            <a:pPr marL="0" lvl="0" indent="0" rtl="0">
               <a:spcBef>
                 <a:spcPts val="0"/>
               </a:spcBef>
@@ -15576,59 +16104,18 @@
             <a:r>
               <a:rPr lang="en-US" sz="1600" b="1" dirty="0">
                 <a:solidFill>
-                  <a:srgbClr val="43425D"/>
+                  <a:schemeClr val="dk1"/>
                 </a:solidFill>
-                <a:latin typeface="Spartan"/>
-                <a:ea typeface="Spartan"/>
+                <a:latin typeface="Source Sans Pro" panose="020B0503030403020204" pitchFamily="34" charset="0"/>
+                <a:ea typeface="Source Sans Pro" panose="020B0503030403020204" pitchFamily="34" charset="0"/>
                 <a:cs typeface="Spartan"/>
                 <a:sym typeface="Spartan"/>
               </a:rPr>
-              <a:t>SVR</a:t>
+              <a:t>H1 </a:t>
             </a:r>
-            <a:endParaRPr sz="1600" b="1" dirty="0">
-              <a:solidFill>
-                <a:srgbClr val="43425D"/>
-              </a:solidFill>
-              <a:latin typeface="Spartan"/>
-              <a:ea typeface="Spartan"/>
-              <a:cs typeface="Spartan"/>
-              <a:sym typeface="Spartan"/>
-            </a:endParaRPr>
           </a:p>
-        </p:txBody>
-      </p:sp>
-      <p:sp>
-        <p:nvSpPr>
-          <p:cNvPr id="96" name="Google Shape;1263;p42">
-            <a:extLst>
-              <a:ext uri="{FF2B5EF4-FFF2-40B4-BE49-F238E27FC236}">
-                <a16:creationId xmlns:a16="http://schemas.microsoft.com/office/drawing/2014/main" id="{D692E8A0-9ED2-4346-88C9-46A231C6DA66}"/>
-              </a:ext>
-            </a:extLst>
-          </p:cNvPr>
-          <p:cNvSpPr txBox="1"/>
-          <p:nvPr/>
-        </p:nvSpPr>
-        <p:spPr>
-          <a:xfrm>
-            <a:off x="3383265" y="16553071"/>
-            <a:ext cx="873030" cy="396900"/>
-          </a:xfrm>
-          <a:prstGeom prst="rect">
-            <a:avLst/>
-          </a:prstGeom>
-          <a:noFill/>
-          <a:ln>
-            <a:noFill/>
-          </a:ln>
-        </p:spPr>
-        <p:txBody>
-          <a:bodyPr spcFirstLastPara="1" wrap="square" lIns="91425" tIns="91425" rIns="91425" bIns="91425" anchor="ctr" anchorCtr="0">
-            <a:noAutofit/>
-          </a:bodyPr>
-          <a:lstStyle/>
           <a:p>
-            <a:pPr marL="0" lvl="0" indent="0" algn="ctr" rtl="0">
+            <a:pPr marL="0" lvl="0" indent="0" rtl="0">
               <a:spcBef>
                 <a:spcPts val="0"/>
               </a:spcBef>
@@ -15638,61 +16125,29 @@
               <a:buNone/>
             </a:pPr>
             <a:r>
-              <a:rPr lang="en-US" sz="1600" b="1" dirty="0">
+              <a:rPr lang="en-US" sz="1600" dirty="0">
                 <a:solidFill>
-                  <a:srgbClr val="43425D"/>
+                  <a:schemeClr val="dk1"/>
                 </a:solidFill>
-                <a:latin typeface="Spartan"/>
-                <a:ea typeface="Spartan"/>
+                <a:latin typeface="Source Sans Pro" panose="020B0503030403020204" pitchFamily="34" charset="0"/>
+                <a:ea typeface="Source Sans Pro" panose="020B0503030403020204" pitchFamily="34" charset="0"/>
                 <a:cs typeface="Spartan"/>
                 <a:sym typeface="Spartan"/>
               </a:rPr>
-              <a:t>API</a:t>
+              <a:t>Time frame</a:t>
             </a:r>
-            <a:endParaRPr sz="1600" b="1" dirty="0">
+            <a:endParaRPr lang="th-TH" sz="1600" dirty="0">
               <a:solidFill>
-                <a:srgbClr val="43425D"/>
+                <a:schemeClr val="dk1"/>
               </a:solidFill>
-              <a:latin typeface="Spartan"/>
-              <a:ea typeface="Spartan"/>
+              <a:latin typeface="Source Sans Pro" panose="020B0503030403020204" pitchFamily="34" charset="0"/>
+              <a:ea typeface="Source Sans Pro" panose="020B0503030403020204" pitchFamily="34" charset="0"/>
               <a:cs typeface="Spartan"/>
               <a:sym typeface="Spartan"/>
             </a:endParaRPr>
           </a:p>
-        </p:txBody>
-      </p:sp>
-      <p:sp>
-        <p:nvSpPr>
-          <p:cNvPr id="97" name="Google Shape;1263;p42">
-            <a:extLst>
-              <a:ext uri="{FF2B5EF4-FFF2-40B4-BE49-F238E27FC236}">
-                <a16:creationId xmlns:a16="http://schemas.microsoft.com/office/drawing/2014/main" id="{E47AC72A-4BB7-4A89-B990-8E443EA4FD73}"/>
-              </a:ext>
-            </a:extLst>
-          </p:cNvPr>
-          <p:cNvSpPr txBox="1"/>
-          <p:nvPr/>
-        </p:nvSpPr>
-        <p:spPr>
-          <a:xfrm>
-            <a:off x="5336576" y="16545627"/>
-            <a:ext cx="873030" cy="396900"/>
-          </a:xfrm>
-          <a:prstGeom prst="rect">
-            <a:avLst/>
-          </a:prstGeom>
-          <a:noFill/>
-          <a:ln>
-            <a:noFill/>
-          </a:ln>
-        </p:spPr>
-        <p:txBody>
-          <a:bodyPr spcFirstLastPara="1" wrap="square" lIns="91425" tIns="91425" rIns="91425" bIns="91425" anchor="ctr" anchorCtr="0">
-            <a:noAutofit/>
-          </a:bodyPr>
-          <a:lstStyle/>
           <a:p>
-            <a:pPr marL="0" lvl="0" indent="0" algn="ctr" rtl="0">
+            <a:pPr marL="0" lvl="0" indent="0" rtl="0">
               <a:spcBef>
                 <a:spcPts val="0"/>
               </a:spcBef>
@@ -15702,23 +16157,23 @@
               <a:buNone/>
             </a:pPr>
             <a:r>
-              <a:rPr lang="en-US" sz="1600" b="1" dirty="0">
+              <a:rPr lang="th-TH" sz="1600" dirty="0">
                 <a:solidFill>
-                  <a:srgbClr val="43425D"/>
+                  <a:schemeClr val="dk1"/>
                 </a:solidFill>
-                <a:latin typeface="Spartan"/>
-                <a:ea typeface="Spartan"/>
+                <a:latin typeface="Source Sans Pro" panose="020B0503030403020204" pitchFamily="34" charset="0"/>
+                <a:ea typeface="Source Sans Pro" panose="020B0503030403020204" pitchFamily="34" charset="0"/>
                 <a:cs typeface="Spartan"/>
                 <a:sym typeface="Spartan"/>
               </a:rPr>
-              <a:t>WEB</a:t>
+              <a:t>2017-2020</a:t>
             </a:r>
-            <a:endParaRPr sz="1600" b="1" dirty="0">
+            <a:endParaRPr sz="1600" dirty="0">
               <a:solidFill>
-                <a:srgbClr val="43425D"/>
+                <a:schemeClr val="dk1"/>
               </a:solidFill>
-              <a:latin typeface="Spartan"/>
-              <a:ea typeface="Spartan"/>
+              <a:latin typeface="Source Sans Pro" panose="020B0503030403020204" pitchFamily="34" charset="0"/>
+              <a:ea typeface="Source Sans Pro" panose="020B0503030403020204" pitchFamily="34" charset="0"/>
               <a:cs typeface="Spartan"/>
               <a:sym typeface="Spartan"/>
             </a:endParaRPr>

--- a/Paper/261492/Poster600610752.pptx
+++ b/Paper/261492/Poster600610752.pptx
@@ -5,12 +5,13 @@
     <p:sldMasterId id="2147483648" r:id="rId1"/>
   </p:sldMasterIdLst>
   <p:notesMasterIdLst>
-    <p:notesMasterId r:id="rId5"/>
+    <p:notesMasterId r:id="rId6"/>
   </p:notesMasterIdLst>
   <p:sldIdLst>
     <p:sldId id="261" r:id="rId2"/>
     <p:sldId id="259" r:id="rId3"/>
-    <p:sldId id="260" r:id="rId4"/>
+    <p:sldId id="262" r:id="rId4"/>
+    <p:sldId id="260" r:id="rId5"/>
   </p:sldIdLst>
   <p:sldSz cx="15122525" cy="21386800"/>
   <p:notesSz cx="6858000" cy="9144000"/>
@@ -210,7 +211,7 @@
           <a:p>
             <a:fld id="{BD616AF9-4901-43BB-A3ED-711CD44FF8EB}" type="datetimeFigureOut">
               <a:rPr lang="en-US" smtClean="0"/>
-              <a:t>3/4/2021</a:t>
+              <a:t>3/7/2021</a:t>
             </a:fld>
             <a:endParaRPr lang="en-US"/>
           </a:p>
@@ -825,7 +826,7 @@
             <a:fld id="{F0C5BF3B-CBAE-4ED5-9C60-609E34BC2E4E}" type="datetimeFigureOut">
               <a:rPr lang="th-TH" smtClean="0"/>
               <a:pPr/>
-              <a:t>04/03/64</a:t>
+              <a:t>07/03/64</a:t>
             </a:fld>
             <a:endParaRPr lang="th-TH"/>
           </a:p>
@@ -995,7 +996,7 @@
             <a:fld id="{F0C5BF3B-CBAE-4ED5-9C60-609E34BC2E4E}" type="datetimeFigureOut">
               <a:rPr lang="th-TH" smtClean="0"/>
               <a:pPr/>
-              <a:t>04/03/64</a:t>
+              <a:t>07/03/64</a:t>
             </a:fld>
             <a:endParaRPr lang="th-TH"/>
           </a:p>
@@ -1175,7 +1176,7 @@
             <a:fld id="{F0C5BF3B-CBAE-4ED5-9C60-609E34BC2E4E}" type="datetimeFigureOut">
               <a:rPr lang="th-TH" smtClean="0"/>
               <a:pPr/>
-              <a:t>04/03/64</a:t>
+              <a:t>07/03/64</a:t>
             </a:fld>
             <a:endParaRPr lang="th-TH"/>
           </a:p>
@@ -1345,7 +1346,7 @@
             <a:fld id="{F0C5BF3B-CBAE-4ED5-9C60-609E34BC2E4E}" type="datetimeFigureOut">
               <a:rPr lang="th-TH" smtClean="0"/>
               <a:pPr/>
-              <a:t>04/03/64</a:t>
+              <a:t>07/03/64</a:t>
             </a:fld>
             <a:endParaRPr lang="th-TH"/>
           </a:p>
@@ -1592,7 +1593,7 @@
             <a:fld id="{F0C5BF3B-CBAE-4ED5-9C60-609E34BC2E4E}" type="datetimeFigureOut">
               <a:rPr lang="th-TH" smtClean="0"/>
               <a:pPr/>
-              <a:t>04/03/64</a:t>
+              <a:t>07/03/64</a:t>
             </a:fld>
             <a:endParaRPr lang="th-TH"/>
           </a:p>
@@ -1879,7 +1880,7 @@
             <a:fld id="{F0C5BF3B-CBAE-4ED5-9C60-609E34BC2E4E}" type="datetimeFigureOut">
               <a:rPr lang="th-TH" smtClean="0"/>
               <a:pPr/>
-              <a:t>04/03/64</a:t>
+              <a:t>07/03/64</a:t>
             </a:fld>
             <a:endParaRPr lang="th-TH"/>
           </a:p>
@@ -2305,7 +2306,7 @@
             <a:fld id="{F0C5BF3B-CBAE-4ED5-9C60-609E34BC2E4E}" type="datetimeFigureOut">
               <a:rPr lang="th-TH" smtClean="0"/>
               <a:pPr/>
-              <a:t>04/03/64</a:t>
+              <a:t>07/03/64</a:t>
             </a:fld>
             <a:endParaRPr lang="th-TH"/>
           </a:p>
@@ -2424,7 +2425,7 @@
             <a:fld id="{F0C5BF3B-CBAE-4ED5-9C60-609E34BC2E4E}" type="datetimeFigureOut">
               <a:rPr lang="th-TH" smtClean="0"/>
               <a:pPr/>
-              <a:t>04/03/64</a:t>
+              <a:t>07/03/64</a:t>
             </a:fld>
             <a:endParaRPr lang="th-TH"/>
           </a:p>
@@ -2521,7 +2522,7 @@
             <a:fld id="{F0C5BF3B-CBAE-4ED5-9C60-609E34BC2E4E}" type="datetimeFigureOut">
               <a:rPr lang="th-TH" smtClean="0"/>
               <a:pPr/>
-              <a:t>04/03/64</a:t>
+              <a:t>07/03/64</a:t>
             </a:fld>
             <a:endParaRPr lang="th-TH"/>
           </a:p>
@@ -2798,7 +2799,7 @@
             <a:fld id="{F0C5BF3B-CBAE-4ED5-9C60-609E34BC2E4E}" type="datetimeFigureOut">
               <a:rPr lang="th-TH" smtClean="0"/>
               <a:pPr/>
-              <a:t>04/03/64</a:t>
+              <a:t>07/03/64</a:t>
             </a:fld>
             <a:endParaRPr lang="th-TH"/>
           </a:p>
@@ -3052,7 +3053,7 @@
             <a:fld id="{F0C5BF3B-CBAE-4ED5-9C60-609E34BC2E4E}" type="datetimeFigureOut">
               <a:rPr lang="th-TH" smtClean="0"/>
               <a:pPr/>
-              <a:t>04/03/64</a:t>
+              <a:t>07/03/64</a:t>
             </a:fld>
             <a:endParaRPr lang="th-TH"/>
           </a:p>
@@ -3265,7 +3266,7 @@
             <a:fld id="{F0C5BF3B-CBAE-4ED5-9C60-609E34BC2E4E}" type="datetimeFigureOut">
               <a:rPr lang="th-TH" smtClean="0"/>
               <a:pPr/>
-              <a:t>04/03/64</a:t>
+              <a:t>07/03/64</a:t>
             </a:fld>
             <a:endParaRPr lang="th-TH"/>
           </a:p>
@@ -37998,6 +37999,538 @@
           <a:chExt cx="0" cy="0"/>
         </a:xfrm>
       </p:grpSpPr>
+      <p:sp>
+        <p:nvSpPr>
+          <p:cNvPr id="4" name="TextBox 3">
+            <a:extLst>
+              <a:ext uri="{FF2B5EF4-FFF2-40B4-BE49-F238E27FC236}">
+                <a16:creationId xmlns:a16="http://schemas.microsoft.com/office/drawing/2014/main" id="{205545C1-5DF0-45AA-8D9E-6C7377544178}"/>
+              </a:ext>
+            </a:extLst>
+          </p:cNvPr>
+          <p:cNvSpPr txBox="1"/>
+          <p:nvPr/>
+        </p:nvSpPr>
+        <p:spPr>
+          <a:xfrm>
+            <a:off x="2952750" y="4356696"/>
+            <a:ext cx="936104" cy="338554"/>
+          </a:xfrm>
+          <a:prstGeom prst="rect">
+            <a:avLst/>
+          </a:prstGeom>
+          <a:ln w="6350"/>
+        </p:spPr>
+        <p:style>
+          <a:lnRef idx="2">
+            <a:schemeClr val="dk1"/>
+          </a:lnRef>
+          <a:fillRef idx="1">
+            <a:schemeClr val="lt1"/>
+          </a:fillRef>
+          <a:effectRef idx="0">
+            <a:schemeClr val="dk1"/>
+          </a:effectRef>
+          <a:fontRef idx="minor">
+            <a:schemeClr val="dk1"/>
+          </a:fontRef>
+        </p:style>
+        <p:txBody>
+          <a:bodyPr wrap="square" rtlCol="0">
+            <a:spAutoFit/>
+          </a:bodyPr>
+          <a:lstStyle/>
+          <a:p>
+            <a:pPr algn="ctr"/>
+            <a:r>
+              <a:rPr lang="en-US" sz="1600" dirty="0">
+                <a:latin typeface="TH SarabunPSK" panose="020B0500040200020003" pitchFamily="34" charset="-34"/>
+                <a:cs typeface="TH SarabunPSK" panose="020B0500040200020003" pitchFamily="34" charset="-34"/>
+              </a:rPr>
+              <a:t>SVR Model</a:t>
+            </a:r>
+          </a:p>
+        </p:txBody>
+      </p:sp>
+      <p:sp>
+        <p:nvSpPr>
+          <p:cNvPr id="5" name="TextBox 4">
+            <a:extLst>
+              <a:ext uri="{FF2B5EF4-FFF2-40B4-BE49-F238E27FC236}">
+                <a16:creationId xmlns:a16="http://schemas.microsoft.com/office/drawing/2014/main" id="{12BB8144-86B3-4F59-92DD-5CC5CE16711B}"/>
+              </a:ext>
+            </a:extLst>
+          </p:cNvPr>
+          <p:cNvSpPr txBox="1"/>
+          <p:nvPr/>
+        </p:nvSpPr>
+        <p:spPr>
+          <a:xfrm>
+            <a:off x="4464918" y="4356696"/>
+            <a:ext cx="936104" cy="338554"/>
+          </a:xfrm>
+          <a:prstGeom prst="rect">
+            <a:avLst/>
+          </a:prstGeom>
+          <a:ln w="6350"/>
+        </p:spPr>
+        <p:style>
+          <a:lnRef idx="2">
+            <a:schemeClr val="dk1"/>
+          </a:lnRef>
+          <a:fillRef idx="1">
+            <a:schemeClr val="lt1"/>
+          </a:fillRef>
+          <a:effectRef idx="0">
+            <a:schemeClr val="dk1"/>
+          </a:effectRef>
+          <a:fontRef idx="minor">
+            <a:schemeClr val="dk1"/>
+          </a:fontRef>
+        </p:style>
+        <p:txBody>
+          <a:bodyPr wrap="square" rtlCol="0">
+            <a:spAutoFit/>
+          </a:bodyPr>
+          <a:lstStyle/>
+          <a:p>
+            <a:pPr algn="ctr"/>
+            <a:r>
+              <a:rPr lang="en-US" sz="1600" dirty="0">
+                <a:latin typeface="TH SarabunPSK" panose="020B0500040200020003" pitchFamily="34" charset="-34"/>
+                <a:cs typeface="TH SarabunPSK" panose="020B0500040200020003" pitchFamily="34" charset="-34"/>
+              </a:rPr>
+              <a:t>Flask API</a:t>
+            </a:r>
+          </a:p>
+        </p:txBody>
+      </p:sp>
+      <p:sp>
+        <p:nvSpPr>
+          <p:cNvPr id="6" name="TextBox 5">
+            <a:extLst>
+              <a:ext uri="{FF2B5EF4-FFF2-40B4-BE49-F238E27FC236}">
+                <a16:creationId xmlns:a16="http://schemas.microsoft.com/office/drawing/2014/main" id="{E9E3C2BF-264B-4804-8EB6-B8B61CA7BF48}"/>
+              </a:ext>
+            </a:extLst>
+          </p:cNvPr>
+          <p:cNvSpPr txBox="1"/>
+          <p:nvPr/>
+        </p:nvSpPr>
+        <p:spPr>
+          <a:xfrm>
+            <a:off x="5977086" y="4356696"/>
+            <a:ext cx="936104" cy="338554"/>
+          </a:xfrm>
+          <a:prstGeom prst="rect">
+            <a:avLst/>
+          </a:prstGeom>
+          <a:ln w="6350"/>
+        </p:spPr>
+        <p:style>
+          <a:lnRef idx="2">
+            <a:schemeClr val="dk1"/>
+          </a:lnRef>
+          <a:fillRef idx="1">
+            <a:schemeClr val="lt1"/>
+          </a:fillRef>
+          <a:effectRef idx="0">
+            <a:schemeClr val="dk1"/>
+          </a:effectRef>
+          <a:fontRef idx="minor">
+            <a:schemeClr val="dk1"/>
+          </a:fontRef>
+        </p:style>
+        <p:txBody>
+          <a:bodyPr wrap="square" rtlCol="0">
+            <a:spAutoFit/>
+          </a:bodyPr>
+          <a:lstStyle/>
+          <a:p>
+            <a:pPr algn="ctr"/>
+            <a:r>
+              <a:rPr lang="en-US" sz="1600" dirty="0">
+                <a:latin typeface="TH SarabunPSK" panose="020B0500040200020003" pitchFamily="34" charset="-34"/>
+                <a:cs typeface="TH SarabunPSK" panose="020B0500040200020003" pitchFamily="34" charset="-34"/>
+              </a:rPr>
+              <a:t>Website</a:t>
+            </a:r>
+          </a:p>
+        </p:txBody>
+      </p:sp>
+      <p:sp>
+        <p:nvSpPr>
+          <p:cNvPr id="7" name="TextBox 6">
+            <a:extLst>
+              <a:ext uri="{FF2B5EF4-FFF2-40B4-BE49-F238E27FC236}">
+                <a16:creationId xmlns:a16="http://schemas.microsoft.com/office/drawing/2014/main" id="{AC84C836-0B05-4F27-83E7-B3B802989049}"/>
+              </a:ext>
+            </a:extLst>
+          </p:cNvPr>
+          <p:cNvSpPr txBox="1"/>
+          <p:nvPr/>
+        </p:nvSpPr>
+        <p:spPr>
+          <a:xfrm>
+            <a:off x="2844738" y="3276576"/>
+            <a:ext cx="1152128" cy="307777"/>
+          </a:xfrm>
+          <a:prstGeom prst="rect">
+            <a:avLst/>
+          </a:prstGeom>
+          <a:ln w="6350">
+            <a:noFill/>
+          </a:ln>
+        </p:spPr>
+        <p:style>
+          <a:lnRef idx="2">
+            <a:schemeClr val="dk1"/>
+          </a:lnRef>
+          <a:fillRef idx="1">
+            <a:schemeClr val="lt1"/>
+          </a:fillRef>
+          <a:effectRef idx="0">
+            <a:schemeClr val="dk1"/>
+          </a:effectRef>
+          <a:fontRef idx="minor">
+            <a:schemeClr val="dk1"/>
+          </a:fontRef>
+        </p:style>
+        <p:txBody>
+          <a:bodyPr wrap="square" rtlCol="0">
+            <a:spAutoFit/>
+          </a:bodyPr>
+          <a:lstStyle/>
+          <a:p>
+            <a:pPr algn="ctr"/>
+            <a:r>
+              <a:rPr lang="en-US" sz="1400" dirty="0">
+                <a:latin typeface="TH SarabunPSK" panose="020B0500040200020003" pitchFamily="34" charset="-34"/>
+                <a:cs typeface="TH SarabunPSK" panose="020B0500040200020003" pitchFamily="34" charset="-34"/>
+              </a:rPr>
+              <a:t>Historical Data</a:t>
+            </a:r>
+          </a:p>
+        </p:txBody>
+      </p:sp>
+      <p:sp>
+        <p:nvSpPr>
+          <p:cNvPr id="8" name="TextBox 7">
+            <a:extLst>
+              <a:ext uri="{FF2B5EF4-FFF2-40B4-BE49-F238E27FC236}">
+                <a16:creationId xmlns:a16="http://schemas.microsoft.com/office/drawing/2014/main" id="{60C2F23C-8C5C-4D05-BEB7-573ED2506C9D}"/>
+              </a:ext>
+            </a:extLst>
+          </p:cNvPr>
+          <p:cNvSpPr txBox="1"/>
+          <p:nvPr/>
+        </p:nvSpPr>
+        <p:spPr>
+          <a:xfrm>
+            <a:off x="4356906" y="3276576"/>
+            <a:ext cx="1152128" cy="307777"/>
+          </a:xfrm>
+          <a:prstGeom prst="rect">
+            <a:avLst/>
+          </a:prstGeom>
+          <a:ln w="6350">
+            <a:noFill/>
+          </a:ln>
+        </p:spPr>
+        <p:style>
+          <a:lnRef idx="2">
+            <a:schemeClr val="dk1"/>
+          </a:lnRef>
+          <a:fillRef idx="1">
+            <a:schemeClr val="lt1"/>
+          </a:fillRef>
+          <a:effectRef idx="0">
+            <a:schemeClr val="dk1"/>
+          </a:effectRef>
+          <a:fontRef idx="minor">
+            <a:schemeClr val="dk1"/>
+          </a:fontRef>
+        </p:style>
+        <p:txBody>
+          <a:bodyPr wrap="square" rtlCol="0">
+            <a:spAutoFit/>
+          </a:bodyPr>
+          <a:lstStyle/>
+          <a:p>
+            <a:pPr algn="ctr"/>
+            <a:r>
+              <a:rPr lang="en-US" sz="1400" dirty="0">
+                <a:latin typeface="TH SarabunPSK" panose="020B0500040200020003" pitchFamily="34" charset="-34"/>
+                <a:cs typeface="TH SarabunPSK" panose="020B0500040200020003" pitchFamily="34" charset="-34"/>
+              </a:rPr>
+              <a:t>Real-time Data</a:t>
+            </a:r>
+          </a:p>
+        </p:txBody>
+      </p:sp>
+      <p:cxnSp>
+        <p:nvCxnSpPr>
+          <p:cNvPr id="10" name="Straight Arrow Connector 9">
+            <a:extLst>
+              <a:ext uri="{FF2B5EF4-FFF2-40B4-BE49-F238E27FC236}">
+                <a16:creationId xmlns:a16="http://schemas.microsoft.com/office/drawing/2014/main" id="{3591CF55-9031-4554-993B-906CC9C551CC}"/>
+              </a:ext>
+            </a:extLst>
+          </p:cNvPr>
+          <p:cNvCxnSpPr>
+            <a:cxnSpLocks/>
+            <a:stCxn id="7" idx="2"/>
+            <a:endCxn id="4" idx="0"/>
+          </p:cNvCxnSpPr>
+          <p:nvPr/>
+        </p:nvCxnSpPr>
+        <p:spPr>
+          <a:xfrm>
+            <a:off x="3420802" y="3584353"/>
+            <a:ext cx="0" cy="772343"/>
+          </a:xfrm>
+          <a:prstGeom prst="straightConnector1">
+            <a:avLst/>
+          </a:prstGeom>
+          <a:ln w="6350">
+            <a:solidFill>
+              <a:schemeClr val="tx1"/>
+            </a:solidFill>
+            <a:prstDash val="dashDot"/>
+            <a:tailEnd type="triangle"/>
+          </a:ln>
+        </p:spPr>
+        <p:style>
+          <a:lnRef idx="1">
+            <a:schemeClr val="accent1"/>
+          </a:lnRef>
+          <a:fillRef idx="0">
+            <a:schemeClr val="accent1"/>
+          </a:fillRef>
+          <a:effectRef idx="0">
+            <a:schemeClr val="accent1"/>
+          </a:effectRef>
+          <a:fontRef idx="minor">
+            <a:schemeClr val="tx1"/>
+          </a:fontRef>
+        </p:style>
+      </p:cxnSp>
+      <p:cxnSp>
+        <p:nvCxnSpPr>
+          <p:cNvPr id="12" name="Straight Arrow Connector 11">
+            <a:extLst>
+              <a:ext uri="{FF2B5EF4-FFF2-40B4-BE49-F238E27FC236}">
+                <a16:creationId xmlns:a16="http://schemas.microsoft.com/office/drawing/2014/main" id="{E790AE6E-454C-4F0D-9B8B-8922520B79DC}"/>
+              </a:ext>
+            </a:extLst>
+          </p:cNvPr>
+          <p:cNvCxnSpPr>
+            <a:cxnSpLocks/>
+            <a:stCxn id="8" idx="2"/>
+            <a:endCxn id="5" idx="0"/>
+          </p:cNvCxnSpPr>
+          <p:nvPr/>
+        </p:nvCxnSpPr>
+        <p:spPr>
+          <a:xfrm>
+            <a:off x="4932970" y="3584353"/>
+            <a:ext cx="0" cy="772343"/>
+          </a:xfrm>
+          <a:prstGeom prst="straightConnector1">
+            <a:avLst/>
+          </a:prstGeom>
+          <a:ln w="6350">
+            <a:solidFill>
+              <a:schemeClr val="tx1"/>
+            </a:solidFill>
+            <a:prstDash val="solid"/>
+            <a:tailEnd type="triangle"/>
+          </a:ln>
+        </p:spPr>
+        <p:style>
+          <a:lnRef idx="1">
+            <a:schemeClr val="accent1"/>
+          </a:lnRef>
+          <a:fillRef idx="0">
+            <a:schemeClr val="accent1"/>
+          </a:fillRef>
+          <a:effectRef idx="0">
+            <a:schemeClr val="accent1"/>
+          </a:effectRef>
+          <a:fontRef idx="minor">
+            <a:schemeClr val="tx1"/>
+          </a:fontRef>
+        </p:style>
+      </p:cxnSp>
+      <p:cxnSp>
+        <p:nvCxnSpPr>
+          <p:cNvPr id="16" name="Straight Arrow Connector 15">
+            <a:extLst>
+              <a:ext uri="{FF2B5EF4-FFF2-40B4-BE49-F238E27FC236}">
+                <a16:creationId xmlns:a16="http://schemas.microsoft.com/office/drawing/2014/main" id="{F85A3A27-A3BC-47F1-8A7E-7444C1408B6F}"/>
+              </a:ext>
+            </a:extLst>
+          </p:cNvPr>
+          <p:cNvCxnSpPr>
+            <a:cxnSpLocks/>
+          </p:cNvCxnSpPr>
+          <p:nvPr/>
+        </p:nvCxnSpPr>
+        <p:spPr>
+          <a:xfrm flipH="1">
+            <a:off x="3888854" y="4428704"/>
+            <a:ext cx="576064" cy="0"/>
+          </a:xfrm>
+          <a:prstGeom prst="straightConnector1">
+            <a:avLst/>
+          </a:prstGeom>
+          <a:ln w="6350">
+            <a:solidFill>
+              <a:schemeClr val="tx1"/>
+            </a:solidFill>
+            <a:prstDash val="solid"/>
+            <a:tailEnd type="triangle"/>
+          </a:ln>
+        </p:spPr>
+        <p:style>
+          <a:lnRef idx="1">
+            <a:schemeClr val="accent1"/>
+          </a:lnRef>
+          <a:fillRef idx="0">
+            <a:schemeClr val="accent1"/>
+          </a:fillRef>
+          <a:effectRef idx="0">
+            <a:schemeClr val="accent1"/>
+          </a:effectRef>
+          <a:fontRef idx="minor">
+            <a:schemeClr val="tx1"/>
+          </a:fontRef>
+        </p:style>
+      </p:cxnSp>
+      <p:cxnSp>
+        <p:nvCxnSpPr>
+          <p:cNvPr id="21" name="Straight Arrow Connector 20">
+            <a:extLst>
+              <a:ext uri="{FF2B5EF4-FFF2-40B4-BE49-F238E27FC236}">
+                <a16:creationId xmlns:a16="http://schemas.microsoft.com/office/drawing/2014/main" id="{8EBFE912-3E02-44F3-9B5F-4347BEABD4A5}"/>
+              </a:ext>
+            </a:extLst>
+          </p:cNvPr>
+          <p:cNvCxnSpPr>
+            <a:cxnSpLocks/>
+          </p:cNvCxnSpPr>
+          <p:nvPr/>
+        </p:nvCxnSpPr>
+        <p:spPr>
+          <a:xfrm flipH="1">
+            <a:off x="3888854" y="4625272"/>
+            <a:ext cx="576064" cy="0"/>
+          </a:xfrm>
+          <a:prstGeom prst="straightConnector1">
+            <a:avLst/>
+          </a:prstGeom>
+          <a:ln w="6350">
+            <a:solidFill>
+              <a:schemeClr val="tx1"/>
+            </a:solidFill>
+            <a:prstDash val="solid"/>
+            <a:headEnd type="triangle" w="med" len="med"/>
+            <a:tailEnd type="none" w="med" len="med"/>
+          </a:ln>
+        </p:spPr>
+        <p:style>
+          <a:lnRef idx="1">
+            <a:schemeClr val="accent1"/>
+          </a:lnRef>
+          <a:fillRef idx="0">
+            <a:schemeClr val="accent1"/>
+          </a:fillRef>
+          <a:effectRef idx="0">
+            <a:schemeClr val="accent1"/>
+          </a:effectRef>
+          <a:fontRef idx="minor">
+            <a:schemeClr val="tx1"/>
+          </a:fontRef>
+        </p:style>
+      </p:cxnSp>
+      <p:cxnSp>
+        <p:nvCxnSpPr>
+          <p:cNvPr id="22" name="Straight Arrow Connector 21">
+            <a:extLst>
+              <a:ext uri="{FF2B5EF4-FFF2-40B4-BE49-F238E27FC236}">
+                <a16:creationId xmlns:a16="http://schemas.microsoft.com/office/drawing/2014/main" id="{718FD584-E82C-4B13-A5CA-78A9AB6C4BC1}"/>
+              </a:ext>
+            </a:extLst>
+          </p:cNvPr>
+          <p:cNvCxnSpPr>
+            <a:cxnSpLocks/>
+            <a:stCxn id="6" idx="1"/>
+            <a:endCxn id="5" idx="3"/>
+          </p:cNvCxnSpPr>
+          <p:nvPr/>
+        </p:nvCxnSpPr>
+        <p:spPr>
+          <a:xfrm flipH="1">
+            <a:off x="5401022" y="4525973"/>
+            <a:ext cx="576064" cy="0"/>
+          </a:xfrm>
+          <a:prstGeom prst="straightConnector1">
+            <a:avLst/>
+          </a:prstGeom>
+          <a:ln w="6350">
+            <a:solidFill>
+              <a:schemeClr val="tx1"/>
+            </a:solidFill>
+            <a:prstDash val="solid"/>
+            <a:headEnd type="triangle" w="med" len="med"/>
+            <a:tailEnd type="none" w="med" len="med"/>
+          </a:ln>
+        </p:spPr>
+        <p:style>
+          <a:lnRef idx="1">
+            <a:schemeClr val="accent1"/>
+          </a:lnRef>
+          <a:fillRef idx="0">
+            <a:schemeClr val="accent1"/>
+          </a:fillRef>
+          <a:effectRef idx="0">
+            <a:schemeClr val="accent1"/>
+          </a:effectRef>
+          <a:fontRef idx="minor">
+            <a:schemeClr val="tx1"/>
+          </a:fontRef>
+        </p:style>
+      </p:cxnSp>
+    </p:spTree>
+    <p:extLst>
+      <p:ext uri="{BB962C8B-B14F-4D97-AF65-F5344CB8AC3E}">
+        <p14:creationId xmlns:p14="http://schemas.microsoft.com/office/powerpoint/2010/main" val="3915201555"/>
+      </p:ext>
+    </p:extLst>
+  </p:cSld>
+  <p:clrMapOvr>
+    <a:masterClrMapping/>
+  </p:clrMapOvr>
+</p:sld>
+</file>
+
+<file path=ppt/slides/slide4.xml><?xml version="1.0" encoding="utf-8"?>
+<p:sld xmlns:a="http://schemas.openxmlformats.org/drawingml/2006/main" xmlns:r="http://schemas.openxmlformats.org/officeDocument/2006/relationships" xmlns:p="http://schemas.openxmlformats.org/presentationml/2006/main">
+  <p:cSld>
+    <p:spTree>
+      <p:nvGrpSpPr>
+        <p:cNvPr id="1" name=""/>
+        <p:cNvGrpSpPr/>
+        <p:nvPr/>
+      </p:nvGrpSpPr>
+      <p:grpSpPr>
+        <a:xfrm>
+          <a:off x="0" y="0"/>
+          <a:ext cx="0" cy="0"/>
+          <a:chOff x="0" y="0"/>
+          <a:chExt cx="0" cy="0"/>
+        </a:xfrm>
+      </p:grpSpPr>
       <p:grpSp>
         <p:nvGrpSpPr>
           <p:cNvPr id="186" name="Group 185">
